--- a/Capstone Design/발표자료/중간발표/v2.pptx
+++ b/Capstone Design/발표자료/중간발표/v2.pptx
@@ -2,7 +2,7 @@
 <file path=ppt/presentation.xml><?xml version="1.0" encoding="utf-8"?>
 <p:presentation xmlns:r="http://schemas.openxmlformats.org/officeDocument/2006/relationships" xmlns:c="http://schemas.openxmlformats.org/drawingml/2006/chart" xmlns:a="http://schemas.openxmlformats.org/drawingml/2006/main" xmlns:dgm="http://schemas.openxmlformats.org/drawingml/2006/diagram" xmlns:dsp="http://schemas.microsoft.com/office/drawing/2008/diagram" xmlns:p="http://schemas.openxmlformats.org/presentationml/2006/main" showSpecialPlsOnTitleSld="0" strictFirstAndLastChars="0" autoCompressPictures="0">
   <p:sldMasterIdLst>
-    <p:sldMasterId id="2147483658" r:id="rId1"/>
+    <p:sldMasterId id="2147483664" r:id="rId1"/>
   </p:sldMasterIdLst>
   <p:notesMasterIdLst>
     <p:notesMasterId r:id="rId2"/>
@@ -19,7 +19,6 @@
     <p:sldId id="264" r:id="rId11"/>
     <p:sldId id="265" r:id="rId12"/>
     <p:sldId id="266" r:id="rId13"/>
-    <p:sldId id="267" r:id="rId14"/>
   </p:sldIdLst>
   <p:sldSz cx="9144000" cy="5143500" type="screen16x9"/>
   <p:notesSz cx="6858000" cy="9144000"/>
@@ -921,113 +920,6 @@
 </file>
 
 <file path=ppt/notesSlides/notesSlide11.xml><?xml version="1.0" encoding="utf-8"?>
-<p:notes xmlns:r="http://schemas.openxmlformats.org/officeDocument/2006/relationships" xmlns:c="http://schemas.openxmlformats.org/drawingml/2006/chart" xmlns:a="http://schemas.openxmlformats.org/drawingml/2006/main" xmlns:dgm="http://schemas.openxmlformats.org/drawingml/2006/diagram" xmlns:dsp="http://schemas.microsoft.com/office/drawing/2008/diagram" xmlns:p="http://schemas.openxmlformats.org/presentationml/2006/main" showMasterSp="0" showMasterPhAnim="0">
-  <p:cSld>
-    <p:spTree>
-      <p:nvGrpSpPr>
-        <p:cNvPr id="1" name=""/>
-        <p:cNvGrpSpPr/>
-        <p:nvPr/>
-      </p:nvGrpSpPr>
-      <p:grpSpPr>
-        <a:xfrm>
-          <a:off x="0" y="0"/>
-          <a:ext cx="0" cy="0"/>
-          <a:chOff x="0" y="0"/>
-          <a:chExt cx="0" cy="0"/>
-        </a:xfrm>
-      </p:grpSpPr>
-      <p:sp>
-        <p:nvSpPr>
-          <p:cNvPr id="90" name="Google Shape;90;g3606f1c2d_30:notes"/>
-          <p:cNvSpPr>
-            <a:spLocks noGrp="1" noRot="1" noChangeAspect="1" noTextEdit="1"/>
-          </p:cNvSpPr>
-          <p:nvPr>
-            <p:ph type="sldImg" idx="2"/>
-          </p:nvPr>
-        </p:nvSpPr>
-        <p:spPr>
-          <a:xfrm>
-            <a:off x="381000" y="685800"/>
-            <a:ext cx="6096000" cy="3429000"/>
-          </a:xfrm>
-          <a:custGeom>
-            <a:avLst/>
-            <a:gdLst/>
-            <a:rect l="l" t="t" r="r" b="b"/>
-            <a:pathLst>
-              <a:path w="120000" h="120000" extrusionOk="0">
-                <a:moveTo>
-                  <a:pt x="0" y="0"/>
-                </a:moveTo>
-                <a:lnTo>
-                  <a:pt x="120000" y="0"/>
-                </a:lnTo>
-                <a:lnTo>
-                  <a:pt x="120000" y="120000"/>
-                </a:lnTo>
-                <a:lnTo>
-                  <a:pt x="0" y="120000"/>
-                </a:lnTo>
-                <a:close/>
-              </a:path>
-            </a:pathLst>
-          </a:custGeom>
-        </p:spPr>
-      </p:sp>
-      <p:sp>
-        <p:nvSpPr>
-          <p:cNvPr id="91" name="Google Shape;91;g3606f1c2d_30:notes"/>
-          <p:cNvSpPr txBox="1">
-            <a:spLocks noGrp="1"/>
-          </p:cNvSpPr>
-          <p:nvPr>
-            <p:ph type="body" idx="1"/>
-          </p:nvPr>
-        </p:nvSpPr>
-        <p:spPr>
-          <a:xfrm>
-            <a:off x="685800" y="4343400"/>
-            <a:ext cx="5486400" cy="4114800"/>
-          </a:xfrm>
-          <a:prstGeom prst="rect">
-            <a:avLst/>
-          </a:prstGeom>
-        </p:spPr>
-        <p:txBody>
-          <a:bodyPr wrap="square" lIns="91424" tIns="91424" rIns="91424" bIns="91424" anchor="t" anchorCtr="0">
-            <a:noAutofit/>
-          </a:bodyPr>
-          <a:lstStyle/>
-          <a:p>
-            <a:pPr marL="0" lvl="0" indent="0" algn="l" rtl="0">
-              <a:spcBef>
-                <a:spcPts val="0"/>
-              </a:spcBef>
-              <a:spcAft>
-                <a:spcPts val="0"/>
-              </a:spcAft>
-              <a:buNone/>
-              <a:defRPr/>
-            </a:pPr>
-            <a:r>
-              <a:rPr lang="ko-KR" altLang="en-US"/>
-              <a:t/>
-            </a:r>
-            <a:endParaRPr lang="ko-KR" altLang="en-US"/>
-          </a:p>
-        </p:txBody>
-      </p:sp>
-    </p:spTree>
-  </p:cSld>
-  <p:clrMapOvr>
-    <a:masterClrMapping/>
-  </p:clrMapOvr>
-</p:notes>
-</file>
-
-<file path=ppt/notesSlides/notesSlide12.xml><?xml version="1.0" encoding="utf-8"?>
 <p:notes xmlns:r="http://schemas.openxmlformats.org/officeDocument/2006/relationships" xmlns:c="http://schemas.openxmlformats.org/drawingml/2006/chart" xmlns:a="http://schemas.openxmlformats.org/drawingml/2006/main" xmlns:dgm="http://schemas.openxmlformats.org/drawingml/2006/diagram" xmlns:dsp="http://schemas.microsoft.com/office/drawing/2008/diagram" xmlns:p="http://schemas.openxmlformats.org/presentationml/2006/main" showMasterSp="0" showMasterPhAnim="0">
   <p:cSld>
     <p:spTree>
@@ -5163,7 +5055,7 @@
       </p:grpSpPr>
       <p:sp>
         <p:nvSpPr>
-          <p:cNvPr id="9" name="Google Shape;93;p13"/>
+          <p:cNvPr id="93" name="Google Shape;93;p13"/>
           <p:cNvSpPr txBox="1">
             <a:spLocks noGrp="1"/>
           </p:cNvSpPr>
@@ -5232,7 +5124,7 @@
                 <a:latin typeface="+mj-ea"/>
                 <a:ea typeface="+mj-ea"/>
               </a:rPr>
-              <a:t>6. </a:t>
+              <a:t>7. </a:t>
             </a:r>
             <a:r>
               <a:rPr lang="ko-KR" altLang="en-US">
@@ -5244,7 +5136,7 @@
                 <a:latin typeface="+mj-ea"/>
                 <a:ea typeface="+mj-ea"/>
               </a:rPr>
-              <a:t>문제점 및 보완책</a:t>
+              <a:t>향후 개발 일정</a:t>
             </a:r>
             <a:endParaRPr lang="ko-KR" altLang="en-US">
               <a:solidFill>
@@ -5260,7 +5152,7 @@
       </p:sp>
       <p:sp>
         <p:nvSpPr>
-          <p:cNvPr id="10" name="Google Shape;97;p13"/>
+          <p:cNvPr id="97" name="Google Shape;97;p13"/>
           <p:cNvSpPr txBox="1">
             <a:spLocks noGrp="1"/>
           </p:cNvSpPr>
@@ -5325,7 +5217,55 @@
       </p:sp>
       <p:sp>
         <p:nvSpPr>
-          <p:cNvPr id="18" name="Google Shape;94;p13"/>
+          <p:cNvPr id="6" name="Google Shape;94;p13"/>
+          <p:cNvSpPr txBox="1"/>
+          <p:nvPr/>
+        </p:nvSpPr>
+        <p:spPr>
+          <a:xfrm>
+            <a:off x="4788024" y="1523400"/>
+            <a:ext cx="3750308" cy="3280597"/>
+          </a:xfrm>
+          <a:prstGeom prst="rect">
+            <a:avLst/>
+          </a:prstGeom>
+          <a:noFill/>
+          <a:ln>
+            <a:noFill/>
+          </a:ln>
+        </p:spPr>
+        <p:txBody>
+          <a:bodyPr wrap="square" lIns="91424" tIns="91424" rIns="91424" bIns="91424" anchor="t" anchorCtr="0">
+            <a:noAutofit/>
+          </a:bodyPr>
+          <a:lstStyle/>
+          <a:p>
+            <a:pPr lvl="0" algn="l" rtl="0">
+              <a:spcBef>
+                <a:spcPts val="600"/>
+              </a:spcBef>
+              <a:spcAft>
+                <a:spcPts val="0"/>
+              </a:spcAft>
+              <a:defRPr/>
+            </a:pPr>
+            <a:endParaRPr lang="en-US" altLang="ko-KR" b="1">
+              <a:solidFill>
+                <a:schemeClr val="tx1">
+                  <a:lumMod val="50000"/>
+                </a:schemeClr>
+              </a:solidFill>
+              <a:latin typeface="Lato"/>
+              <a:ea typeface="Lato"/>
+              <a:cs typeface="Lato"/>
+              <a:sym typeface="Lato"/>
+            </a:endParaRPr>
+          </a:p>
+        </p:txBody>
+      </p:sp>
+      <p:sp>
+        <p:nvSpPr>
+          <p:cNvPr id="98" name="Google Shape;94;p13"/>
           <p:cNvSpPr txBox="1"/>
           <p:nvPr/>
         </p:nvSpPr>
@@ -5366,7 +5306,7 @@
               <a:defRPr/>
             </a:pPr>
             <a:r>
-              <a:rPr xmlns:mc="http://schemas.openxmlformats.org/markup-compatibility/2006" xmlns:hp="http://schemas.haansoft.com/office/presentation/8.0" kumimoji="0" lang="en-US" altLang="ko-KR" sz="1800" b="1" i="0" u="none" strike="noStrike" kern="0" cap="none" spc="0" normalizeH="0" baseline="0" mc:Ignorable="hp" hp:hslEmbossed="0">
+              <a:rPr xmlns:mc="http://schemas.openxmlformats.org/markup-compatibility/2006" xmlns:hp="http://schemas.haansoft.com/office/presentation/8.0" kumimoji="0" lang="ko-KR" altLang="en-US" sz="1800" b="1" i="0" u="none" strike="noStrike" kern="0" cap="none" spc="0" normalizeH="0" baseline="0" mc:Ignorable="hp" hp:hslEmbossed="0">
                 <a:solidFill>
                   <a:srgbClr val="343a40"/>
                 </a:solidFill>
@@ -5375,10 +5315,10 @@
                 <a:cs typeface="Lato"/>
                 <a:sym typeface="Lato"/>
               </a:rPr>
-              <a:t>UI,</a:t>
+              <a:t>모델링</a:t>
             </a:r>
             <a:r>
-              <a:rPr xmlns:mc="http://schemas.openxmlformats.org/markup-compatibility/2006" xmlns:hp="http://schemas.haansoft.com/office/presentation/8.0" kumimoji="0" lang="ko-KR" altLang="en-US" sz="1800" b="1" i="0" u="none" strike="noStrike" kern="0" cap="none" spc="0" normalizeH="0" baseline="0" mc:Ignorable="hp" hp:hslEmbossed="0">
+              <a:rPr xmlns:mc="http://schemas.openxmlformats.org/markup-compatibility/2006" xmlns:hp="http://schemas.haansoft.com/office/presentation/8.0" kumimoji="0" lang="en-US" altLang="ko-KR" sz="1800" b="1" i="0" u="none" strike="noStrike" kern="0" cap="none" spc="0" normalizeH="0" baseline="0" mc:Ignorable="hp" hp:hslEmbossed="0">
                 <a:solidFill>
                   <a:srgbClr val="343a40"/>
                 </a:solidFill>
@@ -5387,10 +5327,10 @@
                 <a:cs typeface="Lato"/>
                 <a:sym typeface="Lato"/>
               </a:rPr>
-              <a:t> </a:t>
+              <a:t>,</a:t>
             </a:r>
             <a:r>
-              <a:rPr xmlns:mc="http://schemas.openxmlformats.org/markup-compatibility/2006" xmlns:hp="http://schemas.haansoft.com/office/presentation/8.0" kumimoji="0" lang="en-US" altLang="ko-KR" sz="1800" b="1" i="0" u="none" strike="noStrike" kern="0" cap="none" spc="0" normalizeH="0" baseline="0" mc:Ignorable="hp" hp:hslEmbossed="0">
+              <a:rPr xmlns:mc="http://schemas.openxmlformats.org/markup-compatibility/2006" xmlns:hp="http://schemas.haansoft.com/office/presentation/8.0" kumimoji="0" lang="ko-KR" altLang="en-US" sz="1800" b="1" i="0" u="none" strike="noStrike" kern="0" cap="none" spc="0" normalizeH="0" baseline="0" mc:Ignorable="hp" hp:hslEmbossed="0">
                 <a:solidFill>
                   <a:srgbClr val="343a40"/>
                 </a:solidFill>
@@ -5399,19 +5339,7 @@
                 <a:cs typeface="Lato"/>
                 <a:sym typeface="Lato"/>
               </a:rPr>
-              <a:t>HeightMap</a:t>
-            </a:r>
-            <a:r>
-              <a:rPr xmlns:mc="http://schemas.openxmlformats.org/markup-compatibility/2006" xmlns:hp="http://schemas.haansoft.com/office/presentation/8.0" kumimoji="0" lang="ko-KR" altLang="en-US" sz="1800" b="1" i="0" u="none" strike="noStrike" kern="0" cap="none" spc="0" normalizeH="0" baseline="0" mc:Ignorable="hp" hp:hslEmbossed="0">
-                <a:solidFill>
-                  <a:srgbClr val="343a40"/>
-                </a:solidFill>
-                <a:latin typeface="Lato"/>
-                <a:ea typeface="Lato"/>
-                <a:cs typeface="Lato"/>
-                <a:sym typeface="Lato"/>
-              </a:rPr>
-              <a:t>의 느린 진행상황</a:t>
+              <a:t> 애니메이션 추가</a:t>
             </a:r>
             <a:endParaRPr xmlns:mc="http://schemas.openxmlformats.org/markup-compatibility/2006" xmlns:hp="http://schemas.haansoft.com/office/presentation/8.0" kumimoji="0" lang="ko-KR" altLang="en-US" sz="1800" b="1" i="0" u="none" strike="noStrike" kern="0" cap="none" spc="0" normalizeH="0" baseline="0" mc:Ignorable="hp" hp:hslEmbossed="0">
               <a:solidFill>
@@ -5452,7 +5380,7 @@
                 <a:cs typeface="Lato"/>
                 <a:sym typeface="Lato"/>
               </a:rPr>
-              <a:t>애니메이션 측에서 작업 속도가 늦어져 </a:t>
+              <a:t>복서</a:t>
             </a:r>
             <a:r>
               <a:rPr xmlns:mc="http://schemas.openxmlformats.org/markup-compatibility/2006" xmlns:hp="http://schemas.haansoft.com/office/presentation/8.0" kumimoji="0" lang="en-US" altLang="ko-KR" sz="1500" b="0" i="0" u="none" strike="noStrike" kern="0" cap="none" spc="0" normalizeH="0" baseline="0" mc:Ignorable="hp" hp:hslEmbossed="0">
@@ -5464,7 +5392,7 @@
                 <a:cs typeface="Lato"/>
                 <a:sym typeface="Lato"/>
               </a:rPr>
-              <a:t>UI, HeightMap</a:t>
+              <a:t>,</a:t>
             </a:r>
             <a:r>
               <a:rPr xmlns:mc="http://schemas.openxmlformats.org/markup-compatibility/2006" xmlns:hp="http://schemas.haansoft.com/office/presentation/8.0" kumimoji="0" lang="ko-KR" altLang="en-US" sz="1500" b="0" i="0" u="none" strike="noStrike" kern="0" cap="none" spc="0" normalizeH="0" baseline="0" mc:Ignorable="hp" hp:hslEmbossed="0">
@@ -5476,7 +5404,7 @@
                 <a:cs typeface="Lato"/>
                 <a:sym typeface="Lato"/>
               </a:rPr>
-              <a:t> 작업이 뒤로 밀려나게 됨</a:t>
+              <a:t> 관중 애니메이션 추가</a:t>
             </a:r>
             <a:endParaRPr xmlns:mc="http://schemas.openxmlformats.org/markup-compatibility/2006" xmlns:hp="http://schemas.haansoft.com/office/presentation/8.0" kumimoji="0" lang="ko-KR" altLang="en-US" sz="1500" b="0" i="0" u="none" strike="noStrike" kern="0" cap="none" spc="0" normalizeH="0" baseline="0" mc:Ignorable="hp" hp:hslEmbossed="0">
               <a:solidFill>
@@ -5507,8 +5435,37 @@
               <a:buChar char="-"/>
               <a:defRPr/>
             </a:pPr>
+            <a:endParaRPr xmlns:mc="http://schemas.openxmlformats.org/markup-compatibility/2006" xmlns:hp="http://schemas.haansoft.com/office/presentation/8.0" kumimoji="0" lang="ko-KR" altLang="en-US" sz="1500" b="0" i="0" u="none" strike="noStrike" kern="0" cap="none" spc="0" normalizeH="0" baseline="0" mc:Ignorable="hp" hp:hslEmbossed="0">
+              <a:solidFill>
+                <a:srgbClr val="343a40"/>
+              </a:solidFill>
+              <a:latin typeface="Lato"/>
+              <a:ea typeface="Lato"/>
+              <a:cs typeface="Lato"/>
+              <a:sym typeface="Lato"/>
+            </a:endParaRPr>
+          </a:p>
+          <a:p>
+            <a:pPr marL="0" marR="0" lvl="0" indent="0" algn="l" rtl="0" eaLnBrk="1" latinLnBrk="0" hangingPunct="1">
+              <a:lnSpc>
+                <a:spcPct val="100000"/>
+              </a:lnSpc>
+              <a:spcBef>
+                <a:spcPts val="600"/>
+              </a:spcBef>
+              <a:spcAft>
+                <a:spcPts val="0"/>
+              </a:spcAft>
+              <a:buClr>
+                <a:srgbClr val="000000"/>
+              </a:buClr>
+              <a:buFont typeface="Arial"/>
+              <a:buFontTx/>
+              <a:buNone/>
+              <a:defRPr/>
+            </a:pPr>
             <a:r>
-              <a:rPr xmlns:mc="http://schemas.openxmlformats.org/markup-compatibility/2006" xmlns:hp="http://schemas.haansoft.com/office/presentation/8.0" kumimoji="0" lang="en-US" altLang="ko-KR" sz="1500" i="0" u="none" strike="noStrike" kern="0" cap="none" spc="0" normalizeH="0" baseline="0" mc:Ignorable="hp" hp:hslEmbossed="0">
+              <a:rPr xmlns:mc="http://schemas.openxmlformats.org/markup-compatibility/2006" xmlns:hp="http://schemas.haansoft.com/office/presentation/8.0" kumimoji="0" lang="ko-KR" altLang="en-US" sz="1800" b="1" i="0" u="none" strike="noStrike" kern="0" cap="none" spc="0" normalizeH="0" baseline="0" mc:Ignorable="hp" hp:hslEmbossed="0">
                 <a:solidFill>
                   <a:srgbClr val="343a40"/>
                 </a:solidFill>
@@ -5517,10 +5474,39 @@
                 <a:cs typeface="Lato"/>
                 <a:sym typeface="Lato"/>
               </a:rPr>
-              <a:t>UI, HeightMap</a:t>
+              <a:t>게임 컨텐츠 추가</a:t>
             </a:r>
+            <a:endParaRPr xmlns:mc="http://schemas.openxmlformats.org/markup-compatibility/2006" xmlns:hp="http://schemas.haansoft.com/office/presentation/8.0" kumimoji="0" lang="ko-KR" altLang="en-US" sz="1800" b="1" i="0" u="none" strike="noStrike" kern="0" cap="none" spc="0" normalizeH="0" baseline="0" mc:Ignorable="hp" hp:hslEmbossed="0">
+              <a:solidFill>
+                <a:srgbClr val="343a40"/>
+              </a:solidFill>
+              <a:latin typeface="Lato"/>
+              <a:ea typeface="Lato"/>
+              <a:cs typeface="Lato"/>
+              <a:sym typeface="Lato"/>
+            </a:endParaRPr>
+          </a:p>
+          <a:p>
+            <a:pPr marL="285750" marR="0" lvl="0" indent="-285750" algn="l" rtl="0" eaLnBrk="1" latinLnBrk="0" hangingPunct="1">
+              <a:lnSpc>
+                <a:spcPct val="100000"/>
+              </a:lnSpc>
+              <a:spcBef>
+                <a:spcPts val="600"/>
+              </a:spcBef>
+              <a:spcAft>
+                <a:spcPts val="0"/>
+              </a:spcAft>
+              <a:buClr>
+                <a:srgbClr val="000000"/>
+              </a:buClr>
+              <a:buFont typeface="Arial"/>
+              <a:buFontTx/>
+              <a:buChar char="-"/>
+              <a:defRPr/>
+            </a:pPr>
             <a:r>
-              <a:rPr xmlns:mc="http://schemas.openxmlformats.org/markup-compatibility/2006" xmlns:hp="http://schemas.haansoft.com/office/presentation/8.0" kumimoji="0" lang="ko-KR" altLang="en-US" sz="1500" i="0" u="none" strike="noStrike" kern="0" cap="none" spc="0" normalizeH="0" baseline="0" mc:Ignorable="hp" hp:hslEmbossed="0">
+              <a:rPr xmlns:mc="http://schemas.openxmlformats.org/markup-compatibility/2006" xmlns:hp="http://schemas.haansoft.com/office/presentation/8.0" kumimoji="0" lang="en-US" altLang="ko-KR" sz="1500" b="0" i="0" u="none" strike="noStrike" kern="0" cap="none" spc="0" normalizeH="0" baseline="0" mc:Ignorable="hp" hp:hslEmbossed="0">
                 <a:solidFill>
                   <a:srgbClr val="343a40"/>
                 </a:solidFill>
@@ -5529,10 +5515,10 @@
                 <a:cs typeface="Lato"/>
                 <a:sym typeface="Lato"/>
               </a:rPr>
-              <a:t> 작업은 </a:t>
+              <a:t>PvP,</a:t>
             </a:r>
             <a:r>
-              <a:rPr xmlns:mc="http://schemas.openxmlformats.org/markup-compatibility/2006" xmlns:hp="http://schemas.haansoft.com/office/presentation/8.0" kumimoji="0" lang="en-US" altLang="ko-KR" sz="1500" i="0" u="none" strike="noStrike" kern="0" cap="none" spc="0" normalizeH="0" baseline="0" mc:Ignorable="hp" hp:hslEmbossed="0">
+              <a:rPr xmlns:mc="http://schemas.openxmlformats.org/markup-compatibility/2006" xmlns:hp="http://schemas.haansoft.com/office/presentation/8.0" kumimoji="0" lang="ko-KR" altLang="en-US" sz="1500" b="0" i="0" u="none" strike="noStrike" kern="0" cap="none" spc="0" normalizeH="0" baseline="0" mc:Ignorable="hp" hp:hslEmbossed="0">
                 <a:solidFill>
                   <a:srgbClr val="343a40"/>
                 </a:solidFill>
@@ -5541,10 +5527,10 @@
                 <a:cs typeface="Lato"/>
                 <a:sym typeface="Lato"/>
               </a:rPr>
-              <a:t>6</a:t>
+              <a:t> </a:t>
             </a:r>
             <a:r>
-              <a:rPr xmlns:mc="http://schemas.openxmlformats.org/markup-compatibility/2006" xmlns:hp="http://schemas.haansoft.com/office/presentation/8.0" kumimoji="0" lang="ko-KR" altLang="en-US" sz="1500" i="0" u="none" strike="noStrike" kern="0" cap="none" spc="0" normalizeH="0" baseline="0" mc:Ignorable="hp" hp:hslEmbossed="0">
+              <a:rPr xmlns:mc="http://schemas.openxmlformats.org/markup-compatibility/2006" xmlns:hp="http://schemas.haansoft.com/office/presentation/8.0" kumimoji="0" lang="en-US" altLang="ko-KR" sz="1500" b="0" i="0" u="none" strike="noStrike" kern="0" cap="none" spc="0" normalizeH="0" baseline="0" mc:Ignorable="hp" hp:hslEmbossed="0">
                 <a:solidFill>
                   <a:srgbClr val="343a40"/>
                 </a:solidFill>
@@ -5553,9 +5539,216 @@
                 <a:cs typeface="Lato"/>
                 <a:sym typeface="Lato"/>
               </a:rPr>
-              <a:t>월까지 진행될 것으로 예상</a:t>
+              <a:t>PvE</a:t>
             </a:r>
-            <a:endParaRPr xmlns:mc="http://schemas.openxmlformats.org/markup-compatibility/2006" xmlns:hp="http://schemas.haansoft.com/office/presentation/8.0" kumimoji="0" lang="ko-KR" altLang="en-US" sz="1500" i="0" u="none" strike="noStrike" kern="0" cap="none" spc="0" normalizeH="0" baseline="0" mc:Ignorable="hp" hp:hslEmbossed="0">
+            <a:r>
+              <a:rPr xmlns:mc="http://schemas.openxmlformats.org/markup-compatibility/2006" xmlns:hp="http://schemas.haansoft.com/office/presentation/8.0" kumimoji="0" lang="ko-KR" altLang="en-US" sz="1500" b="0" i="0" u="none" strike="noStrike" kern="0" cap="none" spc="0" normalizeH="0" baseline="0" mc:Ignorable="hp" hp:hslEmbossed="0">
+                <a:solidFill>
+                  <a:srgbClr val="343a40"/>
+                </a:solidFill>
+                <a:latin typeface="Lato"/>
+                <a:ea typeface="Lato"/>
+                <a:cs typeface="Lato"/>
+                <a:sym typeface="Lato"/>
+              </a:rPr>
+              <a:t> 전투 추가</a:t>
+            </a:r>
+            <a:endParaRPr xmlns:mc="http://schemas.openxmlformats.org/markup-compatibility/2006" xmlns:hp="http://schemas.haansoft.com/office/presentation/8.0" kumimoji="0" lang="ko-KR" altLang="en-US" sz="1500" b="0" i="0" u="none" strike="noStrike" kern="0" cap="none" spc="0" normalizeH="0" baseline="0" mc:Ignorable="hp" hp:hslEmbossed="0">
+              <a:solidFill>
+                <a:srgbClr val="343a40"/>
+              </a:solidFill>
+              <a:latin typeface="Lato"/>
+              <a:ea typeface="Lato"/>
+              <a:cs typeface="Lato"/>
+              <a:sym typeface="Lato"/>
+            </a:endParaRPr>
+          </a:p>
+          <a:p>
+            <a:pPr marL="0" marR="0" lvl="0" indent="0" algn="l" rtl="0" eaLnBrk="1" latinLnBrk="0" hangingPunct="1">
+              <a:lnSpc>
+                <a:spcPct val="100000"/>
+              </a:lnSpc>
+              <a:spcBef>
+                <a:spcPts val="600"/>
+              </a:spcBef>
+              <a:spcAft>
+                <a:spcPts val="0"/>
+              </a:spcAft>
+              <a:buClr>
+                <a:srgbClr val="000000"/>
+              </a:buClr>
+              <a:buFont typeface="Arial"/>
+              <a:buFontTx/>
+              <a:buNone/>
+              <a:defRPr/>
+            </a:pPr>
+            <a:endParaRPr xmlns:mc="http://schemas.openxmlformats.org/markup-compatibility/2006" xmlns:hp="http://schemas.haansoft.com/office/presentation/8.0" kumimoji="0" lang="ko-KR" altLang="en-US" sz="1500" b="0" i="0" u="none" strike="noStrike" kern="0" cap="none" spc="0" normalizeH="0" baseline="0" mc:Ignorable="hp" hp:hslEmbossed="0">
+              <a:solidFill>
+                <a:srgbClr val="343a40"/>
+              </a:solidFill>
+              <a:latin typeface="Lato"/>
+              <a:ea typeface="Lato"/>
+              <a:cs typeface="Lato"/>
+              <a:sym typeface="Lato"/>
+            </a:endParaRPr>
+          </a:p>
+          <a:p>
+            <a:pPr marL="0" marR="0" lvl="0" indent="0" algn="l" rtl="0" eaLnBrk="1" latinLnBrk="0" hangingPunct="1">
+              <a:lnSpc>
+                <a:spcPct val="100000"/>
+              </a:lnSpc>
+              <a:spcBef>
+                <a:spcPts val="600"/>
+              </a:spcBef>
+              <a:spcAft>
+                <a:spcPts val="0"/>
+              </a:spcAft>
+              <a:buClr>
+                <a:srgbClr val="000000"/>
+              </a:buClr>
+              <a:buFont typeface="Arial"/>
+              <a:buFontTx/>
+              <a:buNone/>
+              <a:defRPr/>
+            </a:pPr>
+            <a:r>
+              <a:rPr xmlns:mc="http://schemas.openxmlformats.org/markup-compatibility/2006" xmlns:hp="http://schemas.haansoft.com/office/presentation/8.0" kumimoji="0" lang="en-US" altLang="ko-KR" sz="1800" b="1" i="0" u="none" strike="noStrike" kern="0" cap="none" spc="0" normalizeH="0" baseline="0" mc:Ignorable="hp" hp:hslEmbossed="0">
+                <a:solidFill>
+                  <a:srgbClr val="343a40"/>
+                </a:solidFill>
+                <a:latin typeface="Lato"/>
+                <a:ea typeface="Lato"/>
+                <a:cs typeface="Lato"/>
+                <a:sym typeface="Lato"/>
+              </a:rPr>
+              <a:t>UI</a:t>
+            </a:r>
+            <a:r>
+              <a:rPr xmlns:mc="http://schemas.openxmlformats.org/markup-compatibility/2006" xmlns:hp="http://schemas.haansoft.com/office/presentation/8.0" kumimoji="0" lang="ko-KR" altLang="en-US" sz="1800" b="1" i="0" u="none" strike="noStrike" kern="0" cap="none" spc="0" normalizeH="0" baseline="0" mc:Ignorable="hp" hp:hslEmbossed="0">
+                <a:solidFill>
+                  <a:srgbClr val="343a40"/>
+                </a:solidFill>
+                <a:latin typeface="Lato"/>
+                <a:ea typeface="Lato"/>
+                <a:cs typeface="Lato"/>
+                <a:sym typeface="Lato"/>
+              </a:rPr>
+              <a:t> 추가</a:t>
+            </a:r>
+            <a:endParaRPr xmlns:mc="http://schemas.openxmlformats.org/markup-compatibility/2006" xmlns:hp="http://schemas.haansoft.com/office/presentation/8.0" kumimoji="0" lang="ko-KR" altLang="en-US" sz="1800" b="1" i="0" u="none" strike="noStrike" kern="0" cap="none" spc="0" normalizeH="0" baseline="0" mc:Ignorable="hp" hp:hslEmbossed="0">
+              <a:solidFill>
+                <a:srgbClr val="343a40"/>
+              </a:solidFill>
+              <a:latin typeface="Lato"/>
+              <a:ea typeface="Lato"/>
+              <a:cs typeface="Lato"/>
+              <a:sym typeface="Lato"/>
+            </a:endParaRPr>
+          </a:p>
+          <a:p>
+            <a:pPr marL="285750" marR="0" lvl="0" indent="-285750" algn="l" rtl="0" eaLnBrk="1" latinLnBrk="0" hangingPunct="1">
+              <a:lnSpc>
+                <a:spcPct val="100000"/>
+              </a:lnSpc>
+              <a:spcBef>
+                <a:spcPts val="600"/>
+              </a:spcBef>
+              <a:spcAft>
+                <a:spcPts val="0"/>
+              </a:spcAft>
+              <a:buClr>
+                <a:srgbClr val="000000"/>
+              </a:buClr>
+              <a:buFont typeface="Arial"/>
+              <a:buFontTx/>
+              <a:buChar char="-"/>
+              <a:defRPr/>
+            </a:pPr>
+            <a:r>
+              <a:rPr xmlns:mc="http://schemas.openxmlformats.org/markup-compatibility/2006" xmlns:hp="http://schemas.haansoft.com/office/presentation/8.0" kumimoji="0" lang="ko-KR" altLang="en-US" sz="1500" b="0" i="0" u="none" strike="noStrike" kern="0" cap="none" spc="0" normalizeH="0" baseline="0" mc:Ignorable="hp" hp:hslEmbossed="0">
+                <a:solidFill>
+                  <a:srgbClr val="343a40"/>
+                </a:solidFill>
+                <a:latin typeface="Lato"/>
+                <a:ea typeface="Lato"/>
+                <a:cs typeface="Lato"/>
+                <a:sym typeface="Lato"/>
+              </a:rPr>
+              <a:t>로비</a:t>
+            </a:r>
+            <a:r>
+              <a:rPr xmlns:mc="http://schemas.openxmlformats.org/markup-compatibility/2006" xmlns:hp="http://schemas.haansoft.com/office/presentation/8.0" kumimoji="0" lang="en-US" altLang="ko-KR" sz="1500" b="0" i="0" u="none" strike="noStrike" kern="0" cap="none" spc="0" normalizeH="0" baseline="0" mc:Ignorable="hp" hp:hslEmbossed="0">
+                <a:solidFill>
+                  <a:srgbClr val="343a40"/>
+                </a:solidFill>
+                <a:latin typeface="Lato"/>
+                <a:ea typeface="Lato"/>
+                <a:cs typeface="Lato"/>
+                <a:sym typeface="Lato"/>
+              </a:rPr>
+              <a:t>,</a:t>
+            </a:r>
+            <a:r>
+              <a:rPr xmlns:mc="http://schemas.openxmlformats.org/markup-compatibility/2006" xmlns:hp="http://schemas.haansoft.com/office/presentation/8.0" kumimoji="0" lang="ko-KR" altLang="en-US" sz="1500" b="0" i="0" u="none" strike="noStrike" kern="0" cap="none" spc="0" normalizeH="0" baseline="0" mc:Ignorable="hp" hp:hslEmbossed="0">
+                <a:solidFill>
+                  <a:srgbClr val="343a40"/>
+                </a:solidFill>
+                <a:latin typeface="Lato"/>
+                <a:ea typeface="Lato"/>
+                <a:cs typeface="Lato"/>
+                <a:sym typeface="Lato"/>
+              </a:rPr>
+              <a:t> 전투</a:t>
+            </a:r>
+            <a:r>
+              <a:rPr xmlns:mc="http://schemas.openxmlformats.org/markup-compatibility/2006" xmlns:hp="http://schemas.haansoft.com/office/presentation/8.0" kumimoji="0" lang="en-US" altLang="ko-KR" sz="1500" b="0" i="0" u="none" strike="noStrike" kern="0" cap="none" spc="0" normalizeH="0" baseline="0" mc:Ignorable="hp" hp:hslEmbossed="0">
+                <a:solidFill>
+                  <a:srgbClr val="343a40"/>
+                </a:solidFill>
+                <a:latin typeface="Lato"/>
+                <a:ea typeface="Lato"/>
+                <a:cs typeface="Lato"/>
+                <a:sym typeface="Lato"/>
+              </a:rPr>
+              <a:t>,</a:t>
+            </a:r>
+            <a:r>
+              <a:rPr xmlns:mc="http://schemas.openxmlformats.org/markup-compatibility/2006" xmlns:hp="http://schemas.haansoft.com/office/presentation/8.0" kumimoji="0" lang="ko-KR" altLang="en-US" sz="1500" b="0" i="0" u="none" strike="noStrike" kern="0" cap="none" spc="0" normalizeH="0" baseline="0" mc:Ignorable="hp" hp:hslEmbossed="0">
+                <a:solidFill>
+                  <a:srgbClr val="343a40"/>
+                </a:solidFill>
+                <a:latin typeface="Lato"/>
+                <a:ea typeface="Lato"/>
+                <a:cs typeface="Lato"/>
+                <a:sym typeface="Lato"/>
+              </a:rPr>
+              <a:t> 메뉴</a:t>
+            </a:r>
+            <a:r>
+              <a:rPr xmlns:mc="http://schemas.openxmlformats.org/markup-compatibility/2006" xmlns:hp="http://schemas.haansoft.com/office/presentation/8.0" kumimoji="0" lang="en-US" altLang="ko-KR" sz="1500" b="0" i="0" u="none" strike="noStrike" kern="0" cap="none" spc="0" normalizeH="0" baseline="0" mc:Ignorable="hp" hp:hslEmbossed="0">
+                <a:solidFill>
+                  <a:srgbClr val="343a40"/>
+                </a:solidFill>
+                <a:latin typeface="Lato"/>
+                <a:ea typeface="Lato"/>
+                <a:cs typeface="Lato"/>
+                <a:sym typeface="Lato"/>
+              </a:rPr>
+              <a:t>UI</a:t>
+            </a:r>
+            <a:r>
+              <a:rPr xmlns:mc="http://schemas.openxmlformats.org/markup-compatibility/2006" xmlns:hp="http://schemas.haansoft.com/office/presentation/8.0" kumimoji="0" lang="ko-KR" altLang="en-US" sz="1500" b="0" i="0" u="none" strike="noStrike" kern="0" cap="none" spc="0" normalizeH="0" baseline="0" mc:Ignorable="hp" hp:hslEmbossed="0">
+                <a:solidFill>
+                  <a:srgbClr val="343a40"/>
+                </a:solidFill>
+                <a:latin typeface="Lato"/>
+                <a:ea typeface="Lato"/>
+                <a:cs typeface="Lato"/>
+                <a:sym typeface="Lato"/>
+              </a:rPr>
+              <a:t> 구현</a:t>
+            </a:r>
+            <a:endParaRPr xmlns:mc="http://schemas.openxmlformats.org/markup-compatibility/2006" xmlns:hp="http://schemas.haansoft.com/office/presentation/8.0" kumimoji="0" lang="ko-KR" altLang="en-US" sz="1500" b="0" i="0" u="none" strike="noStrike" kern="0" cap="none" spc="0" normalizeH="0" baseline="0" mc:Ignorable="hp" hp:hslEmbossed="0">
               <a:solidFill>
                 <a:srgbClr val="343a40"/>
               </a:solidFill>
@@ -5671,7 +5864,7 @@
                 <a:latin typeface="+mj-ea"/>
                 <a:ea typeface="+mj-ea"/>
               </a:rPr>
-              <a:t>7. </a:t>
+              <a:t>8. </a:t>
             </a:r>
             <a:r>
               <a:rPr lang="ko-KR" altLang="en-US">
@@ -5683,7 +5876,7 @@
                 <a:latin typeface="+mj-ea"/>
                 <a:ea typeface="+mj-ea"/>
               </a:rPr>
-              <a:t>향후 개발 일정</a:t>
+              <a:t>깃허브 로그</a:t>
             </a:r>
             <a:endParaRPr lang="ko-KR" altLang="en-US">
               <a:solidFill>
@@ -5818,800 +6011,7 @@
         </p:nvSpPr>
         <p:spPr>
           <a:xfrm>
-            <a:off x="893830" y="1542096"/>
-            <a:ext cx="7638740" cy="3280597"/>
-          </a:xfrm>
-          <a:prstGeom prst="rect">
-            <a:avLst/>
-          </a:prstGeom>
-          <a:noFill/>
-          <a:ln>
-            <a:noFill/>
-          </a:ln>
-        </p:spPr>
-        <p:txBody>
-          <a:bodyPr wrap="square" lIns="91424" tIns="91424" rIns="91424" bIns="91424" anchor="t" anchorCtr="0">
-            <a:noAutofit/>
-          </a:bodyPr>
-          <a:p>
-            <a:pPr marL="0" marR="0" lvl="0" indent="0" algn="l" rtl="0" eaLnBrk="1" latinLnBrk="0" hangingPunct="1">
-              <a:lnSpc>
-                <a:spcPct val="100000"/>
-              </a:lnSpc>
-              <a:spcBef>
-                <a:spcPts val="600"/>
-              </a:spcBef>
-              <a:spcAft>
-                <a:spcPts val="0"/>
-              </a:spcAft>
-              <a:buClr>
-                <a:srgbClr val="000000"/>
-              </a:buClr>
-              <a:buFont typeface="Arial"/>
-              <a:buFontTx/>
-              <a:buNone/>
-              <a:defRPr/>
-            </a:pPr>
-            <a:r>
-              <a:rPr xmlns:mc="http://schemas.openxmlformats.org/markup-compatibility/2006" xmlns:hp="http://schemas.haansoft.com/office/presentation/8.0" kumimoji="0" lang="ko-KR" altLang="en-US" sz="1800" b="1" i="0" u="none" strike="noStrike" kern="0" cap="none" spc="0" normalizeH="0" baseline="0" mc:Ignorable="hp" hp:hslEmbossed="0">
-                <a:solidFill>
-                  <a:srgbClr val="343a40"/>
-                </a:solidFill>
-                <a:latin typeface="Lato"/>
-                <a:ea typeface="Lato"/>
-                <a:cs typeface="Lato"/>
-                <a:sym typeface="Lato"/>
-              </a:rPr>
-              <a:t>모델링</a:t>
-            </a:r>
-            <a:r>
-              <a:rPr xmlns:mc="http://schemas.openxmlformats.org/markup-compatibility/2006" xmlns:hp="http://schemas.haansoft.com/office/presentation/8.0" kumimoji="0" lang="en-US" altLang="ko-KR" sz="1800" b="1" i="0" u="none" strike="noStrike" kern="0" cap="none" spc="0" normalizeH="0" baseline="0" mc:Ignorable="hp" hp:hslEmbossed="0">
-                <a:solidFill>
-                  <a:srgbClr val="343a40"/>
-                </a:solidFill>
-                <a:latin typeface="Lato"/>
-                <a:ea typeface="Lato"/>
-                <a:cs typeface="Lato"/>
-                <a:sym typeface="Lato"/>
-              </a:rPr>
-              <a:t>,</a:t>
-            </a:r>
-            <a:r>
-              <a:rPr xmlns:mc="http://schemas.openxmlformats.org/markup-compatibility/2006" xmlns:hp="http://schemas.haansoft.com/office/presentation/8.0" kumimoji="0" lang="ko-KR" altLang="en-US" sz="1800" b="1" i="0" u="none" strike="noStrike" kern="0" cap="none" spc="0" normalizeH="0" baseline="0" mc:Ignorable="hp" hp:hslEmbossed="0">
-                <a:solidFill>
-                  <a:srgbClr val="343a40"/>
-                </a:solidFill>
-                <a:latin typeface="Lato"/>
-                <a:ea typeface="Lato"/>
-                <a:cs typeface="Lato"/>
-                <a:sym typeface="Lato"/>
-              </a:rPr>
-              <a:t> 애니메이션 추가</a:t>
-            </a:r>
-            <a:endParaRPr xmlns:mc="http://schemas.openxmlformats.org/markup-compatibility/2006" xmlns:hp="http://schemas.haansoft.com/office/presentation/8.0" kumimoji="0" lang="ko-KR" altLang="en-US" sz="1800" b="1" i="0" u="none" strike="noStrike" kern="0" cap="none" spc="0" normalizeH="0" baseline="0" mc:Ignorable="hp" hp:hslEmbossed="0">
-              <a:solidFill>
-                <a:srgbClr val="343a40"/>
-              </a:solidFill>
-              <a:latin typeface="Lato"/>
-              <a:ea typeface="Lato"/>
-              <a:cs typeface="Lato"/>
-              <a:sym typeface="Lato"/>
-            </a:endParaRPr>
-          </a:p>
-          <a:p>
-            <a:pPr marL="285750" marR="0" lvl="0" indent="-285750" algn="l" rtl="0" eaLnBrk="1" latinLnBrk="0" hangingPunct="1">
-              <a:lnSpc>
-                <a:spcPct val="100000"/>
-              </a:lnSpc>
-              <a:spcBef>
-                <a:spcPts val="600"/>
-              </a:spcBef>
-              <a:spcAft>
-                <a:spcPts val="0"/>
-              </a:spcAft>
-              <a:buClr>
-                <a:srgbClr val="000000"/>
-              </a:buClr>
-              <a:buFont typeface="Arial"/>
-              <a:buFontTx/>
-              <a:buChar char="-"/>
-              <a:defRPr/>
-            </a:pPr>
-            <a:r>
-              <a:rPr xmlns:mc="http://schemas.openxmlformats.org/markup-compatibility/2006" xmlns:hp="http://schemas.haansoft.com/office/presentation/8.0" kumimoji="0" lang="ko-KR" altLang="en-US" sz="1500" b="0" i="0" u="none" strike="noStrike" kern="0" cap="none" spc="0" normalizeH="0" baseline="0" mc:Ignorable="hp" hp:hslEmbossed="0">
-                <a:solidFill>
-                  <a:srgbClr val="343a40"/>
-                </a:solidFill>
-                <a:latin typeface="Lato"/>
-                <a:ea typeface="Lato"/>
-                <a:cs typeface="Lato"/>
-                <a:sym typeface="Lato"/>
-              </a:rPr>
-              <a:t>복서</a:t>
-            </a:r>
-            <a:r>
-              <a:rPr xmlns:mc="http://schemas.openxmlformats.org/markup-compatibility/2006" xmlns:hp="http://schemas.haansoft.com/office/presentation/8.0" kumimoji="0" lang="en-US" altLang="ko-KR" sz="1500" b="0" i="0" u="none" strike="noStrike" kern="0" cap="none" spc="0" normalizeH="0" baseline="0" mc:Ignorable="hp" hp:hslEmbossed="0">
-                <a:solidFill>
-                  <a:srgbClr val="343a40"/>
-                </a:solidFill>
-                <a:latin typeface="Lato"/>
-                <a:ea typeface="Lato"/>
-                <a:cs typeface="Lato"/>
-                <a:sym typeface="Lato"/>
-              </a:rPr>
-              <a:t>,</a:t>
-            </a:r>
-            <a:r>
-              <a:rPr xmlns:mc="http://schemas.openxmlformats.org/markup-compatibility/2006" xmlns:hp="http://schemas.haansoft.com/office/presentation/8.0" kumimoji="0" lang="ko-KR" altLang="en-US" sz="1500" b="0" i="0" u="none" strike="noStrike" kern="0" cap="none" spc="0" normalizeH="0" baseline="0" mc:Ignorable="hp" hp:hslEmbossed="0">
-                <a:solidFill>
-                  <a:srgbClr val="343a40"/>
-                </a:solidFill>
-                <a:latin typeface="Lato"/>
-                <a:ea typeface="Lato"/>
-                <a:cs typeface="Lato"/>
-                <a:sym typeface="Lato"/>
-              </a:rPr>
-              <a:t> 관중 애니메이션 추가</a:t>
-            </a:r>
-            <a:endParaRPr xmlns:mc="http://schemas.openxmlformats.org/markup-compatibility/2006" xmlns:hp="http://schemas.haansoft.com/office/presentation/8.0" kumimoji="0" lang="ko-KR" altLang="en-US" sz="1500" b="0" i="0" u="none" strike="noStrike" kern="0" cap="none" spc="0" normalizeH="0" baseline="0" mc:Ignorable="hp" hp:hslEmbossed="0">
-              <a:solidFill>
-                <a:srgbClr val="343a40"/>
-              </a:solidFill>
-              <a:latin typeface="Lato"/>
-              <a:ea typeface="Lato"/>
-              <a:cs typeface="Lato"/>
-              <a:sym typeface="Lato"/>
-            </a:endParaRPr>
-          </a:p>
-          <a:p>
-            <a:pPr marL="285750" marR="0" lvl="0" indent="-285750" algn="l" rtl="0" eaLnBrk="1" latinLnBrk="0" hangingPunct="1">
-              <a:lnSpc>
-                <a:spcPct val="100000"/>
-              </a:lnSpc>
-              <a:spcBef>
-                <a:spcPts val="600"/>
-              </a:spcBef>
-              <a:spcAft>
-                <a:spcPts val="0"/>
-              </a:spcAft>
-              <a:buClr>
-                <a:srgbClr val="000000"/>
-              </a:buClr>
-              <a:buFont typeface="Arial"/>
-              <a:buFontTx/>
-              <a:buChar char="-"/>
-              <a:defRPr/>
-            </a:pPr>
-            <a:endParaRPr xmlns:mc="http://schemas.openxmlformats.org/markup-compatibility/2006" xmlns:hp="http://schemas.haansoft.com/office/presentation/8.0" kumimoji="0" lang="ko-KR" altLang="en-US" sz="1500" b="0" i="0" u="none" strike="noStrike" kern="0" cap="none" spc="0" normalizeH="0" baseline="0" mc:Ignorable="hp" hp:hslEmbossed="0">
-              <a:solidFill>
-                <a:srgbClr val="343a40"/>
-              </a:solidFill>
-              <a:latin typeface="Lato"/>
-              <a:ea typeface="Lato"/>
-              <a:cs typeface="Lato"/>
-              <a:sym typeface="Lato"/>
-            </a:endParaRPr>
-          </a:p>
-          <a:p>
-            <a:pPr marL="0" marR="0" lvl="0" indent="0" algn="l" rtl="0" eaLnBrk="1" latinLnBrk="0" hangingPunct="1">
-              <a:lnSpc>
-                <a:spcPct val="100000"/>
-              </a:lnSpc>
-              <a:spcBef>
-                <a:spcPts val="600"/>
-              </a:spcBef>
-              <a:spcAft>
-                <a:spcPts val="0"/>
-              </a:spcAft>
-              <a:buClr>
-                <a:srgbClr val="000000"/>
-              </a:buClr>
-              <a:buFont typeface="Arial"/>
-              <a:buFontTx/>
-              <a:buNone/>
-              <a:defRPr/>
-            </a:pPr>
-            <a:r>
-              <a:rPr xmlns:mc="http://schemas.openxmlformats.org/markup-compatibility/2006" xmlns:hp="http://schemas.haansoft.com/office/presentation/8.0" kumimoji="0" lang="ko-KR" altLang="en-US" sz="1800" b="1" i="0" u="none" strike="noStrike" kern="0" cap="none" spc="0" normalizeH="0" baseline="0" mc:Ignorable="hp" hp:hslEmbossed="0">
-                <a:solidFill>
-                  <a:srgbClr val="343a40"/>
-                </a:solidFill>
-                <a:latin typeface="Lato"/>
-                <a:ea typeface="Lato"/>
-                <a:cs typeface="Lato"/>
-                <a:sym typeface="Lato"/>
-              </a:rPr>
-              <a:t>게임 컨텐츠 추가</a:t>
-            </a:r>
-            <a:endParaRPr xmlns:mc="http://schemas.openxmlformats.org/markup-compatibility/2006" xmlns:hp="http://schemas.haansoft.com/office/presentation/8.0" kumimoji="0" lang="ko-KR" altLang="en-US" sz="1800" b="1" i="0" u="none" strike="noStrike" kern="0" cap="none" spc="0" normalizeH="0" baseline="0" mc:Ignorable="hp" hp:hslEmbossed="0">
-              <a:solidFill>
-                <a:srgbClr val="343a40"/>
-              </a:solidFill>
-              <a:latin typeface="Lato"/>
-              <a:ea typeface="Lato"/>
-              <a:cs typeface="Lato"/>
-              <a:sym typeface="Lato"/>
-            </a:endParaRPr>
-          </a:p>
-          <a:p>
-            <a:pPr marL="285750" marR="0" lvl="0" indent="-285750" algn="l" rtl="0" eaLnBrk="1" latinLnBrk="0" hangingPunct="1">
-              <a:lnSpc>
-                <a:spcPct val="100000"/>
-              </a:lnSpc>
-              <a:spcBef>
-                <a:spcPts val="600"/>
-              </a:spcBef>
-              <a:spcAft>
-                <a:spcPts val="0"/>
-              </a:spcAft>
-              <a:buClr>
-                <a:srgbClr val="000000"/>
-              </a:buClr>
-              <a:buFont typeface="Arial"/>
-              <a:buFontTx/>
-              <a:buChar char="-"/>
-              <a:defRPr/>
-            </a:pPr>
-            <a:r>
-              <a:rPr xmlns:mc="http://schemas.openxmlformats.org/markup-compatibility/2006" xmlns:hp="http://schemas.haansoft.com/office/presentation/8.0" kumimoji="0" lang="en-US" altLang="ko-KR" sz="1500" b="0" i="0" u="none" strike="noStrike" kern="0" cap="none" spc="0" normalizeH="0" baseline="0" mc:Ignorable="hp" hp:hslEmbossed="0">
-                <a:solidFill>
-                  <a:srgbClr val="343a40"/>
-                </a:solidFill>
-                <a:latin typeface="Lato"/>
-                <a:ea typeface="Lato"/>
-                <a:cs typeface="Lato"/>
-                <a:sym typeface="Lato"/>
-              </a:rPr>
-              <a:t>PvP,</a:t>
-            </a:r>
-            <a:r>
-              <a:rPr xmlns:mc="http://schemas.openxmlformats.org/markup-compatibility/2006" xmlns:hp="http://schemas.haansoft.com/office/presentation/8.0" kumimoji="0" lang="ko-KR" altLang="en-US" sz="1500" b="0" i="0" u="none" strike="noStrike" kern="0" cap="none" spc="0" normalizeH="0" baseline="0" mc:Ignorable="hp" hp:hslEmbossed="0">
-                <a:solidFill>
-                  <a:srgbClr val="343a40"/>
-                </a:solidFill>
-                <a:latin typeface="Lato"/>
-                <a:ea typeface="Lato"/>
-                <a:cs typeface="Lato"/>
-                <a:sym typeface="Lato"/>
-              </a:rPr>
-              <a:t> </a:t>
-            </a:r>
-            <a:r>
-              <a:rPr xmlns:mc="http://schemas.openxmlformats.org/markup-compatibility/2006" xmlns:hp="http://schemas.haansoft.com/office/presentation/8.0" kumimoji="0" lang="en-US" altLang="ko-KR" sz="1500" b="0" i="0" u="none" strike="noStrike" kern="0" cap="none" spc="0" normalizeH="0" baseline="0" mc:Ignorable="hp" hp:hslEmbossed="0">
-                <a:solidFill>
-                  <a:srgbClr val="343a40"/>
-                </a:solidFill>
-                <a:latin typeface="Lato"/>
-                <a:ea typeface="Lato"/>
-                <a:cs typeface="Lato"/>
-                <a:sym typeface="Lato"/>
-              </a:rPr>
-              <a:t>PvE</a:t>
-            </a:r>
-            <a:r>
-              <a:rPr xmlns:mc="http://schemas.openxmlformats.org/markup-compatibility/2006" xmlns:hp="http://schemas.haansoft.com/office/presentation/8.0" kumimoji="0" lang="ko-KR" altLang="en-US" sz="1500" b="0" i="0" u="none" strike="noStrike" kern="0" cap="none" spc="0" normalizeH="0" baseline="0" mc:Ignorable="hp" hp:hslEmbossed="0">
-                <a:solidFill>
-                  <a:srgbClr val="343a40"/>
-                </a:solidFill>
-                <a:latin typeface="Lato"/>
-                <a:ea typeface="Lato"/>
-                <a:cs typeface="Lato"/>
-                <a:sym typeface="Lato"/>
-              </a:rPr>
-              <a:t> 전투 추가</a:t>
-            </a:r>
-            <a:endParaRPr xmlns:mc="http://schemas.openxmlformats.org/markup-compatibility/2006" xmlns:hp="http://schemas.haansoft.com/office/presentation/8.0" kumimoji="0" lang="ko-KR" altLang="en-US" sz="1500" b="0" i="0" u="none" strike="noStrike" kern="0" cap="none" spc="0" normalizeH="0" baseline="0" mc:Ignorable="hp" hp:hslEmbossed="0">
-              <a:solidFill>
-                <a:srgbClr val="343a40"/>
-              </a:solidFill>
-              <a:latin typeface="Lato"/>
-              <a:ea typeface="Lato"/>
-              <a:cs typeface="Lato"/>
-              <a:sym typeface="Lato"/>
-            </a:endParaRPr>
-          </a:p>
-          <a:p>
-            <a:pPr marL="0" marR="0" lvl="0" indent="0" algn="l" rtl="0" eaLnBrk="1" latinLnBrk="0" hangingPunct="1">
-              <a:lnSpc>
-                <a:spcPct val="100000"/>
-              </a:lnSpc>
-              <a:spcBef>
-                <a:spcPts val="600"/>
-              </a:spcBef>
-              <a:spcAft>
-                <a:spcPts val="0"/>
-              </a:spcAft>
-              <a:buClr>
-                <a:srgbClr val="000000"/>
-              </a:buClr>
-              <a:buFont typeface="Arial"/>
-              <a:buFontTx/>
-              <a:buNone/>
-              <a:defRPr/>
-            </a:pPr>
-            <a:endParaRPr xmlns:mc="http://schemas.openxmlformats.org/markup-compatibility/2006" xmlns:hp="http://schemas.haansoft.com/office/presentation/8.0" kumimoji="0" lang="ko-KR" altLang="en-US" sz="1500" b="0" i="0" u="none" strike="noStrike" kern="0" cap="none" spc="0" normalizeH="0" baseline="0" mc:Ignorable="hp" hp:hslEmbossed="0">
-              <a:solidFill>
-                <a:srgbClr val="343a40"/>
-              </a:solidFill>
-              <a:latin typeface="Lato"/>
-              <a:ea typeface="Lato"/>
-              <a:cs typeface="Lato"/>
-              <a:sym typeface="Lato"/>
-            </a:endParaRPr>
-          </a:p>
-          <a:p>
-            <a:pPr marL="0" marR="0" lvl="0" indent="0" algn="l" rtl="0" eaLnBrk="1" latinLnBrk="0" hangingPunct="1">
-              <a:lnSpc>
-                <a:spcPct val="100000"/>
-              </a:lnSpc>
-              <a:spcBef>
-                <a:spcPts val="600"/>
-              </a:spcBef>
-              <a:spcAft>
-                <a:spcPts val="0"/>
-              </a:spcAft>
-              <a:buClr>
-                <a:srgbClr val="000000"/>
-              </a:buClr>
-              <a:buFont typeface="Arial"/>
-              <a:buFontTx/>
-              <a:buNone/>
-              <a:defRPr/>
-            </a:pPr>
-            <a:r>
-              <a:rPr xmlns:mc="http://schemas.openxmlformats.org/markup-compatibility/2006" xmlns:hp="http://schemas.haansoft.com/office/presentation/8.0" kumimoji="0" lang="en-US" altLang="ko-KR" sz="1800" b="1" i="0" u="none" strike="noStrike" kern="0" cap="none" spc="0" normalizeH="0" baseline="0" mc:Ignorable="hp" hp:hslEmbossed="0">
-                <a:solidFill>
-                  <a:srgbClr val="343a40"/>
-                </a:solidFill>
-                <a:latin typeface="Lato"/>
-                <a:ea typeface="Lato"/>
-                <a:cs typeface="Lato"/>
-                <a:sym typeface="Lato"/>
-              </a:rPr>
-              <a:t>UI, HeightMap</a:t>
-            </a:r>
-            <a:r>
-              <a:rPr xmlns:mc="http://schemas.openxmlformats.org/markup-compatibility/2006" xmlns:hp="http://schemas.haansoft.com/office/presentation/8.0" kumimoji="0" lang="ko-KR" altLang="en-US" sz="1800" b="1" i="0" u="none" strike="noStrike" kern="0" cap="none" spc="0" normalizeH="0" baseline="0" mc:Ignorable="hp" hp:hslEmbossed="0">
-                <a:solidFill>
-                  <a:srgbClr val="343a40"/>
-                </a:solidFill>
-                <a:latin typeface="Lato"/>
-                <a:ea typeface="Lato"/>
-                <a:cs typeface="Lato"/>
-                <a:sym typeface="Lato"/>
-              </a:rPr>
-              <a:t> 추가</a:t>
-            </a:r>
-            <a:endParaRPr xmlns:mc="http://schemas.openxmlformats.org/markup-compatibility/2006" xmlns:hp="http://schemas.haansoft.com/office/presentation/8.0" kumimoji="0" lang="ko-KR" altLang="en-US" sz="1800" b="1" i="0" u="none" strike="noStrike" kern="0" cap="none" spc="0" normalizeH="0" baseline="0" mc:Ignorable="hp" hp:hslEmbossed="0">
-              <a:solidFill>
-                <a:srgbClr val="343a40"/>
-              </a:solidFill>
-              <a:latin typeface="Lato"/>
-              <a:ea typeface="Lato"/>
-              <a:cs typeface="Lato"/>
-              <a:sym typeface="Lato"/>
-            </a:endParaRPr>
-          </a:p>
-          <a:p>
-            <a:pPr marL="285750" marR="0" lvl="0" indent="-285750" algn="l" rtl="0" eaLnBrk="1" latinLnBrk="0" hangingPunct="1">
-              <a:lnSpc>
-                <a:spcPct val="100000"/>
-              </a:lnSpc>
-              <a:spcBef>
-                <a:spcPts val="600"/>
-              </a:spcBef>
-              <a:spcAft>
-                <a:spcPts val="0"/>
-              </a:spcAft>
-              <a:buClr>
-                <a:srgbClr val="000000"/>
-              </a:buClr>
-              <a:buFont typeface="Arial"/>
-              <a:buFontTx/>
-              <a:buChar char="-"/>
-              <a:defRPr/>
-            </a:pPr>
-            <a:r>
-              <a:rPr xmlns:mc="http://schemas.openxmlformats.org/markup-compatibility/2006" xmlns:hp="http://schemas.haansoft.com/office/presentation/8.0" kumimoji="0" lang="ko-KR" altLang="en-US" sz="1500" b="0" i="0" u="none" strike="noStrike" kern="0" cap="none" spc="0" normalizeH="0" baseline="0" mc:Ignorable="hp" hp:hslEmbossed="0">
-                <a:solidFill>
-                  <a:srgbClr val="343a40"/>
-                </a:solidFill>
-                <a:latin typeface="Lato"/>
-                <a:ea typeface="Lato"/>
-                <a:cs typeface="Lato"/>
-                <a:sym typeface="Lato"/>
-              </a:rPr>
-              <a:t>로비</a:t>
-            </a:r>
-            <a:r>
-              <a:rPr xmlns:mc="http://schemas.openxmlformats.org/markup-compatibility/2006" xmlns:hp="http://schemas.haansoft.com/office/presentation/8.0" kumimoji="0" lang="en-US" altLang="ko-KR" sz="1500" b="0" i="0" u="none" strike="noStrike" kern="0" cap="none" spc="0" normalizeH="0" baseline="0" mc:Ignorable="hp" hp:hslEmbossed="0">
-                <a:solidFill>
-                  <a:srgbClr val="343a40"/>
-                </a:solidFill>
-                <a:latin typeface="Lato"/>
-                <a:ea typeface="Lato"/>
-                <a:cs typeface="Lato"/>
-                <a:sym typeface="Lato"/>
-              </a:rPr>
-              <a:t>,</a:t>
-            </a:r>
-            <a:r>
-              <a:rPr xmlns:mc="http://schemas.openxmlformats.org/markup-compatibility/2006" xmlns:hp="http://schemas.haansoft.com/office/presentation/8.0" kumimoji="0" lang="ko-KR" altLang="en-US" sz="1500" b="0" i="0" u="none" strike="noStrike" kern="0" cap="none" spc="0" normalizeH="0" baseline="0" mc:Ignorable="hp" hp:hslEmbossed="0">
-                <a:solidFill>
-                  <a:srgbClr val="343a40"/>
-                </a:solidFill>
-                <a:latin typeface="Lato"/>
-                <a:ea typeface="Lato"/>
-                <a:cs typeface="Lato"/>
-                <a:sym typeface="Lato"/>
-              </a:rPr>
-              <a:t> 전투</a:t>
-            </a:r>
-            <a:r>
-              <a:rPr xmlns:mc="http://schemas.openxmlformats.org/markup-compatibility/2006" xmlns:hp="http://schemas.haansoft.com/office/presentation/8.0" kumimoji="0" lang="en-US" altLang="ko-KR" sz="1500" b="0" i="0" u="none" strike="noStrike" kern="0" cap="none" spc="0" normalizeH="0" baseline="0" mc:Ignorable="hp" hp:hslEmbossed="0">
-                <a:solidFill>
-                  <a:srgbClr val="343a40"/>
-                </a:solidFill>
-                <a:latin typeface="Lato"/>
-                <a:ea typeface="Lato"/>
-                <a:cs typeface="Lato"/>
-                <a:sym typeface="Lato"/>
-              </a:rPr>
-              <a:t>,</a:t>
-            </a:r>
-            <a:r>
-              <a:rPr xmlns:mc="http://schemas.openxmlformats.org/markup-compatibility/2006" xmlns:hp="http://schemas.haansoft.com/office/presentation/8.0" kumimoji="0" lang="ko-KR" altLang="en-US" sz="1500" b="0" i="0" u="none" strike="noStrike" kern="0" cap="none" spc="0" normalizeH="0" baseline="0" mc:Ignorable="hp" hp:hslEmbossed="0">
-                <a:solidFill>
-                  <a:srgbClr val="343a40"/>
-                </a:solidFill>
-                <a:latin typeface="Lato"/>
-                <a:ea typeface="Lato"/>
-                <a:cs typeface="Lato"/>
-                <a:sym typeface="Lato"/>
-              </a:rPr>
-              <a:t> 메뉴</a:t>
-            </a:r>
-            <a:r>
-              <a:rPr xmlns:mc="http://schemas.openxmlformats.org/markup-compatibility/2006" xmlns:hp="http://schemas.haansoft.com/office/presentation/8.0" kumimoji="0" lang="en-US" altLang="ko-KR" sz="1500" b="0" i="0" u="none" strike="noStrike" kern="0" cap="none" spc="0" normalizeH="0" baseline="0" mc:Ignorable="hp" hp:hslEmbossed="0">
-                <a:solidFill>
-                  <a:srgbClr val="343a40"/>
-                </a:solidFill>
-                <a:latin typeface="Lato"/>
-                <a:ea typeface="Lato"/>
-                <a:cs typeface="Lato"/>
-                <a:sym typeface="Lato"/>
-              </a:rPr>
-              <a:t>UI</a:t>
-            </a:r>
-            <a:r>
-              <a:rPr xmlns:mc="http://schemas.openxmlformats.org/markup-compatibility/2006" xmlns:hp="http://schemas.haansoft.com/office/presentation/8.0" kumimoji="0" lang="ko-KR" altLang="en-US" sz="1500" b="0" i="0" u="none" strike="noStrike" kern="0" cap="none" spc="0" normalizeH="0" baseline="0" mc:Ignorable="hp" hp:hslEmbossed="0">
-                <a:solidFill>
-                  <a:srgbClr val="343a40"/>
-                </a:solidFill>
-                <a:latin typeface="Lato"/>
-                <a:ea typeface="Lato"/>
-                <a:cs typeface="Lato"/>
-                <a:sym typeface="Lato"/>
-              </a:rPr>
-              <a:t> 구현</a:t>
-            </a:r>
-            <a:endParaRPr xmlns:mc="http://schemas.openxmlformats.org/markup-compatibility/2006" xmlns:hp="http://schemas.haansoft.com/office/presentation/8.0" kumimoji="0" lang="ko-KR" altLang="en-US" sz="1500" b="0" i="0" u="none" strike="noStrike" kern="0" cap="none" spc="0" normalizeH="0" baseline="0" mc:Ignorable="hp" hp:hslEmbossed="0">
-              <a:solidFill>
-                <a:srgbClr val="343a40"/>
-              </a:solidFill>
-              <a:latin typeface="Lato"/>
-              <a:ea typeface="Lato"/>
-              <a:cs typeface="Lato"/>
-              <a:sym typeface="Lato"/>
-            </a:endParaRPr>
-          </a:p>
-          <a:p>
-            <a:pPr marL="285750" marR="0" lvl="0" indent="-285750" algn="l" rtl="0" eaLnBrk="1" latinLnBrk="0" hangingPunct="1">
-              <a:lnSpc>
-                <a:spcPct val="100000"/>
-              </a:lnSpc>
-              <a:spcBef>
-                <a:spcPts val="600"/>
-              </a:spcBef>
-              <a:spcAft>
-                <a:spcPts val="0"/>
-              </a:spcAft>
-              <a:buClr>
-                <a:srgbClr val="000000"/>
-              </a:buClr>
-              <a:buFont typeface="Arial"/>
-              <a:buFontTx/>
-              <a:buChar char="-"/>
-              <a:defRPr/>
-            </a:pPr>
-            <a:r>
-              <a:rPr xmlns:mc="http://schemas.openxmlformats.org/markup-compatibility/2006" xmlns:hp="http://schemas.haansoft.com/office/presentation/8.0" kumimoji="0" lang="en-US" altLang="ko-KR" sz="1500" b="0" i="0" u="none" strike="noStrike" kern="0" cap="none" spc="0" normalizeH="0" baseline="0" mc:Ignorable="hp" hp:hslEmbossed="0">
-                <a:solidFill>
-                  <a:srgbClr val="343a40"/>
-                </a:solidFill>
-                <a:latin typeface="Lato"/>
-                <a:ea typeface="Lato"/>
-                <a:cs typeface="Lato"/>
-                <a:sym typeface="Lato"/>
-              </a:rPr>
-              <a:t>HeightMap </a:t>
-            </a:r>
-            <a:r>
-              <a:rPr xmlns:mc="http://schemas.openxmlformats.org/markup-compatibility/2006" xmlns:hp="http://schemas.haansoft.com/office/presentation/8.0" kumimoji="0" lang="ko-KR" altLang="en-US" sz="1500" b="0" i="0" u="none" strike="noStrike" kern="0" cap="none" spc="0" normalizeH="0" baseline="0" mc:Ignorable="hp" hp:hslEmbossed="0">
-                <a:solidFill>
-                  <a:srgbClr val="343a40"/>
-                </a:solidFill>
-                <a:latin typeface="Lato"/>
-                <a:ea typeface="Lato"/>
-                <a:cs typeface="Lato"/>
-                <a:sym typeface="Lato"/>
-              </a:rPr>
-              <a:t>구현</a:t>
-            </a:r>
-            <a:endParaRPr xmlns:mc="http://schemas.openxmlformats.org/markup-compatibility/2006" xmlns:hp="http://schemas.haansoft.com/office/presentation/8.0" kumimoji="0" lang="ko-KR" altLang="en-US" sz="1500" b="0" i="0" u="none" strike="noStrike" kern="0" cap="none" spc="0" normalizeH="0" baseline="0" mc:Ignorable="hp" hp:hslEmbossed="0">
-              <a:solidFill>
-                <a:srgbClr val="343a40"/>
-              </a:solidFill>
-              <a:latin typeface="Lato"/>
-              <a:ea typeface="Lato"/>
-              <a:cs typeface="Lato"/>
-              <a:sym typeface="Lato"/>
-            </a:endParaRPr>
-          </a:p>
-        </p:txBody>
-      </p:sp>
-    </p:spTree>
-  </p:cSld>
-  <p:clrMapOvr>
-    <a:masterClrMapping/>
-  </p:clrMapOvr>
-  <mc:AlternateContent xmlns:mc="http://schemas.openxmlformats.org/markup-compatibility/2006">
-    <mc:Choice xmlns:p14="http://schemas.microsoft.com/office/powerpoint/2010/main" Requires="p14">
-      <p:transition xmlns:mc="http://schemas.openxmlformats.org/markup-compatibility/2006" xmlns:p14="http://schemas.microsoft.com/office/powerpoint/2010/main" mc:Ignorable="p14" p14:dur="500"/>
-    </mc:Choice>
-    <mc:Fallback>
-      <p:transition/>
-    </mc:Fallback>
-  </mc:AlternateContent>
-</p:sld>
-</file>
-
-<file path=ppt/slides/slide12.xml><?xml version="1.0" encoding="utf-8"?>
-<p:sld xmlns:r="http://schemas.openxmlformats.org/officeDocument/2006/relationships" xmlns:c="http://schemas.openxmlformats.org/drawingml/2006/chart" xmlns:a="http://schemas.openxmlformats.org/drawingml/2006/main" xmlns:dgm="http://schemas.openxmlformats.org/drawingml/2006/diagram" xmlns:dsp="http://schemas.microsoft.com/office/drawing/2008/diagram" xmlns:p="http://schemas.openxmlformats.org/presentationml/2006/main">
-  <p:cSld>
-    <p:spTree>
-      <p:nvGrpSpPr>
-        <p:cNvPr id="1" name=""/>
-        <p:cNvGrpSpPr/>
-        <p:nvPr/>
-      </p:nvGrpSpPr>
-      <p:grpSpPr>
-        <a:xfrm>
-          <a:off x="0" y="0"/>
-          <a:ext cx="0" cy="0"/>
-          <a:chOff x="0" y="0"/>
-          <a:chExt cx="0" cy="0"/>
-        </a:xfrm>
-      </p:grpSpPr>
-      <p:sp>
-        <p:nvSpPr>
-          <p:cNvPr id="93" name="Google Shape;93;p13"/>
-          <p:cNvSpPr txBox="1">
-            <a:spLocks noGrp="1"/>
-          </p:cNvSpPr>
-          <p:nvPr>
-            <p:ph type="title" idx="0"/>
-          </p:nvPr>
-        </p:nvSpPr>
-        <p:spPr>
-          <a:xfrm>
-            <a:off x="893700" y="434588"/>
-            <a:ext cx="7628100" cy="857400"/>
-          </a:xfrm>
-          <a:prstGeom prst="rect">
-            <a:avLst/>
-          </a:prstGeom>
-          <a:solidFill>
-            <a:schemeClr val="bg1">
-              <a:lumMod val="95000"/>
-            </a:schemeClr>
-          </a:solidFill>
-          <a:ln>
-            <a:solidFill>
-              <a:schemeClr val="tx2">
-                <a:lumMod val="10000"/>
-              </a:schemeClr>
-            </a:solidFill>
-          </a:ln>
-        </p:spPr>
-        <p:style>
-          <a:lnRef idx="2">
-            <a:schemeClr val="dk1"/>
-          </a:lnRef>
-          <a:fillRef idx="1">
-            <a:schemeClr val="lt1"/>
-          </a:fillRef>
-          <a:effectRef idx="0">
-            <a:schemeClr val="dk1"/>
-          </a:effectRef>
-          <a:fontRef idx="minor">
-            <a:schemeClr val="dk1"/>
-          </a:fontRef>
-        </p:style>
-        <p:txBody>
-          <a:bodyPr wrap="square" lIns="91424" tIns="91424" rIns="91424" bIns="91424" anchor="ctr" anchorCtr="0">
-            <a:noAutofit/>
-          </a:bodyPr>
-          <a:lstStyle/>
-          <a:p>
-            <a:pPr marL="0" lvl="0" indent="0" algn="l" rtl="0">
-              <a:spcBef>
-                <a:spcPts val="0"/>
-              </a:spcBef>
-              <a:spcAft>
-                <a:spcPts val="0"/>
-              </a:spcAft>
-              <a:buNone/>
-              <a:defRPr/>
-            </a:pPr>
-            <a:r>
-              <a:rPr lang="en-US" altLang="ko-KR">
-                <a:solidFill>
-                  <a:schemeClr val="tx1">
-                    <a:lumMod val="50000"/>
-                  </a:schemeClr>
-                </a:solidFill>
-                <a:latin typeface="+mj-ea"/>
-                <a:ea typeface="+mj-ea"/>
-              </a:rPr>
-              <a:t>8. </a:t>
-            </a:r>
-            <a:r>
-              <a:rPr lang="ko-KR" altLang="en-US">
-                <a:solidFill>
-                  <a:schemeClr val="tx1">
-                    <a:lumMod val="50000"/>
-                  </a:schemeClr>
-                </a:solidFill>
-                <a:latin typeface="+mj-ea"/>
-                <a:ea typeface="+mj-ea"/>
-              </a:rPr>
-              <a:t>깃허브 로그</a:t>
-            </a:r>
-            <a:endParaRPr lang="ko-KR" altLang="en-US">
-              <a:solidFill>
-                <a:schemeClr val="tx1">
-                  <a:lumMod val="50000"/>
-                </a:schemeClr>
-              </a:solidFill>
-              <a:latin typeface="+mj-ea"/>
-              <a:ea typeface="+mj-ea"/>
-            </a:endParaRPr>
-          </a:p>
-        </p:txBody>
-      </p:sp>
-      <p:sp>
-        <p:nvSpPr>
-          <p:cNvPr id="97" name="Google Shape;97;p13"/>
-          <p:cNvSpPr txBox="1">
-            <a:spLocks noGrp="1"/>
-          </p:cNvSpPr>
-          <p:nvPr>
-            <p:ph type="sldNum" idx="12"/>
-          </p:nvPr>
-        </p:nvSpPr>
-        <p:spPr>
-          <a:xfrm>
-            <a:off x="8480575" y="4696933"/>
-            <a:ext cx="548700" cy="313500"/>
-          </a:xfrm>
-          <a:prstGeom prst="rect">
-            <a:avLst/>
-          </a:prstGeom>
-        </p:spPr>
-        <p:txBody>
-          <a:bodyPr wrap="square" lIns="91424" tIns="91424" rIns="91424" bIns="91424" anchor="t" anchorCtr="0">
-            <a:noAutofit/>
-          </a:bodyPr>
-          <a:lstStyle/>
-          <a:p>
-            <a:pPr marL="0" lvl="0" indent="0" algn="r" rtl="0">
-              <a:spcBef>
-                <a:spcPts val="0"/>
-              </a:spcBef>
-              <a:spcAft>
-                <a:spcPts val="0"/>
-              </a:spcAft>
-              <a:buNone/>
-              <a:defRPr/>
-            </a:pPr>
-            <a:fld id="{00000000-1234-1234-1234-123412341234}" type="slidenum">
-              <a:rPr lang="en-US">
-                <a:solidFill>
-                  <a:schemeClr val="tx1">
-                    <a:lumMod val="50000"/>
-                  </a:schemeClr>
-                </a:solidFill>
-              </a:rPr>
-              <a:pPr marL="0" lvl="0" indent="0" algn="r" rtl="0">
-                <a:spcBef>
-                  <a:spcPts val="0"/>
-                </a:spcBef>
-                <a:spcAft>
-                  <a:spcPts val="0"/>
-                </a:spcAft>
-                <a:buNone/>
-                <a:defRPr/>
-              </a:pPr>
-              <a:t>12</a:t>
-            </a:fld>
-            <a:endParaRPr lang="en-US">
-              <a:solidFill>
-                <a:schemeClr val="tx1">
-                  <a:lumMod val="50000"/>
-                </a:schemeClr>
-              </a:solidFill>
-            </a:endParaRPr>
-          </a:p>
-        </p:txBody>
-      </p:sp>
-      <p:sp>
-        <p:nvSpPr>
-          <p:cNvPr id="6" name="Google Shape;94;p13"/>
-          <p:cNvSpPr txBox="1"/>
-          <p:nvPr/>
-        </p:nvSpPr>
-        <p:spPr>
-          <a:xfrm>
-            <a:off x="4788024" y="1523400"/>
-            <a:ext cx="3750308" cy="3280597"/>
-          </a:xfrm>
-          <a:prstGeom prst="rect">
-            <a:avLst/>
-          </a:prstGeom>
-          <a:noFill/>
-          <a:ln>
-            <a:noFill/>
-          </a:ln>
-        </p:spPr>
-        <p:txBody>
-          <a:bodyPr wrap="square" lIns="91424" tIns="91424" rIns="91424" bIns="91424" anchor="t" anchorCtr="0">
-            <a:noAutofit/>
-          </a:bodyPr>
-          <a:lstStyle/>
-          <a:p>
-            <a:pPr lvl="0" algn="l" rtl="0">
-              <a:spcBef>
-                <a:spcPts val="600"/>
-              </a:spcBef>
-              <a:spcAft>
-                <a:spcPts val="0"/>
-              </a:spcAft>
-              <a:defRPr/>
-            </a:pPr>
-            <a:endParaRPr lang="en-US" altLang="ko-KR" b="1">
-              <a:solidFill>
-                <a:schemeClr val="tx1">
-                  <a:lumMod val="50000"/>
-                </a:schemeClr>
-              </a:solidFill>
-              <a:latin typeface="Lato"/>
-              <a:ea typeface="Lato"/>
-              <a:cs typeface="Lato"/>
-              <a:sym typeface="Lato"/>
-            </a:endParaRPr>
-          </a:p>
-        </p:txBody>
-      </p:sp>
-      <p:sp>
-        <p:nvSpPr>
-          <p:cNvPr id="98" name="Google Shape;94;p13"/>
-          <p:cNvSpPr txBox="1"/>
-          <p:nvPr/>
-        </p:nvSpPr>
-        <p:spPr>
-          <a:xfrm>
-            <a:off x="893830" y="1542096"/>
+            <a:off x="605668" y="1398080"/>
             <a:ext cx="7638740" cy="453590"/>
           </a:xfrm>
           <a:prstGeom prst="rect">
@@ -6709,8 +6109,57 @@
         </p:blipFill>
         <p:spPr>
           <a:xfrm>
-            <a:off x="466725" y="2571750"/>
+            <a:off x="466725" y="1738312"/>
             <a:ext cx="8210550" cy="1533525"/>
+          </a:xfrm>
+          <a:prstGeom prst="rect">
+            <a:avLst/>
+          </a:prstGeom>
+        </p:spPr>
+      </p:pic>
+      <p:pic>
+        <p:nvPicPr>
+          <p:cNvPr id="100" name=""/>
+          <p:cNvPicPr>
+            <a:picLocks noChangeAspect="1"/>
+          </p:cNvPicPr>
+          <p:nvPr/>
+        </p:nvPicPr>
+        <p:blipFill rotWithShape="1">
+          <a:blip r:embed="rId4"/>
+          <a:srcRect r="72500" b="52270"/>
+          <a:stretch>
+            <a:fillRect/>
+          </a:stretch>
+        </p:blipFill>
+        <p:spPr>
+          <a:xfrm>
+            <a:off x="3131840" y="3117494"/>
+            <a:ext cx="1656184" cy="1830519"/>
+          </a:xfrm>
+          <a:prstGeom prst="rect">
+            <a:avLst/>
+          </a:prstGeom>
+        </p:spPr>
+      </p:pic>
+      <p:pic>
+        <p:nvPicPr>
+          <p:cNvPr id="101" name=""/>
+          <p:cNvPicPr>
+            <a:picLocks noChangeAspect="1"/>
+          </p:cNvPicPr>
+          <p:nvPr/>
+        </p:nvPicPr>
+        <p:blipFill rotWithShape="1">
+          <a:blip r:embed="rId5"/>
+          <a:stretch>
+            <a:fillRect/>
+          </a:stretch>
+        </p:blipFill>
+        <p:spPr>
+          <a:xfrm>
+            <a:off x="5220072" y="1465739"/>
+            <a:ext cx="3304708" cy="3482275"/>
           </a:xfrm>
           <a:prstGeom prst="rect">
             <a:avLst/>
@@ -6730,6 +6179,195 @@
       <p:transition/>
     </mc:Fallback>
   </mc:AlternateContent>
+  <p:timing>
+    <p:tnLst>
+      <p:par>
+        <p:cTn id="1" dur="indefinite" restart="never" nodeType="tmRoot">
+          <p:childTnLst>
+            <p:seq concurrent="1" nextAc="seek">
+              <p:cTn id="2" dur="indefinite" nodeType="mainSeq">
+                <p:childTnLst>
+                  <p:par>
+                    <p:cTn id="3" fill="hold">
+                      <p:stCondLst>
+                        <p:cond delay="indefinite"/>
+                      </p:stCondLst>
+                      <p:childTnLst>
+                        <p:par>
+                          <p:cTn id="4" fill="hold">
+                            <p:stCondLst>
+                              <p:cond delay="0"/>
+                            </p:stCondLst>
+                            <p:childTnLst>
+                              <p:par>
+                                <p:cTn id="5" presetID="22" presetClass="entr" presetSubtype="4" fill="hold" nodeType="clickEffect">
+                                  <p:stCondLst>
+                                    <p:cond delay="0"/>
+                                  </p:stCondLst>
+                                  <p:childTnLst>
+                                    <p:set>
+                                      <p:cBhvr>
+                                        <p:cTn id="6" dur="1" fill="hold">
+                                          <p:stCondLst>
+                                            <p:cond delay="0"/>
+                                          </p:stCondLst>
+                                        </p:cTn>
+                                        <p:tgtEl>
+                                          <p:spTgt spid="99"/>
+                                        </p:tgtEl>
+                                        <p:attrNameLst>
+                                          <p:attrName>style.visibility</p:attrName>
+                                        </p:attrNameLst>
+                                      </p:cBhvr>
+                                      <p:to>
+                                        <p:strVal val="visible"/>
+                                      </p:to>
+                                    </p:set>
+                                    <p:animEffect transition="in" filter="wipe(down)">
+                                      <p:cBhvr>
+                                        <p:cTn id="7" dur="500"/>
+                                        <p:tgtEl>
+                                          <p:spTgt spid="99"/>
+                                        </p:tgtEl>
+                                      </p:cBhvr>
+                                    </p:animEffect>
+                                  </p:childTnLst>
+                                </p:cTn>
+                              </p:par>
+                            </p:childTnLst>
+                          </p:cTn>
+                        </p:par>
+                      </p:childTnLst>
+                    </p:cTn>
+                  </p:par>
+                  <p:par>
+                    <p:cTn id="8" fill="hold">
+                      <p:stCondLst>
+                        <p:cond delay="indefinite"/>
+                      </p:stCondLst>
+                      <p:childTnLst>
+                        <p:par>
+                          <p:cTn id="9" fill="hold">
+                            <p:stCondLst>
+                              <p:cond delay="0"/>
+                            </p:stCondLst>
+                            <p:childTnLst>
+                              <p:par>
+                                <p:cTn id="10" presetID="22" presetClass="entr" presetSubtype="4" fill="hold" nodeType="clickEffect">
+                                  <p:stCondLst>
+                                    <p:cond delay="0"/>
+                                  </p:stCondLst>
+                                  <p:childTnLst>
+                                    <p:set>
+                                      <p:cBhvr>
+                                        <p:cTn id="11" dur="1" fill="hold">
+                                          <p:stCondLst>
+                                            <p:cond delay="0"/>
+                                          </p:stCondLst>
+                                        </p:cTn>
+                                        <p:tgtEl>
+                                          <p:spTgt spid="100"/>
+                                        </p:tgtEl>
+                                        <p:attrNameLst>
+                                          <p:attrName>style.visibility</p:attrName>
+                                        </p:attrNameLst>
+                                      </p:cBhvr>
+                                      <p:to>
+                                        <p:strVal val="visible"/>
+                                      </p:to>
+                                    </p:set>
+                                    <p:animEffect transition="in" filter="wipe(down)">
+                                      <p:cBhvr>
+                                        <p:cTn id="12" dur="500"/>
+                                        <p:tgtEl>
+                                          <p:spTgt spid="100"/>
+                                        </p:tgtEl>
+                                      </p:cBhvr>
+                                    </p:animEffect>
+                                  </p:childTnLst>
+                                </p:cTn>
+                              </p:par>
+                            </p:childTnLst>
+                          </p:cTn>
+                        </p:par>
+                      </p:childTnLst>
+                    </p:cTn>
+                  </p:par>
+                  <p:par>
+                    <p:cTn id="13" fill="hold">
+                      <p:stCondLst>
+                        <p:cond delay="indefinite"/>
+                      </p:stCondLst>
+                      <p:childTnLst>
+                        <p:par>
+                          <p:cTn id="14" fill="hold">
+                            <p:stCondLst>
+                              <p:cond delay="0"/>
+                            </p:stCondLst>
+                            <p:childTnLst>
+                              <p:par>
+                                <p:cTn id="15" presetID="22" presetClass="entr" presetSubtype="4" fill="hold" nodeType="clickEffect">
+                                  <p:stCondLst>
+                                    <p:cond delay="0"/>
+                                  </p:stCondLst>
+                                  <p:childTnLst>
+                                    <p:set>
+                                      <p:cBhvr>
+                                        <p:cTn id="16" dur="1" fill="hold">
+                                          <p:stCondLst>
+                                            <p:cond delay="0"/>
+                                          </p:stCondLst>
+                                        </p:cTn>
+                                        <p:tgtEl>
+                                          <p:spTgt spid="101"/>
+                                        </p:tgtEl>
+                                        <p:attrNameLst>
+                                          <p:attrName>style.visibility</p:attrName>
+                                        </p:attrNameLst>
+                                      </p:cBhvr>
+                                      <p:to>
+                                        <p:strVal val="visible"/>
+                                      </p:to>
+                                    </p:set>
+                                    <p:animEffect transition="in" filter="wipe(down)">
+                                      <p:cBhvr>
+                                        <p:cTn id="17" dur="500"/>
+                                        <p:tgtEl>
+                                          <p:spTgt spid="101"/>
+                                        </p:tgtEl>
+                                      </p:cBhvr>
+                                    </p:animEffect>
+                                  </p:childTnLst>
+                                </p:cTn>
+                              </p:par>
+                            </p:childTnLst>
+                          </p:cTn>
+                        </p:par>
+                      </p:childTnLst>
+                    </p:cTn>
+                  </p:par>
+                </p:childTnLst>
+              </p:cTn>
+              <p:prevCondLst>
+                <p:cond evt="onPrev" delay="0">
+                  <p:tgtEl>
+                    <p:sldTgt/>
+                  </p:tgtEl>
+                </p:cond>
+              </p:prevCondLst>
+              <p:nextCondLst>
+                <p:cond evt="onNext" delay="0">
+                  <p:tgtEl>
+                    <p:sldTgt/>
+                  </p:tgtEl>
+                </p:cond>
+              </p:nextCondLst>
+            </p:seq>
+          </p:childTnLst>
+        </p:cTn>
+      </p:par>
+    </p:tnLst>
+  </p:timing>
 </p:sld>
 </file>
 
@@ -6954,7 +6592,7 @@
                 <a:cs typeface="Lato"/>
                 <a:sym typeface="Lato"/>
               </a:rPr>
-              <a:t>구성원 역할 분담</a:t>
+              <a:t>역할 분담 및 일정</a:t>
             </a:r>
             <a:endParaRPr lang="ko-KR" altLang="en-US" sz="1800" b="1">
               <a:solidFill>
@@ -9099,45 +8737,9 @@
                 <a:latin typeface="+mj-ea"/>
                 <a:ea typeface="+mj-ea"/>
               </a:rPr>
-              <a:t>역할분담 및 일정 </a:t>
+              <a:t>역할분담 및 일정</a:t>
             </a:r>
-            <a:r>
-              <a:rPr lang="en-US" altLang="ko-KR">
-                <a:solidFill>
-                  <a:schemeClr val="tx1">
-                    <a:lumMod val="50000"/>
-                  </a:schemeClr>
-                </a:solidFill>
-                <a:latin typeface="+mj-ea"/>
-                <a:ea typeface="+mj-ea"/>
-              </a:rPr>
-              <a:t>(</a:t>
-            </a:r>
-            <a:r>
-              <a:rPr lang="ko-KR" altLang="en-US">
-                <a:solidFill>
-                  <a:schemeClr val="tx1">
-                    <a:lumMod val="50000"/>
-                  </a:schemeClr>
-                </a:solidFill>
-                <a:latin typeface="+mj-ea"/>
-                <a:ea typeface="+mj-ea"/>
-              </a:rPr>
-              <a:t>수정 후 일정</a:t>
-            </a:r>
-            <a:r>
-              <a:rPr lang="en-US" altLang="ko-KR">
-                <a:solidFill>
-                  <a:schemeClr val="tx1">
-                    <a:lumMod val="50000"/>
-                  </a:schemeClr>
-                </a:solidFill>
-                <a:latin typeface="+mj-ea"/>
-                <a:ea typeface="+mj-ea"/>
-              </a:rPr>
-              <a:t>)</a:t>
-            </a:r>
-            <a:endParaRPr lang="en-US" altLang="ko-KR">
+            <a:endParaRPr lang="ko-KR" altLang="en-US">
               <a:solidFill>
                 <a:schemeClr val="tx1">
                   <a:lumMod val="50000"/>
@@ -9534,45 +9136,9 @@
                 <a:latin typeface="+mj-ea"/>
                 <a:ea typeface="+mj-ea"/>
               </a:rPr>
-              <a:t>역할분담 및 일정 </a:t>
+              <a:t>역할분담 및 일정</a:t>
             </a:r>
-            <a:r>
-              <a:rPr lang="en-US" altLang="ko-KR">
-                <a:solidFill>
-                  <a:schemeClr val="tx1">
-                    <a:lumMod val="50000"/>
-                  </a:schemeClr>
-                </a:solidFill>
-                <a:latin typeface="+mj-ea"/>
-                <a:ea typeface="+mj-ea"/>
-              </a:rPr>
-              <a:t>(</a:t>
-            </a:r>
-            <a:r>
-              <a:rPr lang="ko-KR" altLang="en-US">
-                <a:solidFill>
-                  <a:schemeClr val="tx1">
-                    <a:lumMod val="50000"/>
-                  </a:schemeClr>
-                </a:solidFill>
-                <a:latin typeface="+mj-ea"/>
-                <a:ea typeface="+mj-ea"/>
-              </a:rPr>
-              <a:t>역할 분담</a:t>
-            </a:r>
-            <a:r>
-              <a:rPr lang="en-US" altLang="ko-KR">
-                <a:solidFill>
-                  <a:schemeClr val="tx1">
-                    <a:lumMod val="50000"/>
-                  </a:schemeClr>
-                </a:solidFill>
-                <a:latin typeface="+mj-ea"/>
-                <a:ea typeface="+mj-ea"/>
-              </a:rPr>
-              <a:t>)</a:t>
-            </a:r>
-            <a:endParaRPr lang="en-US" altLang="ko-KR">
+            <a:endParaRPr lang="ko-KR" altLang="en-US">
               <a:solidFill>
                 <a:schemeClr val="tx1">
                   <a:lumMod val="50000"/>
@@ -9659,7 +9225,7 @@
         </p:nvGraphicFramePr>
         <p:xfrm>
           <a:off x="899592" y="1526838"/>
-          <a:ext cx="7630385" cy="3269411"/>
+          <a:ext cx="7630385" cy="3078911"/>
         </p:xfrm>
         <a:graphic>
           <a:graphicData uri="http://schemas.openxmlformats.org/drawingml/2006/table">
@@ -10364,24 +9930,6 @@
                           <a:latin typeface="+mj-ea"/>
                           <a:ea typeface="+mj-ea"/>
                         </a:rPr>
-                        <a:t>셰이더 구현</a:t>
-                      </a:r>
-                      <a:endParaRPr lang="ko-KR" altLang="en-US" sz="1200" baseline="0">
-                        <a:latin typeface="+mj-ea"/>
-                        <a:ea typeface="+mj-ea"/>
-                      </a:endParaRPr>
-                    </a:p>
-                    <a:p>
-                      <a:pPr marL="285750" indent="-285750" algn="l" latinLnBrk="1">
-                        <a:buFontTx/>
-                        <a:buChar char="-"/>
-                        <a:defRPr/>
-                      </a:pPr>
-                      <a:r>
-                        <a:rPr lang="ko-KR" altLang="en-US" sz="1200" baseline="0">
-                          <a:latin typeface="+mj-ea"/>
-                          <a:ea typeface="+mj-ea"/>
-                        </a:rPr>
                         <a:t>게임 로직</a:t>
                       </a:r>
                       <a:r>
@@ -10409,7 +9957,21 @@
                         <a:buNone/>
                         <a:defRPr/>
                       </a:pPr>
-                      <a:endParaRPr lang="en-US" altLang="ko-KR" sz="1200" baseline="0">
+                      <a:r>
+                        <a:rPr lang="en-US" altLang="ko-KR" sz="1200" baseline="0">
+                          <a:latin typeface="+mj-ea"/>
+                          <a:ea typeface="+mj-ea"/>
+                        </a:rPr>
+                        <a:t>-</a:t>
+                      </a:r>
+                      <a:r>
+                        <a:rPr lang="ko-KR" altLang="en-US" sz="1200" baseline="0">
+                          <a:latin typeface="+mj-ea"/>
+                          <a:ea typeface="+mj-ea"/>
+                        </a:rPr>
+                        <a:t>    </a:t>
+                      </a:r>
+                      <a:endParaRPr lang="ko-KR" altLang="en-US" sz="1200" baseline="0">
                         <a:latin typeface="+mj-ea"/>
                         <a:ea typeface="+mj-ea"/>
                       </a:endParaRPr>
@@ -10496,37 +10058,12 @@
                         <a:defRPr/>
                       </a:pPr>
                       <a:r>
-                        <a:rPr lang="ko-KR" altLang="en-US" sz="1200" baseline="0">
+                        <a:rPr lang="ko-KR" altLang="en-US" sz="1200">
                           <a:latin typeface="+mj-ea"/>
                           <a:ea typeface="+mj-ea"/>
                         </a:rPr>
-                        <a:t>게임 </a:t>
+                        <a:t>충돌처리</a:t>
                       </a:r>
-                      <a:r>
-                        <a:rPr lang="en-US" altLang="ko-KR" sz="1200" baseline="0">
-                          <a:latin typeface="+mj-ea"/>
-                          <a:ea typeface="+mj-ea"/>
-                        </a:rPr>
-                        <a:t>UI </a:t>
-                      </a:r>
-                      <a:r>
-                        <a:rPr lang="ko-KR" altLang="en-US" sz="1200" baseline="0">
-                          <a:latin typeface="+mj-ea"/>
-                          <a:ea typeface="+mj-ea"/>
-                        </a:rPr>
-                        <a:t>제작</a:t>
-                      </a:r>
-                      <a:endParaRPr lang="ko-KR" altLang="en-US" sz="1200" baseline="0">
-                        <a:latin typeface="+mj-ea"/>
-                        <a:ea typeface="+mj-ea"/>
-                      </a:endParaRPr>
-                    </a:p>
-                    <a:p>
-                      <a:pPr marL="171450" indent="-171450" algn="l" latinLnBrk="1">
-                        <a:buFontTx/>
-                        <a:buChar char="-"/>
-                        <a:defRPr/>
-                      </a:pPr>
                       <a:endParaRPr lang="ko-KR" altLang="en-US" sz="1200">
                         <a:latin typeface="+mj-ea"/>
                         <a:ea typeface="+mj-ea"/>
@@ -10944,7 +10481,7 @@
                           <a:latin typeface="+mj-ea"/>
                           <a:ea typeface="+mj-ea"/>
                         </a:rPr>
-                        <a:t>게임 디자인</a:t>
+                        <a:t>데이터베이스</a:t>
                       </a:r>
                       <a:endParaRPr lang="ko-KR" altLang="en-US" sz="1200">
                         <a:latin typeface="+mj-ea"/>
@@ -11178,70 +10715,6 @@
       </p:sp>
       <p:sp>
         <p:nvSpPr>
-          <p:cNvPr id="7" name="Google Shape;94;p13"/>
-          <p:cNvSpPr txBox="1"/>
-          <p:nvPr/>
-        </p:nvSpPr>
-        <p:spPr>
-          <a:xfrm>
-            <a:off x="893830" y="1299989"/>
-            <a:ext cx="2598050" cy="453590"/>
-          </a:xfrm>
-          <a:prstGeom prst="rect">
-            <a:avLst/>
-          </a:prstGeom>
-          <a:noFill/>
-          <a:ln>
-            <a:noFill/>
-          </a:ln>
-        </p:spPr>
-        <p:txBody>
-          <a:bodyPr wrap="square" lIns="91424" tIns="91424" rIns="91424" bIns="91424" anchor="t" anchorCtr="0">
-            <a:noAutofit/>
-          </a:bodyPr>
-          <a:lstStyle/>
-          <a:p>
-            <a:pPr marL="0" lvl="0" indent="0" algn="l" rtl="0">
-              <a:spcBef>
-                <a:spcPts val="600"/>
-              </a:spcBef>
-              <a:spcAft>
-                <a:spcPts val="0"/>
-              </a:spcAft>
-              <a:buFontTx/>
-              <a:buNone/>
-              <a:defRPr/>
-            </a:pPr>
-            <a:r>
-              <a:rPr lang="ko-KR" altLang="en-US" sz="1800" b="1">
-                <a:solidFill>
-                  <a:schemeClr val="tx1">
-                    <a:lumMod val="50000"/>
-                  </a:schemeClr>
-                </a:solidFill>
-                <a:latin typeface="Lato"/>
-                <a:ea typeface="Lato"/>
-                <a:cs typeface="Lato"/>
-                <a:sym typeface="Lato"/>
-              </a:rPr>
-              <a:t>프레임워크 제작</a:t>
-            </a:r>
-            <a:endParaRPr lang="ko-KR" altLang="en-US" sz="1800" b="1">
-              <a:solidFill>
-                <a:schemeClr val="tx1">
-                  <a:lumMod val="50000"/>
-                </a:schemeClr>
-              </a:solidFill>
-              <a:latin typeface="Lato"/>
-              <a:ea typeface="Lato"/>
-              <a:cs typeface="Lato"/>
-              <a:sym typeface="Lato"/>
-            </a:endParaRPr>
-          </a:p>
-        </p:txBody>
-      </p:sp>
-      <p:sp>
-        <p:nvSpPr>
           <p:cNvPr id="8" name="Google Shape;97;p13"/>
           <p:cNvSpPr txBox="1">
             <a:spLocks noGrp="1"/>
@@ -11305,162 +10778,79 @@
           </a:p>
         </p:txBody>
       </p:sp>
-      <p:graphicFrame>
-        <p:nvGraphicFramePr>
-          <p:cNvPr id="9" name="표 44"/>
-          <p:cNvGraphicFramePr>
-            <a:graphicFrameLocks noGrp="1"/>
-          </p:cNvGraphicFramePr>
+      <p:pic>
+        <p:nvPicPr>
+          <p:cNvPr id="12" name=""/>
+          <p:cNvPicPr>
+            <a:picLocks noChangeAspect="1"/>
+          </p:cNvPicPr>
           <p:nvPr/>
-        </p:nvGraphicFramePr>
-        <p:xfrm>
-          <a:off x="885875" y="1768437"/>
-          <a:ext cx="2520000" cy="1440000"/>
-        </p:xfrm>
-        <a:graphic>
-          <a:graphicData uri="http://schemas.openxmlformats.org/drawingml/2006/table">
-            <a:tbl>
-              <a:tblPr firstRow="1" bandRow="1">
-                <a:tableStyleId>{77C95F03-0CCA-47FF-B4B6-37FC9320E24F}</a:tableStyleId>
-              </a:tblPr>
-              <a:tblGrid>
-                <a:gridCol w="2520000"/>
-              </a:tblGrid>
-              <a:tr h="1440000">
-                <a:tc>
-                  <a:txBody>
-                    <a:bodyPr vert="horz" lIns="91440" tIns="45720" rIns="91440" bIns="45720" anchor="t" anchorCtr="0"/>
-                    <a:p>
-                      <a:pPr latinLnBrk="1">
-                        <a:defRPr/>
-                      </a:pPr>
-                      <a:endParaRPr lang="ko-KR" altLang="en-US"/>
-                    </a:p>
-                  </a:txBody>
-                  <a:tcPr marL="91440" marR="91440">
-                    <a:blipFill rotWithShape="1">
-                      <a:blip r:embed="rId3"/>
-                      <a:stretch>
-                        <a:fillRect/>
-                      </a:stretch>
-                    </a:blipFill>
-                  </a:tcPr>
-                </a:tc>
-              </a:tr>
-            </a:tbl>
-          </a:graphicData>
-        </a:graphic>
-      </p:graphicFrame>
-      <p:graphicFrame>
-        <p:nvGraphicFramePr>
-          <p:cNvPr id="10" name="표 44"/>
-          <p:cNvGraphicFramePr>
-            <a:graphicFrameLocks noGrp="1"/>
-          </p:cNvGraphicFramePr>
-          <p:nvPr/>
-        </p:nvGraphicFramePr>
-        <p:xfrm>
-          <a:off x="885875" y="3291990"/>
-          <a:ext cx="2520000" cy="1440000"/>
-        </p:xfrm>
-        <a:graphic>
-          <a:graphicData uri="http://schemas.openxmlformats.org/drawingml/2006/table">
-            <a:tbl>
-              <a:tblPr firstRow="1" bandRow="1">
-                <a:tableStyleId>{77C95F03-0CCA-47FF-B4B6-37FC9320E24F}</a:tableStyleId>
-              </a:tblPr>
-              <a:tblGrid>
-                <a:gridCol w="2520000"/>
-              </a:tblGrid>
-              <a:tr h="1440000">
-                <a:tc>
-                  <a:txBody>
-                    <a:bodyPr vert="horz" lIns="91440" tIns="45720" rIns="91440" bIns="45720" anchor="t" anchorCtr="0"/>
-                    <a:p>
-                      <a:pPr latinLnBrk="1">
-                        <a:defRPr/>
-                      </a:pPr>
-                      <a:endParaRPr lang="ko-KR" altLang="en-US"/>
-                    </a:p>
-                  </a:txBody>
-                  <a:tcPr marL="91440" marR="91440">
-                    <a:blipFill rotWithShape="1">
-                      <a:blip r:embed="rId4"/>
-                      <a:stretch>
-                        <a:fillRect/>
-                      </a:stretch>
-                    </a:blipFill>
-                  </a:tcPr>
-                </a:tc>
-              </a:tr>
-            </a:tbl>
-          </a:graphicData>
-        </a:graphic>
-      </p:graphicFrame>
-      <p:sp>
-        <p:nvSpPr>
-          <p:cNvPr id="11" name="Google Shape;94;p13"/>
-          <p:cNvSpPr txBox="1"/>
-          <p:nvPr/>
-        </p:nvSpPr>
+        </p:nvPicPr>
+        <p:blipFill rotWithShape="1">
+          <a:blip r:embed="rId3"/>
+          <a:stretch>
+            <a:fillRect/>
+          </a:stretch>
+        </p:blipFill>
         <p:spPr>
           <a:xfrm>
-            <a:off x="3491880" y="1299989"/>
-            <a:ext cx="2598050" cy="453590"/>
+            <a:off x="899592" y="1419622"/>
+            <a:ext cx="2673821" cy="1568419"/>
           </a:xfrm>
           <a:prstGeom prst="rect">
             <a:avLst/>
           </a:prstGeom>
-          <a:noFill/>
-          <a:ln>
-            <a:noFill/>
-          </a:ln>
         </p:spPr>
-        <p:txBody>
-          <a:bodyPr wrap="square" lIns="91424" tIns="91424" rIns="91424" bIns="91424" anchor="t" anchorCtr="0">
-            <a:noAutofit/>
-          </a:bodyPr>
-          <a:lstStyle/>
-          <a:p>
-            <a:pPr marL="0" lvl="0" indent="0" algn="l" rtl="0">
-              <a:spcBef>
-                <a:spcPts val="600"/>
-              </a:spcBef>
-              <a:spcAft>
-                <a:spcPts val="0"/>
-              </a:spcAft>
-              <a:buFontTx/>
-              <a:buNone/>
-              <a:defRPr/>
-            </a:pPr>
-            <a:r>
-              <a:rPr lang="ko-KR" altLang="en-US" sz="1800" b="1">
-                <a:solidFill>
-                  <a:schemeClr val="tx1">
-                    <a:lumMod val="50000"/>
-                  </a:schemeClr>
-                </a:solidFill>
-                <a:latin typeface="Lato"/>
-                <a:ea typeface="Lato"/>
-                <a:cs typeface="Lato"/>
-                <a:sym typeface="Lato"/>
-              </a:rPr>
-              <a:t>게임 로직 구현</a:t>
-            </a:r>
-            <a:endParaRPr lang="ko-KR" altLang="en-US" sz="1800" b="1">
-              <a:solidFill>
-                <a:schemeClr val="tx1">
-                  <a:lumMod val="50000"/>
-                </a:schemeClr>
-              </a:solidFill>
-              <a:latin typeface="Lato"/>
-              <a:ea typeface="Lato"/>
-              <a:cs typeface="Lato"/>
-              <a:sym typeface="Lato"/>
-            </a:endParaRPr>
-          </a:p>
-        </p:txBody>
-      </p:sp>
+      </p:pic>
+      <p:pic>
+        <p:nvPicPr>
+          <p:cNvPr id="13" name=""/>
+          <p:cNvPicPr>
+            <a:picLocks noChangeAspect="1"/>
+          </p:cNvPicPr>
+          <p:nvPr/>
+        </p:nvPicPr>
+        <p:blipFill rotWithShape="1">
+          <a:blip r:embed="rId4"/>
+          <a:stretch>
+            <a:fillRect/>
+          </a:stretch>
+        </p:blipFill>
+        <p:spPr>
+          <a:xfrm>
+            <a:off x="899592" y="3075806"/>
+            <a:ext cx="2664296" cy="1562832"/>
+          </a:xfrm>
+          <a:prstGeom prst="rect">
+            <a:avLst/>
+          </a:prstGeom>
+        </p:spPr>
+      </p:pic>
+      <p:pic>
+        <p:nvPicPr>
+          <p:cNvPr id="16" name=""/>
+          <p:cNvPicPr>
+            <a:picLocks noChangeAspect="1"/>
+          </p:cNvPicPr>
+          <p:nvPr/>
+        </p:nvPicPr>
+        <p:blipFill rotWithShape="1">
+          <a:blip r:embed="rId5"/>
+          <a:srcRect l="3010" t="4860" r="30140" b="25660"/>
+          <a:stretch>
+            <a:fillRect/>
+          </a:stretch>
+        </p:blipFill>
+        <p:spPr>
+          <a:xfrm>
+            <a:off x="4192590" y="1851670"/>
+            <a:ext cx="3979810" cy="2326653"/>
+          </a:xfrm>
+          <a:prstGeom prst="rect">
+            <a:avLst/>
+          </a:prstGeom>
+        </p:spPr>
+      </p:pic>
     </p:spTree>
   </p:cSld>
   <p:clrMapOvr>
@@ -11478,605 +10868,6 @@
 </file>
 
 <file path=ppt/slides/slide8.xml><?xml version="1.0" encoding="utf-8"?>
-<p:sld xmlns:r="http://schemas.openxmlformats.org/officeDocument/2006/relationships" xmlns:c="http://schemas.openxmlformats.org/drawingml/2006/chart" xmlns:a="http://schemas.openxmlformats.org/drawingml/2006/main" xmlns:dgm="http://schemas.openxmlformats.org/drawingml/2006/diagram" xmlns:dsp="http://schemas.microsoft.com/office/drawing/2008/diagram" xmlns:p="http://schemas.openxmlformats.org/presentationml/2006/main">
-  <p:cSld>
-    <p:spTree>
-      <p:nvGrpSpPr>
-        <p:cNvPr id="1" name=""/>
-        <p:cNvGrpSpPr/>
-        <p:nvPr/>
-      </p:nvGrpSpPr>
-      <p:grpSpPr>
-        <a:xfrm>
-          <a:off x="0" y="0"/>
-          <a:ext cx="0" cy="0"/>
-          <a:chOff x="0" y="0"/>
-          <a:chExt cx="0" cy="0"/>
-        </a:xfrm>
-      </p:grpSpPr>
-      <p:sp>
-        <p:nvSpPr>
-          <p:cNvPr id="93" name="Google Shape;93;p13"/>
-          <p:cNvSpPr txBox="1">
-            <a:spLocks noGrp="1"/>
-          </p:cNvSpPr>
-          <p:nvPr>
-            <p:ph type="title" idx="0"/>
-          </p:nvPr>
-        </p:nvSpPr>
-        <p:spPr>
-          <a:xfrm>
-            <a:off x="893700" y="434588"/>
-            <a:ext cx="7628100" cy="857400"/>
-          </a:xfrm>
-          <a:prstGeom prst="rect">
-            <a:avLst/>
-          </a:prstGeom>
-          <a:solidFill>
-            <a:schemeClr val="bg1">
-              <a:lumMod val="95000"/>
-            </a:schemeClr>
-          </a:solidFill>
-          <a:ln>
-            <a:solidFill>
-              <a:schemeClr val="tx2">
-                <a:lumMod val="10000"/>
-              </a:schemeClr>
-            </a:solidFill>
-          </a:ln>
-        </p:spPr>
-        <p:style>
-          <a:lnRef idx="2">
-            <a:schemeClr val="dk1"/>
-          </a:lnRef>
-          <a:fillRef idx="1">
-            <a:schemeClr val="lt1"/>
-          </a:fillRef>
-          <a:effectRef idx="0">
-            <a:schemeClr val="dk1"/>
-          </a:effectRef>
-          <a:fontRef idx="minor">
-            <a:schemeClr val="dk1"/>
-          </a:fontRef>
-        </p:style>
-        <p:txBody>
-          <a:bodyPr wrap="square" lIns="91424" tIns="91424" rIns="91424" bIns="91424" anchor="ctr" anchorCtr="0">
-            <a:noAutofit/>
-          </a:bodyPr>
-          <a:lstStyle/>
-          <a:p>
-            <a:pPr marL="0" lvl="0" indent="0" algn="l" rtl="0">
-              <a:spcBef>
-                <a:spcPts val="0"/>
-              </a:spcBef>
-              <a:spcAft>
-                <a:spcPts val="0"/>
-              </a:spcAft>
-              <a:buNone/>
-              <a:defRPr/>
-            </a:pPr>
-            <a:r>
-              <a:rPr lang="en-US" altLang="ko-KR">
-                <a:solidFill>
-                  <a:schemeClr val="tx1">
-                    <a:lumMod val="50000"/>
-                  </a:schemeClr>
-                </a:solidFill>
-                <a:latin typeface="+mj-ea"/>
-                <a:ea typeface="+mj-ea"/>
-              </a:rPr>
-              <a:t>4. </a:t>
-            </a:r>
-            <a:r>
-              <a:rPr lang="ko-KR" altLang="en-US">
-                <a:solidFill>
-                  <a:schemeClr val="tx1">
-                    <a:lumMod val="50000"/>
-                  </a:schemeClr>
-                </a:solidFill>
-                <a:latin typeface="+mj-ea"/>
-                <a:ea typeface="+mj-ea"/>
-              </a:rPr>
-              <a:t>개발 내용</a:t>
-            </a:r>
-            <a:endParaRPr lang="ko-KR" altLang="en-US">
-              <a:solidFill>
-                <a:schemeClr val="tx1">
-                  <a:lumMod val="50000"/>
-                </a:schemeClr>
-              </a:solidFill>
-              <a:latin typeface="+mj-ea"/>
-              <a:ea typeface="+mj-ea"/>
-            </a:endParaRPr>
-          </a:p>
-        </p:txBody>
-      </p:sp>
-      <p:sp>
-        <p:nvSpPr>
-          <p:cNvPr id="41" name="Google Shape;97;p13"/>
-          <p:cNvSpPr txBox="1">
-            <a:spLocks noGrp="1"/>
-          </p:cNvSpPr>
-          <p:nvPr>
-            <p:ph type="sldNum" idx="12"/>
-          </p:nvPr>
-        </p:nvSpPr>
-        <p:spPr>
-          <a:xfrm>
-            <a:off x="8480575" y="4696933"/>
-            <a:ext cx="548700" cy="313500"/>
-          </a:xfrm>
-          <a:prstGeom prst="rect">
-            <a:avLst/>
-          </a:prstGeom>
-        </p:spPr>
-        <p:txBody>
-          <a:bodyPr wrap="square" lIns="91424" tIns="91424" rIns="91424" bIns="91424" anchor="t" anchorCtr="0">
-            <a:noAutofit/>
-          </a:bodyPr>
-          <a:lstStyle/>
-          <a:p>
-            <a:pPr marL="0" lvl="0" indent="0" algn="r" rtl="0">
-              <a:spcBef>
-                <a:spcPts val="0"/>
-              </a:spcBef>
-              <a:spcAft>
-                <a:spcPts val="0"/>
-              </a:spcAft>
-              <a:buNone/>
-              <a:defRPr/>
-            </a:pPr>
-            <a:fld id="{00000000-1234-1234-1234-123412341234}" type="slidenum">
-              <a:rPr lang="en-US">
-                <a:solidFill>
-                  <a:schemeClr val="tx1">
-                    <a:lumMod val="50000"/>
-                  </a:schemeClr>
-                </a:solidFill>
-              </a:rPr>
-              <a:pPr marL="0" lvl="0" indent="0" algn="r" rtl="0">
-                <a:spcBef>
-                  <a:spcPts val="0"/>
-                </a:spcBef>
-                <a:spcAft>
-                  <a:spcPts val="0"/>
-                </a:spcAft>
-                <a:buNone/>
-                <a:defRPr/>
-              </a:pPr>
-              <a:t>8</a:t>
-            </a:fld>
-            <a:endParaRPr lang="en-US">
-              <a:solidFill>
-                <a:schemeClr val="tx1">
-                  <a:lumMod val="50000"/>
-                </a:schemeClr>
-              </a:solidFill>
-            </a:endParaRPr>
-          </a:p>
-        </p:txBody>
-      </p:sp>
-      <p:sp>
-        <p:nvSpPr>
-          <p:cNvPr id="94" name="Google Shape;94;p13"/>
-          <p:cNvSpPr txBox="1"/>
-          <p:nvPr/>
-        </p:nvSpPr>
-        <p:spPr>
-          <a:xfrm>
-            <a:off x="893830" y="1299989"/>
-            <a:ext cx="1373914" cy="453590"/>
-          </a:xfrm>
-          <a:prstGeom prst="rect">
-            <a:avLst/>
-          </a:prstGeom>
-          <a:noFill/>
-          <a:ln>
-            <a:noFill/>
-          </a:ln>
-        </p:spPr>
-        <p:txBody>
-          <a:bodyPr wrap="square" lIns="91424" tIns="91424" rIns="91424" bIns="91424" anchor="t" anchorCtr="0">
-            <a:noAutofit/>
-          </a:bodyPr>
-          <a:p>
-            <a:pPr marL="0" marR="0" lvl="0" indent="0" algn="l" rtl="0" eaLnBrk="1" latinLnBrk="0" hangingPunct="1">
-              <a:lnSpc>
-                <a:spcPct val="100000"/>
-              </a:lnSpc>
-              <a:spcBef>
-                <a:spcPts val="600"/>
-              </a:spcBef>
-              <a:spcAft>
-                <a:spcPts val="0"/>
-              </a:spcAft>
-              <a:buClr>
-                <a:srgbClr val="000000"/>
-              </a:buClr>
-              <a:buFont typeface="Arial"/>
-              <a:buFontTx/>
-              <a:buNone/>
-              <a:defRPr/>
-            </a:pPr>
-            <a:r>
-              <a:rPr xmlns:mc="http://schemas.openxmlformats.org/markup-compatibility/2006" xmlns:hp="http://schemas.haansoft.com/office/presentation/8.0" kumimoji="0" lang="ko-KR" altLang="en-US" sz="1800" b="1" i="0" u="none" strike="noStrike" kern="0" cap="none" spc="0" normalizeH="0" baseline="0" mc:Ignorable="hp" hp:hslEmbossed="0">
-                <a:solidFill>
-                  <a:srgbClr val="343a40"/>
-                </a:solidFill>
-                <a:latin typeface="Lato"/>
-                <a:ea typeface="Lato"/>
-                <a:cs typeface="Lato"/>
-                <a:sym typeface="Lato"/>
-              </a:rPr>
-              <a:t>셰이더 구현</a:t>
-            </a:r>
-            <a:endParaRPr xmlns:mc="http://schemas.openxmlformats.org/markup-compatibility/2006" xmlns:hp="http://schemas.haansoft.com/office/presentation/8.0" kumimoji="0" lang="ko-KR" altLang="en-US" sz="1800" b="1" i="0" u="none" strike="noStrike" kern="0" cap="none" spc="0" normalizeH="0" baseline="0" mc:Ignorable="hp" hp:hslEmbossed="0">
-              <a:solidFill>
-                <a:srgbClr val="343a40"/>
-              </a:solidFill>
-              <a:latin typeface="Lato"/>
-              <a:ea typeface="Lato"/>
-              <a:cs typeface="Lato"/>
-              <a:sym typeface="Lato"/>
-            </a:endParaRPr>
-          </a:p>
-        </p:txBody>
-      </p:sp>
-      <p:graphicFrame>
-        <p:nvGraphicFramePr>
-          <p:cNvPr id="96" name="표 44"/>
-          <p:cNvGraphicFramePr>
-            <a:graphicFrameLocks noGrp="1"/>
-          </p:cNvGraphicFramePr>
-          <p:nvPr/>
-        </p:nvGraphicFramePr>
-        <p:xfrm>
-          <a:off x="885875" y="1851670"/>
-          <a:ext cx="1525885" cy="2664296"/>
-        </p:xfrm>
-        <a:graphic>
-          <a:graphicData uri="http://schemas.openxmlformats.org/drawingml/2006/table">
-            <a:tbl>
-              <a:tblPr firstRow="1" bandRow="1">
-                <a:tableStyleId>{77C95F03-0CCA-47FF-B4B6-37FC9320E24F}</a:tableStyleId>
-              </a:tblPr>
-              <a:tblGrid>
-                <a:gridCol w="1525885"/>
-              </a:tblGrid>
-              <a:tr h="2664296">
-                <a:tc>
-                  <a:txBody>
-                    <a:bodyPr vert="horz" lIns="91440" tIns="45720" rIns="91440" bIns="45720" anchor="t" anchorCtr="0"/>
-                    <a:p>
-                      <a:pPr marR="0" lvl="0" algn="l" rtl="0" latinLnBrk="1">
-                        <a:lnSpc>
-                          <a:spcPct val="100000"/>
-                        </a:lnSpc>
-                        <a:spcBef>
-                          <a:spcPts val="0"/>
-                        </a:spcBef>
-                        <a:spcAft>
-                          <a:spcPts val="0"/>
-                        </a:spcAft>
-                        <a:buClr>
-                          <a:srgbClr val="000000"/>
-                        </a:buClr>
-                        <a:buFont typeface="Arial"/>
-                        <a:buNone/>
-                        <a:defRPr/>
-                      </a:pPr>
-                      <a:endParaRPr xmlns:mc="http://schemas.openxmlformats.org/markup-compatibility/2006" xmlns:hp="http://schemas.haansoft.com/office/presentation/8.0" kumimoji="0" lang="ko-KR" altLang="en-US" sz="1400" b="0" i="0" u="none" strike="noStrike" kern="0" cap="none" normalizeH="0" baseline="0" mc:Ignorable="hp" hp:hslEmbossed="0">
-                        <a:solidFill>
-                          <a:srgbClr val="000000"/>
-                        </a:solidFill>
-                        <a:latin typeface="Arial"/>
-                        <a:ea typeface="Arial"/>
-                        <a:cs typeface="Arial"/>
-                      </a:endParaRPr>
-                    </a:p>
-                  </a:txBody>
-                  <a:tcPr marL="91440" marR="91440">
-                    <a:lnL w="9525" cap="flat" cmpd="sng">
-                      <a:solidFill>
-                        <a:srgbClr val="000000">
-                          <a:alpha val="100000"/>
-                        </a:srgbClr>
-                      </a:solidFill>
-                      <a:prstDash val="solid"/>
-                      <a:round/>
-                    </a:lnL>
-                    <a:lnR w="9525" cap="flat" cmpd="sng">
-                      <a:solidFill>
-                        <a:srgbClr val="000000">
-                          <a:alpha val="100000"/>
-                        </a:srgbClr>
-                      </a:solidFill>
-                      <a:prstDash val="solid"/>
-                      <a:round/>
-                    </a:lnR>
-                    <a:lnT w="9525" cap="flat" cmpd="sng">
-                      <a:solidFill>
-                        <a:srgbClr val="000000">
-                          <a:alpha val="100000"/>
-                        </a:srgbClr>
-                      </a:solidFill>
-                      <a:prstDash val="solid"/>
-                      <a:round/>
-                    </a:lnT>
-                    <a:lnB w="9525" cap="flat" cmpd="sng">
-                      <a:solidFill>
-                        <a:srgbClr val="000000">
-                          <a:alpha val="100000"/>
-                        </a:srgbClr>
-                      </a:solidFill>
-                      <a:prstDash val="solid"/>
-                      <a:round/>
-                    </a:lnB>
-                    <a:blipFill rotWithShape="1">
-                      <a:blip r:embed="rId3"/>
-                      <a:stretch>
-                        <a:fillRect/>
-                      </a:stretch>
-                    </a:blipFill>
-                  </a:tcPr>
-                </a:tc>
-              </a:tr>
-            </a:tbl>
-          </a:graphicData>
-        </a:graphic>
-      </p:graphicFrame>
-      <p:graphicFrame>
-        <p:nvGraphicFramePr>
-          <p:cNvPr id="97" name="표 44"/>
-          <p:cNvGraphicFramePr>
-            <a:graphicFrameLocks noGrp="1"/>
-          </p:cNvGraphicFramePr>
-          <p:nvPr/>
-        </p:nvGraphicFramePr>
-        <p:xfrm>
-          <a:off x="2830091" y="1851670"/>
-          <a:ext cx="1525885" cy="2664296"/>
-        </p:xfrm>
-        <a:graphic>
-          <a:graphicData uri="http://schemas.openxmlformats.org/drawingml/2006/table">
-            <a:tbl>
-              <a:tblPr firstRow="1" bandRow="1">
-                <a:tableStyleId>{77C95F03-0CCA-47FF-B4B6-37FC9320E24F}</a:tableStyleId>
-              </a:tblPr>
-              <a:tblGrid>
-                <a:gridCol w="1525885"/>
-              </a:tblGrid>
-              <a:tr h="2664296">
-                <a:tc>
-                  <a:txBody>
-                    <a:bodyPr vert="horz" lIns="91440" tIns="45720" rIns="91440" bIns="45720" anchor="t" anchorCtr="0"/>
-                    <a:p>
-                      <a:pPr marR="0" lvl="0" algn="l" rtl="0" latinLnBrk="1">
-                        <a:lnSpc>
-                          <a:spcPct val="100000"/>
-                        </a:lnSpc>
-                        <a:spcBef>
-                          <a:spcPts val="0"/>
-                        </a:spcBef>
-                        <a:spcAft>
-                          <a:spcPts val="0"/>
-                        </a:spcAft>
-                        <a:buClr>
-                          <a:srgbClr val="000000"/>
-                        </a:buClr>
-                        <a:buFont typeface="Arial"/>
-                        <a:buNone/>
-                        <a:defRPr/>
-                      </a:pPr>
-                      <a:endParaRPr xmlns:mc="http://schemas.openxmlformats.org/markup-compatibility/2006" xmlns:hp="http://schemas.haansoft.com/office/presentation/8.0" kumimoji="0" lang="ko-KR" altLang="en-US" sz="1400" b="0" i="0" u="none" strike="noStrike" kern="0" cap="none" normalizeH="0" baseline="0" mc:Ignorable="hp" hp:hslEmbossed="0">
-                        <a:solidFill>
-                          <a:srgbClr val="000000"/>
-                        </a:solidFill>
-                        <a:latin typeface="Arial"/>
-                        <a:ea typeface="Arial"/>
-                        <a:cs typeface="Arial"/>
-                      </a:endParaRPr>
-                    </a:p>
-                  </a:txBody>
-                  <a:tcPr marL="91440" marR="91440">
-                    <a:lnL w="9525" cap="flat" cmpd="sng">
-                      <a:solidFill>
-                        <a:srgbClr val="000000">
-                          <a:alpha val="100000"/>
-                        </a:srgbClr>
-                      </a:solidFill>
-                      <a:prstDash val="solid"/>
-                      <a:round/>
-                    </a:lnL>
-                    <a:lnR w="9525" cap="flat" cmpd="sng">
-                      <a:solidFill>
-                        <a:srgbClr val="000000">
-                          <a:alpha val="100000"/>
-                        </a:srgbClr>
-                      </a:solidFill>
-                      <a:prstDash val="solid"/>
-                      <a:round/>
-                    </a:lnR>
-                    <a:lnT w="9525" cap="flat" cmpd="sng">
-                      <a:solidFill>
-                        <a:srgbClr val="000000">
-                          <a:alpha val="100000"/>
-                        </a:srgbClr>
-                      </a:solidFill>
-                      <a:prstDash val="solid"/>
-                      <a:round/>
-                    </a:lnT>
-                    <a:lnB w="9525" cap="flat" cmpd="sng">
-                      <a:solidFill>
-                        <a:srgbClr val="000000">
-                          <a:alpha val="100000"/>
-                        </a:srgbClr>
-                      </a:solidFill>
-                      <a:prstDash val="solid"/>
-                      <a:round/>
-                    </a:lnB>
-                    <a:blipFill rotWithShape="1">
-                      <a:blip r:embed="rId4"/>
-                      <a:stretch>
-                        <a:fillRect/>
-                      </a:stretch>
-                    </a:blipFill>
-                  </a:tcPr>
-                </a:tc>
-              </a:tr>
-            </a:tbl>
-          </a:graphicData>
-        </a:graphic>
-      </p:graphicFrame>
-      <p:sp>
-        <p:nvSpPr>
-          <p:cNvPr id="99" name="Google Shape;94;p13"/>
-          <p:cNvSpPr txBox="1"/>
-          <p:nvPr/>
-        </p:nvSpPr>
-        <p:spPr>
-          <a:xfrm>
-            <a:off x="2267744" y="1299989"/>
-            <a:ext cx="1800200" cy="453590"/>
-          </a:xfrm>
-          <a:prstGeom prst="rect">
-            <a:avLst/>
-          </a:prstGeom>
-          <a:noFill/>
-          <a:ln>
-            <a:noFill/>
-          </a:ln>
-        </p:spPr>
-        <p:txBody>
-          <a:bodyPr wrap="square" lIns="91424" tIns="91424" rIns="91424" bIns="91424" anchor="t" anchorCtr="0">
-            <a:noAutofit/>
-          </a:bodyPr>
-          <a:p>
-            <a:pPr marL="0" marR="0" lvl="0" indent="0" algn="l" rtl="0" eaLnBrk="1" latinLnBrk="0" hangingPunct="1">
-              <a:lnSpc>
-                <a:spcPct val="100000"/>
-              </a:lnSpc>
-              <a:spcBef>
-                <a:spcPts val="600"/>
-              </a:spcBef>
-              <a:spcAft>
-                <a:spcPts val="0"/>
-              </a:spcAft>
-              <a:buClr>
-                <a:srgbClr val="000000"/>
-              </a:buClr>
-              <a:buFont typeface="Arial"/>
-              <a:buFontTx/>
-              <a:buNone/>
-              <a:defRPr/>
-            </a:pPr>
-            <a:r>
-              <a:rPr xmlns:mc="http://schemas.openxmlformats.org/markup-compatibility/2006" xmlns:hp="http://schemas.haansoft.com/office/presentation/8.0" kumimoji="0" lang="ko-KR" altLang="en-US" sz="1800" b="1" i="0" u="none" strike="noStrike" kern="0" cap="none" spc="0" normalizeH="0" baseline="0" mc:Ignorable="hp" hp:hslEmbossed="0">
-                <a:solidFill>
-                  <a:srgbClr val="343a40"/>
-                </a:solidFill>
-                <a:latin typeface="Lato"/>
-                <a:ea typeface="Lato"/>
-                <a:cs typeface="Lato"/>
-                <a:sym typeface="Lato"/>
-              </a:rPr>
-              <a:t>게임 로직 구현</a:t>
-            </a:r>
-            <a:endParaRPr xmlns:mc="http://schemas.openxmlformats.org/markup-compatibility/2006" xmlns:hp="http://schemas.haansoft.com/office/presentation/8.0" kumimoji="0" lang="ko-KR" altLang="en-US" sz="1800" b="1" i="0" u="none" strike="noStrike" kern="0" cap="none" spc="0" normalizeH="0" baseline="0" mc:Ignorable="hp" hp:hslEmbossed="0">
-              <a:solidFill>
-                <a:srgbClr val="343a40"/>
-              </a:solidFill>
-              <a:latin typeface="Lato"/>
-              <a:ea typeface="Lato"/>
-              <a:cs typeface="Lato"/>
-              <a:sym typeface="Lato"/>
-            </a:endParaRPr>
-          </a:p>
-        </p:txBody>
-      </p:sp>
-      <p:sp>
-        <p:nvSpPr>
-          <p:cNvPr id="100" name="Google Shape;94;p13"/>
-          <p:cNvSpPr txBox="1"/>
-          <p:nvPr/>
-        </p:nvSpPr>
-        <p:spPr>
-          <a:xfrm>
-            <a:off x="4067944" y="1299989"/>
-            <a:ext cx="2160240" cy="453590"/>
-          </a:xfrm>
-          <a:prstGeom prst="rect">
-            <a:avLst/>
-          </a:prstGeom>
-          <a:noFill/>
-          <a:ln>
-            <a:noFill/>
-          </a:ln>
-        </p:spPr>
-        <p:txBody>
-          <a:bodyPr wrap="square" lIns="91424" tIns="91424" rIns="91424" bIns="91424" anchor="t" anchorCtr="0">
-            <a:noAutofit/>
-          </a:bodyPr>
-          <a:p>
-            <a:pPr marL="0" marR="0" lvl="0" indent="0" algn="l" rtl="0" eaLnBrk="1" latinLnBrk="0" hangingPunct="1">
-              <a:lnSpc>
-                <a:spcPct val="100000"/>
-              </a:lnSpc>
-              <a:spcBef>
-                <a:spcPts val="600"/>
-              </a:spcBef>
-              <a:spcAft>
-                <a:spcPts val="0"/>
-              </a:spcAft>
-              <a:buClr>
-                <a:srgbClr val="000000"/>
-              </a:buClr>
-              <a:buFont typeface="Arial"/>
-              <a:buFontTx/>
-              <a:buNone/>
-              <a:defRPr/>
-            </a:pPr>
-            <a:r>
-              <a:rPr xmlns:mc="http://schemas.openxmlformats.org/markup-compatibility/2006" xmlns:hp="http://schemas.haansoft.com/office/presentation/8.0" kumimoji="0" lang="ko-KR" altLang="en-US" sz="1800" b="1" i="0" u="none" strike="noStrike" kern="0" cap="none" spc="0" normalizeH="0" baseline="0" mc:Ignorable="hp" hp:hslEmbossed="0">
-                <a:solidFill>
-                  <a:srgbClr val="343a40"/>
-                </a:solidFill>
-                <a:latin typeface="Lato"/>
-                <a:ea typeface="Lato"/>
-                <a:cs typeface="Lato"/>
-                <a:sym typeface="Lato"/>
-              </a:rPr>
-              <a:t>파티클 패턴 제작</a:t>
-            </a:r>
-            <a:endParaRPr xmlns:mc="http://schemas.openxmlformats.org/markup-compatibility/2006" xmlns:hp="http://schemas.haansoft.com/office/presentation/8.0" kumimoji="0" lang="ko-KR" altLang="en-US" sz="1800" b="1" i="0" u="none" strike="noStrike" kern="0" cap="none" spc="0" normalizeH="0" baseline="0" mc:Ignorable="hp" hp:hslEmbossed="0">
-              <a:solidFill>
-                <a:srgbClr val="343a40"/>
-              </a:solidFill>
-              <a:latin typeface="Lato"/>
-              <a:ea typeface="Lato"/>
-              <a:cs typeface="Lato"/>
-              <a:sym typeface="Lato"/>
-            </a:endParaRPr>
-          </a:p>
-        </p:txBody>
-      </p:sp>
-    </p:spTree>
-  </p:cSld>
-  <p:clrMapOvr>
-    <a:masterClrMapping/>
-  </p:clrMapOvr>
-  <mc:AlternateContent xmlns:mc="http://schemas.openxmlformats.org/markup-compatibility/2006">
-    <mc:Choice xmlns:p14="http://schemas.microsoft.com/office/powerpoint/2010/main" Requires="p14">
-      <p:transition xmlns:mc="http://schemas.openxmlformats.org/markup-compatibility/2006" xmlns:p14="http://schemas.microsoft.com/office/powerpoint/2010/main" mc:Ignorable="p14" p14:dur="500"/>
-    </mc:Choice>
-    <mc:Fallback>
-      <p:transition/>
-    </mc:Fallback>
-  </mc:AlternateContent>
-</p:sld>
-</file>
-
-<file path=ppt/slides/slide9.xml><?xml version="1.0" encoding="utf-8"?>
 <p:sld xmlns:r="http://schemas.openxmlformats.org/officeDocument/2006/relationships" xmlns:c="http://schemas.openxmlformats.org/drawingml/2006/chart" xmlns:a="http://schemas.openxmlformats.org/drawingml/2006/main" xmlns:dgm="http://schemas.openxmlformats.org/drawingml/2006/diagram" xmlns:dsp="http://schemas.microsoft.com/office/drawing/2008/diagram" xmlns:p="http://schemas.openxmlformats.org/presentationml/2006/main">
   <p:cSld>
     <p:spTree>
@@ -13761,6 +12552,445 @@
 </p:sld>
 </file>
 
+<file path=ppt/slides/slide9.xml><?xml version="1.0" encoding="utf-8"?>
+<p:sld xmlns:r="http://schemas.openxmlformats.org/officeDocument/2006/relationships" xmlns:c="http://schemas.openxmlformats.org/drawingml/2006/chart" xmlns:a="http://schemas.openxmlformats.org/drawingml/2006/main" xmlns:dgm="http://schemas.openxmlformats.org/drawingml/2006/diagram" xmlns:dsp="http://schemas.microsoft.com/office/drawing/2008/diagram" xmlns:p="http://schemas.openxmlformats.org/presentationml/2006/main">
+  <p:cSld>
+    <p:spTree>
+      <p:nvGrpSpPr>
+        <p:cNvPr id="1" name=""/>
+        <p:cNvGrpSpPr/>
+        <p:nvPr/>
+      </p:nvGrpSpPr>
+      <p:grpSpPr>
+        <a:xfrm>
+          <a:off x="0" y="0"/>
+          <a:ext cx="0" cy="0"/>
+          <a:chOff x="0" y="0"/>
+          <a:chExt cx="0" cy="0"/>
+        </a:xfrm>
+      </p:grpSpPr>
+      <p:sp>
+        <p:nvSpPr>
+          <p:cNvPr id="9" name="Google Shape;93;p13"/>
+          <p:cNvSpPr txBox="1">
+            <a:spLocks noGrp="1"/>
+          </p:cNvSpPr>
+          <p:nvPr>
+            <p:ph type="title" idx="0"/>
+          </p:nvPr>
+        </p:nvSpPr>
+        <p:spPr>
+          <a:xfrm>
+            <a:off x="893700" y="434588"/>
+            <a:ext cx="7628100" cy="857400"/>
+          </a:xfrm>
+          <a:prstGeom prst="rect">
+            <a:avLst/>
+          </a:prstGeom>
+          <a:solidFill>
+            <a:schemeClr val="bg1">
+              <a:lumMod val="95000"/>
+            </a:schemeClr>
+          </a:solidFill>
+          <a:ln>
+            <a:solidFill>
+              <a:schemeClr val="tx2">
+                <a:lumMod val="10000"/>
+              </a:schemeClr>
+            </a:solidFill>
+          </a:ln>
+        </p:spPr>
+        <p:style>
+          <a:lnRef idx="2">
+            <a:schemeClr val="dk1"/>
+          </a:lnRef>
+          <a:fillRef idx="1">
+            <a:schemeClr val="lt1"/>
+          </a:fillRef>
+          <a:effectRef idx="0">
+            <a:schemeClr val="dk1"/>
+          </a:effectRef>
+          <a:fontRef idx="minor">
+            <a:schemeClr val="dk1"/>
+          </a:fontRef>
+        </p:style>
+        <p:txBody>
+          <a:bodyPr wrap="square" lIns="91424" tIns="91424" rIns="91424" bIns="91424" anchor="ctr" anchorCtr="0">
+            <a:noAutofit/>
+          </a:bodyPr>
+          <a:lstStyle/>
+          <a:p>
+            <a:pPr marL="0" lvl="0" indent="0" algn="l" rtl="0">
+              <a:spcBef>
+                <a:spcPts val="0"/>
+              </a:spcBef>
+              <a:spcAft>
+                <a:spcPts val="0"/>
+              </a:spcAft>
+              <a:buNone/>
+              <a:defRPr/>
+            </a:pPr>
+            <a:r>
+              <a:rPr lang="en-US" altLang="ko-KR">
+                <a:solidFill>
+                  <a:schemeClr val="tx1">
+                    <a:lumMod val="50000"/>
+                  </a:schemeClr>
+                </a:solidFill>
+                <a:latin typeface="+mj-ea"/>
+                <a:ea typeface="+mj-ea"/>
+              </a:rPr>
+              <a:t>6. </a:t>
+            </a:r>
+            <a:r>
+              <a:rPr lang="ko-KR" altLang="en-US">
+                <a:solidFill>
+                  <a:schemeClr val="tx1">
+                    <a:lumMod val="50000"/>
+                  </a:schemeClr>
+                </a:solidFill>
+                <a:latin typeface="+mj-ea"/>
+                <a:ea typeface="+mj-ea"/>
+              </a:rPr>
+              <a:t>문제점 및 보완책</a:t>
+            </a:r>
+            <a:endParaRPr lang="ko-KR" altLang="en-US">
+              <a:solidFill>
+                <a:schemeClr val="tx1">
+                  <a:lumMod val="50000"/>
+                </a:schemeClr>
+              </a:solidFill>
+              <a:latin typeface="+mj-ea"/>
+              <a:ea typeface="+mj-ea"/>
+            </a:endParaRPr>
+          </a:p>
+        </p:txBody>
+      </p:sp>
+      <p:sp>
+        <p:nvSpPr>
+          <p:cNvPr id="10" name="Google Shape;97;p13"/>
+          <p:cNvSpPr txBox="1">
+            <a:spLocks noGrp="1"/>
+          </p:cNvSpPr>
+          <p:nvPr>
+            <p:ph type="sldNum" idx="12"/>
+          </p:nvPr>
+        </p:nvSpPr>
+        <p:spPr>
+          <a:xfrm>
+            <a:off x="8480575" y="4696933"/>
+            <a:ext cx="548700" cy="313500"/>
+          </a:xfrm>
+          <a:prstGeom prst="rect">
+            <a:avLst/>
+          </a:prstGeom>
+        </p:spPr>
+        <p:txBody>
+          <a:bodyPr wrap="square" lIns="91424" tIns="91424" rIns="91424" bIns="91424" anchor="t" anchorCtr="0">
+            <a:noAutofit/>
+          </a:bodyPr>
+          <a:lstStyle/>
+          <a:p>
+            <a:pPr marL="0" lvl="0" indent="0" algn="r" rtl="0">
+              <a:spcBef>
+                <a:spcPts val="0"/>
+              </a:spcBef>
+              <a:spcAft>
+                <a:spcPts val="0"/>
+              </a:spcAft>
+              <a:buNone/>
+              <a:defRPr/>
+            </a:pPr>
+            <a:fld id="{00000000-1234-1234-1234-123412341234}" type="slidenum">
+              <a:rPr lang="en-US">
+                <a:solidFill>
+                  <a:schemeClr val="tx1">
+                    <a:lumMod val="50000"/>
+                  </a:schemeClr>
+                </a:solidFill>
+              </a:rPr>
+              <a:pPr marL="0" lvl="0" indent="0" algn="r" rtl="0">
+                <a:spcBef>
+                  <a:spcPts val="0"/>
+                </a:spcBef>
+                <a:spcAft>
+                  <a:spcPts val="0"/>
+                </a:spcAft>
+                <a:buNone/>
+                <a:defRPr/>
+              </a:pPr>
+              <a:t>9</a:t>
+            </a:fld>
+            <a:endParaRPr lang="en-US">
+              <a:solidFill>
+                <a:schemeClr val="tx1">
+                  <a:lumMod val="50000"/>
+                </a:schemeClr>
+              </a:solidFill>
+            </a:endParaRPr>
+          </a:p>
+        </p:txBody>
+      </p:sp>
+      <p:sp>
+        <p:nvSpPr>
+          <p:cNvPr id="18" name="Google Shape;94;p13"/>
+          <p:cNvSpPr txBox="1"/>
+          <p:nvPr/>
+        </p:nvSpPr>
+        <p:spPr>
+          <a:xfrm>
+            <a:off x="893830" y="1542096"/>
+            <a:ext cx="7638740" cy="3280597"/>
+          </a:xfrm>
+          <a:prstGeom prst="rect">
+            <a:avLst/>
+          </a:prstGeom>
+          <a:noFill/>
+          <a:ln>
+            <a:noFill/>
+          </a:ln>
+        </p:spPr>
+        <p:txBody>
+          <a:bodyPr wrap="square" lIns="91424" tIns="91424" rIns="91424" bIns="91424" anchor="t" anchorCtr="0">
+            <a:noAutofit/>
+          </a:bodyPr>
+          <a:p>
+            <a:pPr marL="0" marR="0" lvl="0" indent="0" algn="l" rtl="0" eaLnBrk="1" latinLnBrk="0" hangingPunct="1">
+              <a:lnSpc>
+                <a:spcPct val="100000"/>
+              </a:lnSpc>
+              <a:spcBef>
+                <a:spcPts val="600"/>
+              </a:spcBef>
+              <a:spcAft>
+                <a:spcPts val="0"/>
+              </a:spcAft>
+              <a:buClr>
+                <a:srgbClr val="000000"/>
+              </a:buClr>
+              <a:buFont typeface="Arial"/>
+              <a:buFontTx/>
+              <a:buNone/>
+              <a:defRPr/>
+            </a:pPr>
+            <a:r>
+              <a:rPr xmlns:mc="http://schemas.openxmlformats.org/markup-compatibility/2006" xmlns:hp="http://schemas.haansoft.com/office/presentation/8.0" kumimoji="0" lang="en-US" altLang="ko-KR" sz="1800" b="1" i="0" u="none" strike="noStrike" kern="0" cap="none" spc="0" normalizeH="0" baseline="0" mc:Ignorable="hp" hp:hslEmbossed="0">
+                <a:solidFill>
+                  <a:srgbClr val="343a40"/>
+                </a:solidFill>
+                <a:latin typeface="Lato"/>
+                <a:ea typeface="Lato"/>
+                <a:cs typeface="Lato"/>
+                <a:sym typeface="Lato"/>
+              </a:rPr>
+              <a:t>UI, </a:t>
+            </a:r>
+            <a:r>
+              <a:rPr xmlns:mc="http://schemas.openxmlformats.org/markup-compatibility/2006" xmlns:hp="http://schemas.haansoft.com/office/presentation/8.0" kumimoji="0" lang="ko-KR" altLang="en-US" sz="1800" b="1" i="0" u="none" strike="noStrike" kern="0" cap="none" spc="0" normalizeH="0" baseline="0" mc:Ignorable="hp" hp:hslEmbossed="0">
+                <a:solidFill>
+                  <a:srgbClr val="343a40"/>
+                </a:solidFill>
+                <a:latin typeface="Lato"/>
+                <a:ea typeface="Lato"/>
+                <a:cs typeface="Lato"/>
+                <a:sym typeface="Lato"/>
+              </a:rPr>
+              <a:t>충돌처리의 느린 진행상황</a:t>
+            </a:r>
+            <a:endParaRPr xmlns:mc="http://schemas.openxmlformats.org/markup-compatibility/2006" xmlns:hp="http://schemas.haansoft.com/office/presentation/8.0" kumimoji="0" lang="ko-KR" altLang="en-US" sz="1800" b="1" i="0" u="none" strike="noStrike" kern="0" cap="none" spc="0" normalizeH="0" baseline="0" mc:Ignorable="hp" hp:hslEmbossed="0">
+              <a:solidFill>
+                <a:srgbClr val="343a40"/>
+              </a:solidFill>
+              <a:latin typeface="Lato"/>
+              <a:ea typeface="Lato"/>
+              <a:cs typeface="Lato"/>
+              <a:sym typeface="Lato"/>
+            </a:endParaRPr>
+          </a:p>
+          <a:p>
+            <a:pPr marL="285750" marR="0" lvl="0" indent="-285750" algn="l" rtl="0" eaLnBrk="1" latinLnBrk="0" hangingPunct="1">
+              <a:lnSpc>
+                <a:spcPct val="100000"/>
+              </a:lnSpc>
+              <a:spcBef>
+                <a:spcPts val="600"/>
+              </a:spcBef>
+              <a:spcAft>
+                <a:spcPts val="0"/>
+              </a:spcAft>
+              <a:buClr>
+                <a:srgbClr val="000000"/>
+              </a:buClr>
+              <a:buFont typeface="Arial"/>
+              <a:buFontTx/>
+              <a:buChar char="-"/>
+              <a:defRPr/>
+            </a:pPr>
+            <a:r>
+              <a:rPr xmlns:mc="http://schemas.openxmlformats.org/markup-compatibility/2006" xmlns:hp="http://schemas.haansoft.com/office/presentation/8.0" kumimoji="0" lang="ko-KR" altLang="en-US" sz="1500" b="0" i="0" u="none" strike="noStrike" kern="0" cap="none" spc="0" normalizeH="0" baseline="0" mc:Ignorable="hp" hp:hslEmbossed="0">
+                <a:solidFill>
+                  <a:srgbClr val="343a40"/>
+                </a:solidFill>
+                <a:latin typeface="Lato"/>
+                <a:ea typeface="Lato"/>
+                <a:cs typeface="Lato"/>
+                <a:sym typeface="Lato"/>
+              </a:rPr>
+              <a:t>애니메이션</a:t>
+            </a:r>
+            <a:r>
+              <a:rPr xmlns:mc="http://schemas.openxmlformats.org/markup-compatibility/2006" xmlns:hp="http://schemas.haansoft.com/office/presentation/8.0" kumimoji="0" lang="en-US" altLang="ko-KR" sz="1500" b="0" i="0" u="none" strike="noStrike" kern="0" cap="none" spc="0" normalizeH="0" baseline="0" mc:Ignorable="hp" hp:hslEmbossed="0">
+                <a:solidFill>
+                  <a:srgbClr val="343a40"/>
+                </a:solidFill>
+                <a:latin typeface="Lato"/>
+                <a:ea typeface="Lato"/>
+                <a:cs typeface="Lato"/>
+                <a:sym typeface="Lato"/>
+              </a:rPr>
+              <a:t>,</a:t>
+            </a:r>
+            <a:r>
+              <a:rPr xmlns:mc="http://schemas.openxmlformats.org/markup-compatibility/2006" xmlns:hp="http://schemas.haansoft.com/office/presentation/8.0" kumimoji="0" lang="ko-KR" altLang="en-US" sz="1500" b="0" i="0" u="none" strike="noStrike" kern="0" cap="none" spc="0" normalizeH="0" baseline="0" mc:Ignorable="hp" hp:hslEmbossed="0">
+                <a:solidFill>
+                  <a:srgbClr val="343a40"/>
+                </a:solidFill>
+                <a:latin typeface="Lato"/>
+                <a:ea typeface="Lato"/>
+                <a:cs typeface="Lato"/>
+                <a:sym typeface="Lato"/>
+              </a:rPr>
+              <a:t> 충돌처리 측에서 작업 속도가 늦어져 </a:t>
+            </a:r>
+            <a:r>
+              <a:rPr xmlns:mc="http://schemas.openxmlformats.org/markup-compatibility/2006" xmlns:hp="http://schemas.haansoft.com/office/presentation/8.0" kumimoji="0" lang="en-US" altLang="ko-KR" sz="1500" b="0" i="0" u="none" strike="noStrike" kern="0" cap="none" spc="0" normalizeH="0" baseline="0" mc:Ignorable="hp" hp:hslEmbossed="0">
+                <a:solidFill>
+                  <a:srgbClr val="343a40"/>
+                </a:solidFill>
+                <a:latin typeface="Lato"/>
+                <a:ea typeface="Lato"/>
+                <a:cs typeface="Lato"/>
+                <a:sym typeface="Lato"/>
+              </a:rPr>
+              <a:t>UI,</a:t>
+            </a:r>
+            <a:r>
+              <a:rPr xmlns:mc="http://schemas.openxmlformats.org/markup-compatibility/2006" xmlns:hp="http://schemas.haansoft.com/office/presentation/8.0" kumimoji="0" lang="ko-KR" altLang="en-US" sz="1500" b="0" i="0" u="none" strike="noStrike" kern="0" cap="none" spc="0" normalizeH="0" baseline="0" mc:Ignorable="hp" hp:hslEmbossed="0">
+                <a:solidFill>
+                  <a:srgbClr val="343a40"/>
+                </a:solidFill>
+                <a:latin typeface="Lato"/>
+                <a:ea typeface="Lato"/>
+                <a:cs typeface="Lato"/>
+                <a:sym typeface="Lato"/>
+              </a:rPr>
+              <a:t> 게임로직 작업이 뒤로 밀려나게 됨</a:t>
+            </a:r>
+            <a:endParaRPr xmlns:mc="http://schemas.openxmlformats.org/markup-compatibility/2006" xmlns:hp="http://schemas.haansoft.com/office/presentation/8.0" kumimoji="0" lang="ko-KR" altLang="en-US" sz="1500" b="0" i="0" u="none" strike="noStrike" kern="0" cap="none" spc="0" normalizeH="0" baseline="0" mc:Ignorable="hp" hp:hslEmbossed="0">
+              <a:solidFill>
+                <a:srgbClr val="343a40"/>
+              </a:solidFill>
+              <a:latin typeface="Lato"/>
+              <a:ea typeface="Lato"/>
+              <a:cs typeface="Lato"/>
+              <a:sym typeface="Lato"/>
+            </a:endParaRPr>
+          </a:p>
+          <a:p>
+            <a:pPr marL="285750" marR="0" lvl="0" indent="-285750" algn="l" rtl="0" eaLnBrk="1" latinLnBrk="0" hangingPunct="1">
+              <a:lnSpc>
+                <a:spcPct val="100000"/>
+              </a:lnSpc>
+              <a:spcBef>
+                <a:spcPts val="600"/>
+              </a:spcBef>
+              <a:spcAft>
+                <a:spcPts val="0"/>
+              </a:spcAft>
+              <a:buClr>
+                <a:srgbClr val="000000"/>
+              </a:buClr>
+              <a:buFont typeface="Arial"/>
+              <a:buFontTx/>
+              <a:buChar char="-"/>
+              <a:defRPr/>
+            </a:pPr>
+            <a:r>
+              <a:rPr xmlns:mc="http://schemas.openxmlformats.org/markup-compatibility/2006" xmlns:hp="http://schemas.haansoft.com/office/presentation/8.0" kumimoji="0" lang="en-US" altLang="ko-KR" sz="1500" i="0" u="none" strike="noStrike" kern="0" cap="none" spc="0" normalizeH="0" baseline="0" mc:Ignorable="hp" hp:hslEmbossed="0">
+                <a:solidFill>
+                  <a:srgbClr val="343a40"/>
+                </a:solidFill>
+                <a:latin typeface="Lato"/>
+                <a:ea typeface="Lato"/>
+                <a:cs typeface="Lato"/>
+                <a:sym typeface="Lato"/>
+              </a:rPr>
+              <a:t>UI, </a:t>
+            </a:r>
+            <a:r>
+              <a:rPr xmlns:mc="http://schemas.openxmlformats.org/markup-compatibility/2006" xmlns:hp="http://schemas.haansoft.com/office/presentation/8.0" kumimoji="0" lang="ko-KR" altLang="en-US" sz="1500" i="0" u="none" strike="noStrike" kern="0" cap="none" spc="0" normalizeH="0" baseline="0" mc:Ignorable="hp" hp:hslEmbossed="0">
+                <a:solidFill>
+                  <a:srgbClr val="343a40"/>
+                </a:solidFill>
+                <a:latin typeface="Lato"/>
+                <a:ea typeface="Lato"/>
+                <a:cs typeface="Lato"/>
+                <a:sym typeface="Lato"/>
+              </a:rPr>
+              <a:t>게임로직 작업은 </a:t>
+            </a:r>
+            <a:r>
+              <a:rPr xmlns:mc="http://schemas.openxmlformats.org/markup-compatibility/2006" xmlns:hp="http://schemas.haansoft.com/office/presentation/8.0" kumimoji="0" lang="en-US" altLang="ko-KR" sz="1500" i="0" u="none" strike="noStrike" kern="0" cap="none" spc="0" normalizeH="0" baseline="0" mc:Ignorable="hp" hp:hslEmbossed="0">
+                <a:solidFill>
+                  <a:srgbClr val="343a40"/>
+                </a:solidFill>
+                <a:latin typeface="Lato"/>
+                <a:ea typeface="Lato"/>
+                <a:cs typeface="Lato"/>
+                <a:sym typeface="Lato"/>
+              </a:rPr>
+              <a:t>6</a:t>
+            </a:r>
+            <a:r>
+              <a:rPr xmlns:mc="http://schemas.openxmlformats.org/markup-compatibility/2006" xmlns:hp="http://schemas.haansoft.com/office/presentation/8.0" kumimoji="0" lang="ko-KR" altLang="en-US" sz="1500" i="0" u="none" strike="noStrike" kern="0" cap="none" spc="0" normalizeH="0" baseline="0" mc:Ignorable="hp" hp:hslEmbossed="0">
+                <a:solidFill>
+                  <a:srgbClr val="343a40"/>
+                </a:solidFill>
+                <a:latin typeface="Lato"/>
+                <a:ea typeface="Lato"/>
+                <a:cs typeface="Lato"/>
+                <a:sym typeface="Lato"/>
+              </a:rPr>
+              <a:t>월까지 진행될 것으로 예상</a:t>
+            </a:r>
+            <a:endParaRPr xmlns:mc="http://schemas.openxmlformats.org/markup-compatibility/2006" xmlns:hp="http://schemas.haansoft.com/office/presentation/8.0" kumimoji="0" lang="ko-KR" altLang="en-US" sz="1500" i="0" u="none" strike="noStrike" kern="0" cap="none" spc="0" normalizeH="0" baseline="0" mc:Ignorable="hp" hp:hslEmbossed="0">
+              <a:solidFill>
+                <a:srgbClr val="343a40"/>
+              </a:solidFill>
+              <a:latin typeface="Lato"/>
+              <a:ea typeface="Lato"/>
+              <a:cs typeface="Lato"/>
+              <a:sym typeface="Lato"/>
+            </a:endParaRPr>
+          </a:p>
+        </p:txBody>
+      </p:sp>
+    </p:spTree>
+  </p:cSld>
+  <p:clrMapOvr>
+    <a:masterClrMapping/>
+  </p:clrMapOvr>
+  <mc:AlternateContent xmlns:mc="http://schemas.openxmlformats.org/markup-compatibility/2006">
+    <mc:Choice xmlns:p14="http://schemas.microsoft.com/office/powerpoint/2010/main" Requires="p14">
+      <p:transition xmlns:mc="http://schemas.openxmlformats.org/markup-compatibility/2006" xmlns:p14="http://schemas.microsoft.com/office/powerpoint/2010/main" mc:Ignorable="p14" p14:dur="500"/>
+    </mc:Choice>
+    <mc:Fallback>
+      <p:transition/>
+    </mc:Fallback>
+  </mc:AlternateContent>
+</p:sld>
+</file>
+
 <file path=ppt/theme/theme1.xml><?xml version="1.0" encoding="utf-8"?>
 <a:theme xmlns:r="http://schemas.openxmlformats.org/officeDocument/2006/relationships" xmlns:c="http://schemas.openxmlformats.org/drawingml/2006/chart" xmlns:dgm="http://schemas.openxmlformats.org/drawingml/2006/diagram" xmlns:dsp="http://schemas.microsoft.com/office/drawing/2008/diagram" xmlns:a="http://schemas.openxmlformats.org/drawingml/2006/main" xmlns:pic="http://schemas.openxmlformats.org/drawingml/2006/picture" xmlns:wp="http://schemas.openxmlformats.org/drawingml/2006/wordprocessingDrawing" xmlns:xdr="http://schemas.openxmlformats.org/drawingml/2006/spreadsheetDrawing" xmlns:lc="http://schemas.openxmlformats.org/drawingml/2006/lockedCanvas" xmlns:p="http://schemas.openxmlformats.org/presentationml/2006/main" name="Antonio template">
   <a:themeElements>

--- a/Capstone Design/발표자료/중간발표/v2.pptx
+++ b/Capstone Design/발표자료/중간발표/v2.pptx
@@ -2,7 +2,7 @@
 <file path=ppt/presentation.xml><?xml version="1.0" encoding="utf-8"?>
 <p:presentation xmlns:r="http://schemas.openxmlformats.org/officeDocument/2006/relationships" xmlns:c="http://schemas.openxmlformats.org/drawingml/2006/chart" xmlns:a="http://schemas.openxmlformats.org/drawingml/2006/main" xmlns:dgm="http://schemas.openxmlformats.org/drawingml/2006/diagram" xmlns:dsp="http://schemas.microsoft.com/office/drawing/2008/diagram" xmlns:p="http://schemas.openxmlformats.org/presentationml/2006/main" showSpecialPlsOnTitleSld="0" strictFirstAndLastChars="0" autoCompressPictures="0">
   <p:sldMasterIdLst>
-    <p:sldMasterId id="2147483664" r:id="rId1"/>
+    <p:sldMasterId id="2147483672" r:id="rId1"/>
   </p:sldMasterIdLst>
   <p:notesMasterIdLst>
     <p:notesMasterId r:id="rId2"/>
@@ -19,6 +19,8 @@
     <p:sldId id="264" r:id="rId11"/>
     <p:sldId id="265" r:id="rId12"/>
     <p:sldId id="266" r:id="rId13"/>
+    <p:sldId id="267" r:id="rId14"/>
+    <p:sldId id="268" r:id="rId15"/>
   </p:sldIdLst>
   <p:sldSz cx="9144000" cy="5143500" type="screen16x9"/>
   <p:notesSz cx="6858000" cy="9144000"/>
@@ -920,6 +922,220 @@
 </file>
 
 <file path=ppt/notesSlides/notesSlide11.xml><?xml version="1.0" encoding="utf-8"?>
+<p:notes xmlns:r="http://schemas.openxmlformats.org/officeDocument/2006/relationships" xmlns:c="http://schemas.openxmlformats.org/drawingml/2006/chart" xmlns:a="http://schemas.openxmlformats.org/drawingml/2006/main" xmlns:dgm="http://schemas.openxmlformats.org/drawingml/2006/diagram" xmlns:dsp="http://schemas.microsoft.com/office/drawing/2008/diagram" xmlns:p="http://schemas.openxmlformats.org/presentationml/2006/main" showMasterSp="0" showMasterPhAnim="0">
+  <p:cSld>
+    <p:spTree>
+      <p:nvGrpSpPr>
+        <p:cNvPr id="1" name=""/>
+        <p:cNvGrpSpPr/>
+        <p:nvPr/>
+      </p:nvGrpSpPr>
+      <p:grpSpPr>
+        <a:xfrm>
+          <a:off x="0" y="0"/>
+          <a:ext cx="0" cy="0"/>
+          <a:chOff x="0" y="0"/>
+          <a:chExt cx="0" cy="0"/>
+        </a:xfrm>
+      </p:grpSpPr>
+      <p:sp>
+        <p:nvSpPr>
+          <p:cNvPr id="90" name="Google Shape;90;g3606f1c2d_30:notes"/>
+          <p:cNvSpPr>
+            <a:spLocks noGrp="1" noRot="1" noChangeAspect="1" noTextEdit="1"/>
+          </p:cNvSpPr>
+          <p:nvPr>
+            <p:ph type="sldImg" idx="2"/>
+          </p:nvPr>
+        </p:nvSpPr>
+        <p:spPr>
+          <a:xfrm>
+            <a:off x="381000" y="685800"/>
+            <a:ext cx="6096000" cy="3429000"/>
+          </a:xfrm>
+          <a:custGeom>
+            <a:avLst/>
+            <a:gdLst/>
+            <a:rect l="l" t="t" r="r" b="b"/>
+            <a:pathLst>
+              <a:path w="120000" h="120000" extrusionOk="0">
+                <a:moveTo>
+                  <a:pt x="0" y="0"/>
+                </a:moveTo>
+                <a:lnTo>
+                  <a:pt x="120000" y="0"/>
+                </a:lnTo>
+                <a:lnTo>
+                  <a:pt x="120000" y="120000"/>
+                </a:lnTo>
+                <a:lnTo>
+                  <a:pt x="0" y="120000"/>
+                </a:lnTo>
+                <a:close/>
+              </a:path>
+            </a:pathLst>
+          </a:custGeom>
+        </p:spPr>
+      </p:sp>
+      <p:sp>
+        <p:nvSpPr>
+          <p:cNvPr id="91" name="Google Shape;91;g3606f1c2d_30:notes"/>
+          <p:cNvSpPr txBox="1">
+            <a:spLocks noGrp="1"/>
+          </p:cNvSpPr>
+          <p:nvPr>
+            <p:ph type="body" idx="1"/>
+          </p:nvPr>
+        </p:nvSpPr>
+        <p:spPr>
+          <a:xfrm>
+            <a:off x="685800" y="4343400"/>
+            <a:ext cx="5486400" cy="4114800"/>
+          </a:xfrm>
+          <a:prstGeom prst="rect">
+            <a:avLst/>
+          </a:prstGeom>
+        </p:spPr>
+        <p:txBody>
+          <a:bodyPr wrap="square" lIns="91424" tIns="91424" rIns="91424" bIns="91424" anchor="t" anchorCtr="0">
+            <a:noAutofit/>
+          </a:bodyPr>
+          <a:lstStyle/>
+          <a:p>
+            <a:pPr marL="0" lvl="0" indent="0" algn="l" rtl="0">
+              <a:spcBef>
+                <a:spcPts val="0"/>
+              </a:spcBef>
+              <a:spcAft>
+                <a:spcPts val="0"/>
+              </a:spcAft>
+              <a:buNone/>
+              <a:defRPr/>
+            </a:pPr>
+            <a:r>
+              <a:rPr lang="ko-KR" altLang="en-US"/>
+              <a:t/>
+            </a:r>
+            <a:endParaRPr lang="ko-KR" altLang="en-US"/>
+          </a:p>
+        </p:txBody>
+      </p:sp>
+    </p:spTree>
+  </p:cSld>
+  <p:clrMapOvr>
+    <a:masterClrMapping/>
+  </p:clrMapOvr>
+</p:notes>
+</file>
+
+<file path=ppt/notesSlides/notesSlide12.xml><?xml version="1.0" encoding="utf-8"?>
+<p:notes xmlns:r="http://schemas.openxmlformats.org/officeDocument/2006/relationships" xmlns:c="http://schemas.openxmlformats.org/drawingml/2006/chart" xmlns:a="http://schemas.openxmlformats.org/drawingml/2006/main" xmlns:dgm="http://schemas.openxmlformats.org/drawingml/2006/diagram" xmlns:dsp="http://schemas.microsoft.com/office/drawing/2008/diagram" xmlns:p="http://schemas.openxmlformats.org/presentationml/2006/main" showMasterSp="0" showMasterPhAnim="0">
+  <p:cSld>
+    <p:spTree>
+      <p:nvGrpSpPr>
+        <p:cNvPr id="1" name=""/>
+        <p:cNvGrpSpPr/>
+        <p:nvPr/>
+      </p:nvGrpSpPr>
+      <p:grpSpPr>
+        <a:xfrm>
+          <a:off x="0" y="0"/>
+          <a:ext cx="0" cy="0"/>
+          <a:chOff x="0" y="0"/>
+          <a:chExt cx="0" cy="0"/>
+        </a:xfrm>
+      </p:grpSpPr>
+      <p:sp>
+        <p:nvSpPr>
+          <p:cNvPr id="90" name="Google Shape;90;g3606f1c2d_30:notes"/>
+          <p:cNvSpPr>
+            <a:spLocks noGrp="1" noRot="1" noChangeAspect="1" noTextEdit="1"/>
+          </p:cNvSpPr>
+          <p:nvPr>
+            <p:ph type="sldImg" idx="2"/>
+          </p:nvPr>
+        </p:nvSpPr>
+        <p:spPr>
+          <a:xfrm>
+            <a:off x="381000" y="685800"/>
+            <a:ext cx="6096000" cy="3429000"/>
+          </a:xfrm>
+          <a:custGeom>
+            <a:avLst/>
+            <a:gdLst/>
+            <a:rect l="l" t="t" r="r" b="b"/>
+            <a:pathLst>
+              <a:path w="120000" h="120000" extrusionOk="0">
+                <a:moveTo>
+                  <a:pt x="0" y="0"/>
+                </a:moveTo>
+                <a:lnTo>
+                  <a:pt x="120000" y="0"/>
+                </a:lnTo>
+                <a:lnTo>
+                  <a:pt x="120000" y="120000"/>
+                </a:lnTo>
+                <a:lnTo>
+                  <a:pt x="0" y="120000"/>
+                </a:lnTo>
+                <a:close/>
+              </a:path>
+            </a:pathLst>
+          </a:custGeom>
+        </p:spPr>
+      </p:sp>
+      <p:sp>
+        <p:nvSpPr>
+          <p:cNvPr id="91" name="Google Shape;91;g3606f1c2d_30:notes"/>
+          <p:cNvSpPr txBox="1">
+            <a:spLocks noGrp="1"/>
+          </p:cNvSpPr>
+          <p:nvPr>
+            <p:ph type="body" idx="1"/>
+          </p:nvPr>
+        </p:nvSpPr>
+        <p:spPr>
+          <a:xfrm>
+            <a:off x="685800" y="4343400"/>
+            <a:ext cx="5486400" cy="4114800"/>
+          </a:xfrm>
+          <a:prstGeom prst="rect">
+            <a:avLst/>
+          </a:prstGeom>
+        </p:spPr>
+        <p:txBody>
+          <a:bodyPr wrap="square" lIns="91424" tIns="91424" rIns="91424" bIns="91424" anchor="t" anchorCtr="0">
+            <a:noAutofit/>
+          </a:bodyPr>
+          <a:lstStyle/>
+          <a:p>
+            <a:pPr marL="0" lvl="0" indent="0" algn="l" rtl="0">
+              <a:spcBef>
+                <a:spcPts val="0"/>
+              </a:spcBef>
+              <a:spcAft>
+                <a:spcPts val="0"/>
+              </a:spcAft>
+              <a:buNone/>
+              <a:defRPr/>
+            </a:pPr>
+            <a:r>
+              <a:rPr lang="ko-KR" altLang="en-US"/>
+              <a:t/>
+            </a:r>
+            <a:endParaRPr lang="ko-KR" altLang="en-US"/>
+          </a:p>
+        </p:txBody>
+      </p:sp>
+    </p:spTree>
+  </p:cSld>
+  <p:clrMapOvr>
+    <a:masterClrMapping/>
+  </p:clrMapOvr>
+</p:notes>
+</file>
+
+<file path=ppt/notesSlides/notesSlide13.xml><?xml version="1.0" encoding="utf-8"?>
 <p:notes xmlns:r="http://schemas.openxmlformats.org/officeDocument/2006/relationships" xmlns:c="http://schemas.openxmlformats.org/drawingml/2006/chart" xmlns:a="http://schemas.openxmlformats.org/drawingml/2006/main" xmlns:dgm="http://schemas.openxmlformats.org/drawingml/2006/diagram" xmlns:dsp="http://schemas.microsoft.com/office/drawing/2008/diagram" xmlns:p="http://schemas.openxmlformats.org/presentationml/2006/main" showMasterSp="0" showMasterPhAnim="0">
   <p:cSld>
     <p:spTree>
@@ -5315,31 +5531,7 @@
                 <a:cs typeface="Lato"/>
                 <a:sym typeface="Lato"/>
               </a:rPr>
-              <a:t>모델링</a:t>
-            </a:r>
-            <a:r>
-              <a:rPr xmlns:mc="http://schemas.openxmlformats.org/markup-compatibility/2006" xmlns:hp="http://schemas.haansoft.com/office/presentation/8.0" kumimoji="0" lang="en-US" altLang="ko-KR" sz="1800" b="1" i="0" u="none" strike="noStrike" kern="0" cap="none" spc="0" normalizeH="0" baseline="0" mc:Ignorable="hp" hp:hslEmbossed="0">
-                <a:solidFill>
-                  <a:srgbClr val="343a40"/>
-                </a:solidFill>
-                <a:latin typeface="Lato"/>
-                <a:ea typeface="Lato"/>
-                <a:cs typeface="Lato"/>
-                <a:sym typeface="Lato"/>
-              </a:rPr>
-              <a:t>,</a:t>
-            </a:r>
-            <a:r>
-              <a:rPr xmlns:mc="http://schemas.openxmlformats.org/markup-compatibility/2006" xmlns:hp="http://schemas.haansoft.com/office/presentation/8.0" kumimoji="0" lang="ko-KR" altLang="en-US" sz="1800" b="1" i="0" u="none" strike="noStrike" kern="0" cap="none" spc="0" normalizeH="0" baseline="0" mc:Ignorable="hp" hp:hslEmbossed="0">
-                <a:solidFill>
-                  <a:srgbClr val="343a40"/>
-                </a:solidFill>
-                <a:latin typeface="Lato"/>
-                <a:ea typeface="Lato"/>
-                <a:cs typeface="Lato"/>
-                <a:sym typeface="Lato"/>
-              </a:rPr>
-              <a:t> 애니메이션 추가</a:t>
+              <a:t>게임 컨텐츠 추가</a:t>
             </a:r>
             <a:endParaRPr xmlns:mc="http://schemas.openxmlformats.org/markup-compatibility/2006" xmlns:hp="http://schemas.haansoft.com/office/presentation/8.0" kumimoji="0" lang="ko-KR" altLang="en-US" sz="1800" b="1" i="0" u="none" strike="noStrike" kern="0" cap="none" spc="0" normalizeH="0" baseline="0" mc:Ignorable="hp" hp:hslEmbossed="0">
               <a:solidFill>
@@ -5380,10 +5572,39 @@
                 <a:cs typeface="Lato"/>
                 <a:sym typeface="Lato"/>
               </a:rPr>
-              <a:t>복서</a:t>
+              <a:t>미션 시스템 추가</a:t>
             </a:r>
+            <a:endParaRPr xmlns:mc="http://schemas.openxmlformats.org/markup-compatibility/2006" xmlns:hp="http://schemas.haansoft.com/office/presentation/8.0" kumimoji="0" lang="ko-KR" altLang="en-US" sz="1500" b="0" i="0" u="none" strike="noStrike" kern="0" cap="none" spc="0" normalizeH="0" baseline="0" mc:Ignorable="hp" hp:hslEmbossed="0">
+              <a:solidFill>
+                <a:srgbClr val="343a40"/>
+              </a:solidFill>
+              <a:latin typeface="Lato"/>
+              <a:ea typeface="Lato"/>
+              <a:cs typeface="Lato"/>
+              <a:sym typeface="Lato"/>
+            </a:endParaRPr>
+          </a:p>
+          <a:p>
+            <a:pPr marL="285750" marR="0" lvl="0" indent="-285750" algn="l" rtl="0" eaLnBrk="1" latinLnBrk="0" hangingPunct="1">
+              <a:lnSpc>
+                <a:spcPct val="100000"/>
+              </a:lnSpc>
+              <a:spcBef>
+                <a:spcPts val="600"/>
+              </a:spcBef>
+              <a:spcAft>
+                <a:spcPts val="0"/>
+              </a:spcAft>
+              <a:buClr>
+                <a:srgbClr val="000000"/>
+              </a:buClr>
+              <a:buFont typeface="Arial"/>
+              <a:buFontTx/>
+              <a:buChar char="-"/>
+              <a:defRPr/>
+            </a:pPr>
             <a:r>
-              <a:rPr xmlns:mc="http://schemas.openxmlformats.org/markup-compatibility/2006" xmlns:hp="http://schemas.haansoft.com/office/presentation/8.0" kumimoji="0" lang="en-US" altLang="ko-KR" sz="1500" b="0" i="0" u="none" strike="noStrike" kern="0" cap="none" spc="0" normalizeH="0" baseline="0" mc:Ignorable="hp" hp:hslEmbossed="0">
+              <a:rPr xmlns:mc="http://schemas.openxmlformats.org/markup-compatibility/2006" xmlns:hp="http://schemas.haansoft.com/office/presentation/8.0" kumimoji="0" lang="ko-KR" altLang="en-US" sz="1500" b="0" i="0" u="none" strike="noStrike" kern="0" cap="none" spc="0" normalizeH="0" baseline="0" mc:Ignorable="hp" hp:hslEmbossed="0">
                 <a:solidFill>
                   <a:srgbClr val="343a40"/>
                 </a:solidFill>
@@ -5392,10 +5613,68 @@
                 <a:cs typeface="Lato"/>
                 <a:sym typeface="Lato"/>
               </a:rPr>
-              <a:t>,</a:t>
+              <a:t>연계기</a:t>
             </a:r>
+            <a:endParaRPr xmlns:mc="http://schemas.openxmlformats.org/markup-compatibility/2006" xmlns:hp="http://schemas.haansoft.com/office/presentation/8.0" kumimoji="0" lang="ko-KR" altLang="en-US" sz="1500" b="0" i="0" u="none" strike="noStrike" kern="0" cap="none" spc="0" normalizeH="0" baseline="0" mc:Ignorable="hp" hp:hslEmbossed="0">
+              <a:solidFill>
+                <a:srgbClr val="343a40"/>
+              </a:solidFill>
+              <a:latin typeface="Lato"/>
+              <a:ea typeface="Lato"/>
+              <a:cs typeface="Lato"/>
+              <a:sym typeface="Lato"/>
+            </a:endParaRPr>
+          </a:p>
+          <a:p>
+            <a:pPr marL="0" marR="0" lvl="0" indent="0" algn="l" rtl="0" eaLnBrk="1" latinLnBrk="0" hangingPunct="1">
+              <a:lnSpc>
+                <a:spcPct val="100000"/>
+              </a:lnSpc>
+              <a:spcBef>
+                <a:spcPts val="600"/>
+              </a:spcBef>
+              <a:spcAft>
+                <a:spcPts val="0"/>
+              </a:spcAft>
+              <a:buClr>
+                <a:srgbClr val="000000"/>
+              </a:buClr>
+              <a:buFont typeface="Arial"/>
+              <a:buFontTx/>
+              <a:buNone/>
+              <a:defRPr/>
+            </a:pPr>
+            <a:endParaRPr xmlns:mc="http://schemas.openxmlformats.org/markup-compatibility/2006" xmlns:hp="http://schemas.haansoft.com/office/presentation/8.0" kumimoji="0" lang="ko-KR" altLang="en-US" sz="1500" b="0" i="0" u="none" strike="noStrike" kern="0" cap="none" spc="0" normalizeH="0" baseline="0" mc:Ignorable="hp" hp:hslEmbossed="0">
+              <a:solidFill>
+                <a:srgbClr val="343a40"/>
+              </a:solidFill>
+              <a:latin typeface="Lato"/>
+              <a:ea typeface="Lato"/>
+              <a:cs typeface="Lato"/>
+              <a:sym typeface="Lato"/>
+            </a:endParaRPr>
+          </a:p>
+          <a:p>
+            <a:pPr marL="0" marR="0" lvl="0" indent="0" algn="l" rtl="0" eaLnBrk="1" latinLnBrk="0" hangingPunct="1">
+              <a:lnSpc>
+                <a:spcPct val="100000"/>
+              </a:lnSpc>
+              <a:spcBef>
+                <a:spcPts val="600"/>
+              </a:spcBef>
+              <a:spcAft>
+                <a:spcPts val="0"/>
+              </a:spcAft>
+              <a:buClr>
+                <a:srgbClr val="000000"/>
+              </a:buClr>
+              <a:buFont typeface="Arial"/>
+              <a:buFontTx/>
+              <a:buNone/>
+              <a:defRPr/>
+            </a:pPr>
             <a:r>
-              <a:rPr xmlns:mc="http://schemas.openxmlformats.org/markup-compatibility/2006" xmlns:hp="http://schemas.haansoft.com/office/presentation/8.0" kumimoji="0" lang="ko-KR" altLang="en-US" sz="1500" b="0" i="0" u="none" strike="noStrike" kern="0" cap="none" spc="0" normalizeH="0" baseline="0" mc:Ignorable="hp" hp:hslEmbossed="0">
+              <a:rPr xmlns:mc="http://schemas.openxmlformats.org/markup-compatibility/2006" xmlns:hp="http://schemas.haansoft.com/office/presentation/8.0" kumimoji="0" lang="ko-KR" altLang="en-US" sz="1800" b="1" i="0" u="none" strike="noStrike" kern="0" cap="none" spc="0" normalizeH="0" baseline="0" mc:Ignorable="hp" hp:hslEmbossed="0">
                 <a:solidFill>
                   <a:srgbClr val="343a40"/>
                 </a:solidFill>
@@ -5404,7 +5683,60 @@
                 <a:cs typeface="Lato"/>
                 <a:sym typeface="Lato"/>
               </a:rPr>
-              <a:t> 관중 애니메이션 추가</a:t>
+              <a:t>셰이더 추가</a:t>
+            </a:r>
+            <a:endParaRPr xmlns:mc="http://schemas.openxmlformats.org/markup-compatibility/2006" xmlns:hp="http://schemas.haansoft.com/office/presentation/8.0" kumimoji="0" lang="ko-KR" altLang="en-US" sz="1800" b="1" i="0" u="none" strike="noStrike" kern="0" cap="none" spc="0" normalizeH="0" baseline="0" mc:Ignorable="hp" hp:hslEmbossed="0">
+              <a:solidFill>
+                <a:srgbClr val="343a40"/>
+              </a:solidFill>
+              <a:latin typeface="Lato"/>
+              <a:ea typeface="Lato"/>
+              <a:cs typeface="Lato"/>
+              <a:sym typeface="Lato"/>
+            </a:endParaRPr>
+          </a:p>
+          <a:p>
+            <a:pPr marL="285750" marR="0" lvl="0" indent="-285750" algn="l" rtl="0" eaLnBrk="1" latinLnBrk="0" hangingPunct="1">
+              <a:lnSpc>
+                <a:spcPct val="100000"/>
+              </a:lnSpc>
+              <a:spcBef>
+                <a:spcPts val="600"/>
+              </a:spcBef>
+              <a:spcAft>
+                <a:spcPts val="0"/>
+              </a:spcAft>
+              <a:buClr>
+                <a:srgbClr val="000000"/>
+              </a:buClr>
+              <a:buFont typeface="Arial"/>
+              <a:buFontTx/>
+              <a:buChar char="-"/>
+              <a:defRPr/>
+            </a:pPr>
+            <a:r>
+              <a:rPr xmlns:mc="http://schemas.openxmlformats.org/markup-compatibility/2006" xmlns:hp="http://schemas.haansoft.com/office/presentation/8.0" kumimoji="0" lang="en-US" altLang="ko-KR" sz="1500" b="0" i="0" u="none" strike="noStrike" kern="0" cap="none" spc="0" normalizeH="0" baseline="0" mc:Ignorable="hp" hp:hslEmbossed="0">
+                <a:solidFill>
+                  <a:srgbClr val="343a40"/>
+                </a:solidFill>
+                <a:latin typeface="Lato"/>
+                <a:ea typeface="Lato"/>
+                <a:cs typeface="Lato"/>
+                <a:sym typeface="Lato"/>
+              </a:rPr>
+              <a:t>UI,</a:t>
+            </a:r>
+            <a:r>
+              <a:rPr xmlns:mc="http://schemas.openxmlformats.org/markup-compatibility/2006" xmlns:hp="http://schemas.haansoft.com/office/presentation/8.0" kumimoji="0" lang="ko-KR" altLang="en-US" sz="1500" b="0" i="0" u="none" strike="noStrike" kern="0" cap="none" spc="0" normalizeH="0" baseline="0" mc:Ignorable="hp" hp:hslEmbossed="0">
+                <a:solidFill>
+                  <a:srgbClr val="343a40"/>
+                </a:solidFill>
+                <a:latin typeface="Lato"/>
+                <a:ea typeface="Lato"/>
+                <a:cs typeface="Lato"/>
+                <a:sym typeface="Lato"/>
+              </a:rPr>
+              <a:t> 파티클 등 추가</a:t>
             </a:r>
             <a:endParaRPr xmlns:mc="http://schemas.openxmlformats.org/markup-compatibility/2006" xmlns:hp="http://schemas.haansoft.com/office/presentation/8.0" kumimoji="0" lang="ko-KR" altLang="en-US" sz="1500" b="0" i="0" u="none" strike="noStrike" kern="0" cap="none" spc="0" normalizeH="0" baseline="0" mc:Ignorable="hp" hp:hslEmbossed="0">
               <a:solidFill>
@@ -5474,7 +5806,7 @@
                 <a:cs typeface="Lato"/>
                 <a:sym typeface="Lato"/>
               </a:rPr>
-              <a:t>게임 컨텐츠 추가</a:t>
+              <a:t>서버</a:t>
             </a:r>
             <a:endParaRPr xmlns:mc="http://schemas.openxmlformats.org/markup-compatibility/2006" xmlns:hp="http://schemas.haansoft.com/office/presentation/8.0" kumimoji="0" lang="ko-KR" altLang="en-US" sz="1800" b="1" i="0" u="none" strike="noStrike" kern="0" cap="none" spc="0" normalizeH="0" baseline="0" mc:Ignorable="hp" hp:hslEmbossed="0">
               <a:solidFill>
@@ -5506,7 +5838,7 @@
               <a:defRPr/>
             </a:pPr>
             <a:r>
-              <a:rPr xmlns:mc="http://schemas.openxmlformats.org/markup-compatibility/2006" xmlns:hp="http://schemas.haansoft.com/office/presentation/8.0" kumimoji="0" lang="en-US" altLang="ko-KR" sz="1500" b="0" i="0" u="none" strike="noStrike" kern="0" cap="none" spc="0" normalizeH="0" baseline="0" mc:Ignorable="hp" hp:hslEmbossed="0">
+              <a:rPr xmlns:mc="http://schemas.openxmlformats.org/markup-compatibility/2006" xmlns:hp="http://schemas.haansoft.com/office/presentation/8.0" kumimoji="0" lang="ko-KR" altLang="en-US" sz="1500" b="0" i="0" u="none" strike="noStrike" kern="0" cap="none" spc="0" normalizeH="0" baseline="0" mc:Ignorable="hp" hp:hslEmbossed="0">
                 <a:solidFill>
                   <a:srgbClr val="343a40"/>
                 </a:solidFill>
@@ -5515,8 +5847,37 @@
                 <a:cs typeface="Lato"/>
                 <a:sym typeface="Lato"/>
               </a:rPr>
-              <a:t>PvP,</a:t>
+              <a:t>매칭 시스템 및 로비 추가</a:t>
             </a:r>
+            <a:endParaRPr xmlns:mc="http://schemas.openxmlformats.org/markup-compatibility/2006" xmlns:hp="http://schemas.haansoft.com/office/presentation/8.0" kumimoji="0" lang="ko-KR" altLang="en-US" sz="1500" b="0" i="0" u="none" strike="noStrike" kern="0" cap="none" spc="0" normalizeH="0" baseline="0" mc:Ignorable="hp" hp:hslEmbossed="0">
+              <a:solidFill>
+                <a:srgbClr val="343a40"/>
+              </a:solidFill>
+              <a:latin typeface="Lato"/>
+              <a:ea typeface="Lato"/>
+              <a:cs typeface="Lato"/>
+              <a:sym typeface="Lato"/>
+            </a:endParaRPr>
+          </a:p>
+          <a:p>
+            <a:pPr marL="285750" marR="0" lvl="0" indent="-285750" algn="l" rtl="0" eaLnBrk="1" latinLnBrk="0" hangingPunct="1">
+              <a:lnSpc>
+                <a:spcPct val="100000"/>
+              </a:lnSpc>
+              <a:spcBef>
+                <a:spcPts val="600"/>
+              </a:spcBef>
+              <a:spcAft>
+                <a:spcPts val="0"/>
+              </a:spcAft>
+              <a:buClr>
+                <a:srgbClr val="000000"/>
+              </a:buClr>
+              <a:buFont typeface="Arial"/>
+              <a:buFontTx/>
+              <a:buChar char="-"/>
+              <a:defRPr/>
+            </a:pPr>
             <a:r>
               <a:rPr xmlns:mc="http://schemas.openxmlformats.org/markup-compatibility/2006" xmlns:hp="http://schemas.haansoft.com/office/presentation/8.0" kumimoji="0" lang="ko-KR" altLang="en-US" sz="1500" b="0" i="0" u="none" strike="noStrike" kern="0" cap="none" spc="0" normalizeH="0" baseline="0" mc:Ignorable="hp" hp:hslEmbossed="0">
                 <a:solidFill>
@@ -5527,33 +5888,9 @@
                 <a:cs typeface="Lato"/>
                 <a:sym typeface="Lato"/>
               </a:rPr>
-              <a:t> </a:t>
+              <a:t>충돌처리 보완</a:t>
             </a:r>
-            <a:r>
-              <a:rPr xmlns:mc="http://schemas.openxmlformats.org/markup-compatibility/2006" xmlns:hp="http://schemas.haansoft.com/office/presentation/8.0" kumimoji="0" lang="en-US" altLang="ko-KR" sz="1500" b="0" i="0" u="none" strike="noStrike" kern="0" cap="none" spc="0" normalizeH="0" baseline="0" mc:Ignorable="hp" hp:hslEmbossed="0">
-                <a:solidFill>
-                  <a:srgbClr val="343a40"/>
-                </a:solidFill>
-                <a:latin typeface="Lato"/>
-                <a:ea typeface="Lato"/>
-                <a:cs typeface="Lato"/>
-                <a:sym typeface="Lato"/>
-              </a:rPr>
-              <a:t>PvE</a:t>
-            </a:r>
-            <a:r>
-              <a:rPr xmlns:mc="http://schemas.openxmlformats.org/markup-compatibility/2006" xmlns:hp="http://schemas.haansoft.com/office/presentation/8.0" kumimoji="0" lang="ko-KR" altLang="en-US" sz="1500" b="0" i="0" u="none" strike="noStrike" kern="0" cap="none" spc="0" normalizeH="0" baseline="0" mc:Ignorable="hp" hp:hslEmbossed="0">
-                <a:solidFill>
-                  <a:srgbClr val="343a40"/>
-                </a:solidFill>
-                <a:latin typeface="Lato"/>
-                <a:ea typeface="Lato"/>
-                <a:cs typeface="Lato"/>
-                <a:sym typeface="Lato"/>
-              </a:rPr>
-              <a:t> 전투 추가</a:t>
-            </a:r>
-            <a:endParaRPr xmlns:mc="http://schemas.openxmlformats.org/markup-compatibility/2006" xmlns:hp="http://schemas.haansoft.com/office/presentation/8.0" kumimoji="0" lang="ko-KR" altLang="en-US" sz="1500" b="0" i="0" u="none" strike="noStrike" kern="0" cap="none" spc="0" normalizeH="0" baseline="0" mc:Ignorable="hp" hp:hslEmbossed="0">
+            <a:endParaRPr xmlns:mc="http://schemas.openxmlformats.org/markup-compatibility/2006" xmlns:hp="http://schemas.haansoft.com/office/presentation/8.0" kumimoji="0" lang="en-US" altLang="ko-KR" sz="1500" b="0" i="0" u="none" strike="noStrike" kern="0" cap="none" spc="0" normalizeH="0" baseline="0" mc:Ignorable="hp" hp:hslEmbossed="0">
               <a:solidFill>
                 <a:srgbClr val="343a40"/>
               </a:solidFill>
@@ -5582,172 +5919,6 @@
               <a:buNone/>
               <a:defRPr/>
             </a:pPr>
-            <a:endParaRPr xmlns:mc="http://schemas.openxmlformats.org/markup-compatibility/2006" xmlns:hp="http://schemas.haansoft.com/office/presentation/8.0" kumimoji="0" lang="ko-KR" altLang="en-US" sz="1500" b="0" i="0" u="none" strike="noStrike" kern="0" cap="none" spc="0" normalizeH="0" baseline="0" mc:Ignorable="hp" hp:hslEmbossed="0">
-              <a:solidFill>
-                <a:srgbClr val="343a40"/>
-              </a:solidFill>
-              <a:latin typeface="Lato"/>
-              <a:ea typeface="Lato"/>
-              <a:cs typeface="Lato"/>
-              <a:sym typeface="Lato"/>
-            </a:endParaRPr>
-          </a:p>
-          <a:p>
-            <a:pPr marL="0" marR="0" lvl="0" indent="0" algn="l" rtl="0" eaLnBrk="1" latinLnBrk="0" hangingPunct="1">
-              <a:lnSpc>
-                <a:spcPct val="100000"/>
-              </a:lnSpc>
-              <a:spcBef>
-                <a:spcPts val="600"/>
-              </a:spcBef>
-              <a:spcAft>
-                <a:spcPts val="0"/>
-              </a:spcAft>
-              <a:buClr>
-                <a:srgbClr val="000000"/>
-              </a:buClr>
-              <a:buFont typeface="Arial"/>
-              <a:buFontTx/>
-              <a:buNone/>
-              <a:defRPr/>
-            </a:pPr>
-            <a:r>
-              <a:rPr xmlns:mc="http://schemas.openxmlformats.org/markup-compatibility/2006" xmlns:hp="http://schemas.haansoft.com/office/presentation/8.0" kumimoji="0" lang="en-US" altLang="ko-KR" sz="1800" b="1" i="0" u="none" strike="noStrike" kern="0" cap="none" spc="0" normalizeH="0" baseline="0" mc:Ignorable="hp" hp:hslEmbossed="0">
-                <a:solidFill>
-                  <a:srgbClr val="343a40"/>
-                </a:solidFill>
-                <a:latin typeface="Lato"/>
-                <a:ea typeface="Lato"/>
-                <a:cs typeface="Lato"/>
-                <a:sym typeface="Lato"/>
-              </a:rPr>
-              <a:t>UI</a:t>
-            </a:r>
-            <a:r>
-              <a:rPr xmlns:mc="http://schemas.openxmlformats.org/markup-compatibility/2006" xmlns:hp="http://schemas.haansoft.com/office/presentation/8.0" kumimoji="0" lang="ko-KR" altLang="en-US" sz="1800" b="1" i="0" u="none" strike="noStrike" kern="0" cap="none" spc="0" normalizeH="0" baseline="0" mc:Ignorable="hp" hp:hslEmbossed="0">
-                <a:solidFill>
-                  <a:srgbClr val="343a40"/>
-                </a:solidFill>
-                <a:latin typeface="Lato"/>
-                <a:ea typeface="Lato"/>
-                <a:cs typeface="Lato"/>
-                <a:sym typeface="Lato"/>
-              </a:rPr>
-              <a:t> 추가</a:t>
-            </a:r>
-            <a:endParaRPr xmlns:mc="http://schemas.openxmlformats.org/markup-compatibility/2006" xmlns:hp="http://schemas.haansoft.com/office/presentation/8.0" kumimoji="0" lang="ko-KR" altLang="en-US" sz="1800" b="1" i="0" u="none" strike="noStrike" kern="0" cap="none" spc="0" normalizeH="0" baseline="0" mc:Ignorable="hp" hp:hslEmbossed="0">
-              <a:solidFill>
-                <a:srgbClr val="343a40"/>
-              </a:solidFill>
-              <a:latin typeface="Lato"/>
-              <a:ea typeface="Lato"/>
-              <a:cs typeface="Lato"/>
-              <a:sym typeface="Lato"/>
-            </a:endParaRPr>
-          </a:p>
-          <a:p>
-            <a:pPr marL="285750" marR="0" lvl="0" indent="-285750" algn="l" rtl="0" eaLnBrk="1" latinLnBrk="0" hangingPunct="1">
-              <a:lnSpc>
-                <a:spcPct val="100000"/>
-              </a:lnSpc>
-              <a:spcBef>
-                <a:spcPts val="600"/>
-              </a:spcBef>
-              <a:spcAft>
-                <a:spcPts val="0"/>
-              </a:spcAft>
-              <a:buClr>
-                <a:srgbClr val="000000"/>
-              </a:buClr>
-              <a:buFont typeface="Arial"/>
-              <a:buFontTx/>
-              <a:buChar char="-"/>
-              <a:defRPr/>
-            </a:pPr>
-            <a:r>
-              <a:rPr xmlns:mc="http://schemas.openxmlformats.org/markup-compatibility/2006" xmlns:hp="http://schemas.haansoft.com/office/presentation/8.0" kumimoji="0" lang="ko-KR" altLang="en-US" sz="1500" b="0" i="0" u="none" strike="noStrike" kern="0" cap="none" spc="0" normalizeH="0" baseline="0" mc:Ignorable="hp" hp:hslEmbossed="0">
-                <a:solidFill>
-                  <a:srgbClr val="343a40"/>
-                </a:solidFill>
-                <a:latin typeface="Lato"/>
-                <a:ea typeface="Lato"/>
-                <a:cs typeface="Lato"/>
-                <a:sym typeface="Lato"/>
-              </a:rPr>
-              <a:t>로비</a:t>
-            </a:r>
-            <a:r>
-              <a:rPr xmlns:mc="http://schemas.openxmlformats.org/markup-compatibility/2006" xmlns:hp="http://schemas.haansoft.com/office/presentation/8.0" kumimoji="0" lang="en-US" altLang="ko-KR" sz="1500" b="0" i="0" u="none" strike="noStrike" kern="0" cap="none" spc="0" normalizeH="0" baseline="0" mc:Ignorable="hp" hp:hslEmbossed="0">
-                <a:solidFill>
-                  <a:srgbClr val="343a40"/>
-                </a:solidFill>
-                <a:latin typeface="Lato"/>
-                <a:ea typeface="Lato"/>
-                <a:cs typeface="Lato"/>
-                <a:sym typeface="Lato"/>
-              </a:rPr>
-              <a:t>,</a:t>
-            </a:r>
-            <a:r>
-              <a:rPr xmlns:mc="http://schemas.openxmlformats.org/markup-compatibility/2006" xmlns:hp="http://schemas.haansoft.com/office/presentation/8.0" kumimoji="0" lang="ko-KR" altLang="en-US" sz="1500" b="0" i="0" u="none" strike="noStrike" kern="0" cap="none" spc="0" normalizeH="0" baseline="0" mc:Ignorable="hp" hp:hslEmbossed="0">
-                <a:solidFill>
-                  <a:srgbClr val="343a40"/>
-                </a:solidFill>
-                <a:latin typeface="Lato"/>
-                <a:ea typeface="Lato"/>
-                <a:cs typeface="Lato"/>
-                <a:sym typeface="Lato"/>
-              </a:rPr>
-              <a:t> 전투</a:t>
-            </a:r>
-            <a:r>
-              <a:rPr xmlns:mc="http://schemas.openxmlformats.org/markup-compatibility/2006" xmlns:hp="http://schemas.haansoft.com/office/presentation/8.0" kumimoji="0" lang="en-US" altLang="ko-KR" sz="1500" b="0" i="0" u="none" strike="noStrike" kern="0" cap="none" spc="0" normalizeH="0" baseline="0" mc:Ignorable="hp" hp:hslEmbossed="0">
-                <a:solidFill>
-                  <a:srgbClr val="343a40"/>
-                </a:solidFill>
-                <a:latin typeface="Lato"/>
-                <a:ea typeface="Lato"/>
-                <a:cs typeface="Lato"/>
-                <a:sym typeface="Lato"/>
-              </a:rPr>
-              <a:t>,</a:t>
-            </a:r>
-            <a:r>
-              <a:rPr xmlns:mc="http://schemas.openxmlformats.org/markup-compatibility/2006" xmlns:hp="http://schemas.haansoft.com/office/presentation/8.0" kumimoji="0" lang="ko-KR" altLang="en-US" sz="1500" b="0" i="0" u="none" strike="noStrike" kern="0" cap="none" spc="0" normalizeH="0" baseline="0" mc:Ignorable="hp" hp:hslEmbossed="0">
-                <a:solidFill>
-                  <a:srgbClr val="343a40"/>
-                </a:solidFill>
-                <a:latin typeface="Lato"/>
-                <a:ea typeface="Lato"/>
-                <a:cs typeface="Lato"/>
-                <a:sym typeface="Lato"/>
-              </a:rPr>
-              <a:t> 메뉴</a:t>
-            </a:r>
-            <a:r>
-              <a:rPr xmlns:mc="http://schemas.openxmlformats.org/markup-compatibility/2006" xmlns:hp="http://schemas.haansoft.com/office/presentation/8.0" kumimoji="0" lang="en-US" altLang="ko-KR" sz="1500" b="0" i="0" u="none" strike="noStrike" kern="0" cap="none" spc="0" normalizeH="0" baseline="0" mc:Ignorable="hp" hp:hslEmbossed="0">
-                <a:solidFill>
-                  <a:srgbClr val="343a40"/>
-                </a:solidFill>
-                <a:latin typeface="Lato"/>
-                <a:ea typeface="Lato"/>
-                <a:cs typeface="Lato"/>
-                <a:sym typeface="Lato"/>
-              </a:rPr>
-              <a:t>UI</a:t>
-            </a:r>
-            <a:r>
-              <a:rPr xmlns:mc="http://schemas.openxmlformats.org/markup-compatibility/2006" xmlns:hp="http://schemas.haansoft.com/office/presentation/8.0" kumimoji="0" lang="ko-KR" altLang="en-US" sz="1500" b="0" i="0" u="none" strike="noStrike" kern="0" cap="none" spc="0" normalizeH="0" baseline="0" mc:Ignorable="hp" hp:hslEmbossed="0">
-                <a:solidFill>
-                  <a:srgbClr val="343a40"/>
-                </a:solidFill>
-                <a:latin typeface="Lato"/>
-                <a:ea typeface="Lato"/>
-                <a:cs typeface="Lato"/>
-                <a:sym typeface="Lato"/>
-              </a:rPr>
-              <a:t> 구현</a:t>
-            </a:r>
             <a:endParaRPr xmlns:mc="http://schemas.openxmlformats.org/markup-compatibility/2006" xmlns:hp="http://schemas.haansoft.com/office/presentation/8.0" kumimoji="0" lang="ko-KR" altLang="en-US" sz="1500" b="0" i="0" u="none" strike="noStrike" kern="0" cap="none" spc="0" normalizeH="0" baseline="0" mc:Ignorable="hp" hp:hslEmbossed="0">
               <a:solidFill>
                 <a:srgbClr val="343a40"/>
@@ -5777,6 +5948,930 @@
 </file>
 
 <file path=ppt/slides/slide11.xml><?xml version="1.0" encoding="utf-8"?>
+<p:sld xmlns:r="http://schemas.openxmlformats.org/officeDocument/2006/relationships" xmlns:c="http://schemas.openxmlformats.org/drawingml/2006/chart" xmlns:a="http://schemas.openxmlformats.org/drawingml/2006/main" xmlns:dgm="http://schemas.openxmlformats.org/drawingml/2006/diagram" xmlns:dsp="http://schemas.microsoft.com/office/drawing/2008/diagram" xmlns:p="http://schemas.openxmlformats.org/presentationml/2006/main">
+  <p:cSld>
+    <p:spTree>
+      <p:nvGrpSpPr>
+        <p:cNvPr id="1" name=""/>
+        <p:cNvGrpSpPr/>
+        <p:nvPr/>
+      </p:nvGrpSpPr>
+      <p:grpSpPr>
+        <a:xfrm>
+          <a:off x="0" y="0"/>
+          <a:ext cx="0" cy="0"/>
+          <a:chOff x="0" y="0"/>
+          <a:chExt cx="0" cy="0"/>
+        </a:xfrm>
+      </p:grpSpPr>
+      <p:sp>
+        <p:nvSpPr>
+          <p:cNvPr id="97" name="Google Shape;97;p13"/>
+          <p:cNvSpPr txBox="1">
+            <a:spLocks noGrp="1"/>
+          </p:cNvSpPr>
+          <p:nvPr>
+            <p:ph type="sldNum" idx="12"/>
+          </p:nvPr>
+        </p:nvSpPr>
+        <p:spPr>
+          <a:xfrm>
+            <a:off x="8480575" y="4696933"/>
+            <a:ext cx="548700" cy="313500"/>
+          </a:xfrm>
+          <a:prstGeom prst="rect">
+            <a:avLst/>
+          </a:prstGeom>
+        </p:spPr>
+        <p:txBody>
+          <a:bodyPr wrap="square" lIns="91424" tIns="91424" rIns="91424" bIns="91424" anchor="t" anchorCtr="0">
+            <a:noAutofit/>
+          </a:bodyPr>
+          <a:lstStyle/>
+          <a:p>
+            <a:pPr marL="0" lvl="0" indent="0" algn="r" rtl="0">
+              <a:spcBef>
+                <a:spcPts val="0"/>
+              </a:spcBef>
+              <a:spcAft>
+                <a:spcPts val="0"/>
+              </a:spcAft>
+              <a:buNone/>
+              <a:defRPr/>
+            </a:pPr>
+            <a:fld id="{00000000-1234-1234-1234-123412341234}" type="slidenum">
+              <a:rPr lang="en-US">
+                <a:solidFill>
+                  <a:schemeClr val="tx1">
+                    <a:lumMod val="50000"/>
+                  </a:schemeClr>
+                </a:solidFill>
+              </a:rPr>
+              <a:pPr marL="0" lvl="0" indent="0" algn="r" rtl="0">
+                <a:spcBef>
+                  <a:spcPts val="0"/>
+                </a:spcBef>
+                <a:spcAft>
+                  <a:spcPts val="0"/>
+                </a:spcAft>
+                <a:buNone/>
+                <a:defRPr/>
+              </a:pPr>
+              <a:t>12</a:t>
+            </a:fld>
+            <a:endParaRPr lang="en-US">
+              <a:solidFill>
+                <a:schemeClr val="tx1">
+                  <a:lumMod val="50000"/>
+                </a:schemeClr>
+              </a:solidFill>
+            </a:endParaRPr>
+          </a:p>
+        </p:txBody>
+      </p:sp>
+      <p:graphicFrame>
+        <p:nvGraphicFramePr>
+          <p:cNvPr id="22" name="Google Shape;223;p27"/>
+          <p:cNvGraphicFramePr/>
+          <p:nvPr/>
+        </p:nvGraphicFramePr>
+        <p:xfrm>
+          <a:off x="7167750" y="1393571"/>
+          <a:ext cx="1354050" cy="1226700"/>
+        </p:xfrm>
+        <a:graphic>
+          <a:graphicData uri="http://schemas.openxmlformats.org/drawingml/2006/table">
+            <a:tbl>
+              <a:tblPr>
+                <a:noFill/>
+              </a:tblPr>
+              <a:tblGrid>
+                <a:gridCol w="677025"/>
+                <a:gridCol w="677025"/>
+              </a:tblGrid>
+              <a:tr h="0">
+                <a:tc>
+                  <a:txBody>
+                    <a:bodyPr vert="horz" lIns="91424" tIns="91424" rIns="91424" bIns="91424" anchor="t" anchorCtr="0"/>
+                    <a:p>
+                      <a:pPr marL="0" lvl="0" indent="0" algn="l" rtl="0">
+                        <a:spcBef>
+                          <a:spcPts val="0"/>
+                        </a:spcBef>
+                        <a:spcAft>
+                          <a:spcPts val="0"/>
+                        </a:spcAft>
+                        <a:buNone/>
+                        <a:defRPr/>
+                      </a:pPr>
+                      <a:r>
+                        <a:rPr lang="ko-KR" altLang="en-US" sz="800" b="1" i="0">
+                          <a:solidFill>
+                            <a:schemeClr val="tx1">
+                              <a:lumMod val="50000"/>
+                            </a:schemeClr>
+                          </a:solidFill>
+                        </a:rPr>
+                        <a:t>우성준</a:t>
+                      </a:r>
+                      <a:endParaRPr sz="800" b="1" i="0">
+                        <a:solidFill>
+                          <a:schemeClr val="tx1">
+                            <a:lumMod val="50000"/>
+                          </a:schemeClr>
+                        </a:solidFill>
+                      </a:endParaRPr>
+                    </a:p>
+                  </a:txBody>
+                  <a:tcPr marL="91425" marR="91425" marT="91425" marB="91425"/>
+                </a:tc>
+                <a:tc>
+                  <a:txBody>
+                    <a:bodyPr vert="horz" lIns="91424" tIns="91424" rIns="91424" bIns="91424" anchor="t" anchorCtr="0"/>
+                    <a:p>
+                      <a:pPr marL="0" lvl="0" indent="0" algn="l" rtl="0">
+                        <a:spcBef>
+                          <a:spcPts val="0"/>
+                        </a:spcBef>
+                        <a:spcAft>
+                          <a:spcPts val="0"/>
+                        </a:spcAft>
+                        <a:buNone/>
+                        <a:defRPr/>
+                      </a:pPr>
+                      <a:endParaRPr sz="800">
+                        <a:solidFill>
+                          <a:schemeClr val="tx1">
+                            <a:lumMod val="50000"/>
+                          </a:schemeClr>
+                        </a:solidFill>
+                      </a:endParaRPr>
+                    </a:p>
+                  </a:txBody>
+                  <a:tcPr marL="91425" marR="91425" marT="91425" marB="91425"/>
+                </a:tc>
+              </a:tr>
+              <a:tr h="0">
+                <a:tc>
+                  <a:txBody>
+                    <a:bodyPr vert="horz" lIns="91424" tIns="91424" rIns="91424" bIns="91424" anchor="t" anchorCtr="0"/>
+                    <a:p>
+                      <a:pPr marL="0" lvl="0" indent="0" algn="l" rtl="0">
+                        <a:spcBef>
+                          <a:spcPts val="0"/>
+                        </a:spcBef>
+                        <a:spcAft>
+                          <a:spcPts val="0"/>
+                        </a:spcAft>
+                        <a:buNone/>
+                        <a:defRPr/>
+                      </a:pPr>
+                      <a:r>
+                        <a:rPr lang="ko-KR" altLang="en-US" sz="800" b="1" i="0">
+                          <a:solidFill>
+                            <a:schemeClr val="tx1">
+                              <a:lumMod val="50000"/>
+                            </a:schemeClr>
+                          </a:solidFill>
+                        </a:rPr>
+                        <a:t>박찬휘</a:t>
+                      </a:r>
+                      <a:endParaRPr sz="800" b="1" i="0">
+                        <a:solidFill>
+                          <a:schemeClr val="tx1">
+                            <a:lumMod val="50000"/>
+                          </a:schemeClr>
+                        </a:solidFill>
+                      </a:endParaRPr>
+                    </a:p>
+                  </a:txBody>
+                  <a:tcPr marL="91425" marR="91425" marT="91425" marB="91425"/>
+                </a:tc>
+                <a:tc>
+                  <a:txBody>
+                    <a:bodyPr vert="horz" lIns="91424" tIns="91424" rIns="91424" bIns="91424" anchor="t" anchorCtr="0"/>
+                    <a:p>
+                      <a:pPr marL="0" lvl="0" indent="0" algn="l" rtl="0">
+                        <a:spcBef>
+                          <a:spcPts val="0"/>
+                        </a:spcBef>
+                        <a:spcAft>
+                          <a:spcPts val="0"/>
+                        </a:spcAft>
+                        <a:buNone/>
+                        <a:defRPr/>
+                      </a:pPr>
+                      <a:endParaRPr sz="800">
+                        <a:solidFill>
+                          <a:schemeClr val="tx1">
+                            <a:lumMod val="50000"/>
+                          </a:schemeClr>
+                        </a:solidFill>
+                      </a:endParaRPr>
+                    </a:p>
+                  </a:txBody>
+                  <a:tcPr marL="91425" marR="91425" marT="91425" marB="91425"/>
+                </a:tc>
+              </a:tr>
+              <a:tr h="0">
+                <a:tc>
+                  <a:txBody>
+                    <a:bodyPr vert="horz" lIns="91424" tIns="91424" rIns="91424" bIns="91424" anchor="t" anchorCtr="0"/>
+                    <a:p>
+                      <a:pPr marL="0" lvl="0" indent="0" algn="l" rtl="0">
+                        <a:spcBef>
+                          <a:spcPts val="0"/>
+                        </a:spcBef>
+                        <a:spcAft>
+                          <a:spcPts val="0"/>
+                        </a:spcAft>
+                        <a:buNone/>
+                        <a:defRPr/>
+                      </a:pPr>
+                      <a:r>
+                        <a:rPr lang="ko-KR" altLang="en-US" sz="800" b="1" i="0">
+                          <a:solidFill>
+                            <a:schemeClr val="tx1">
+                              <a:lumMod val="50000"/>
+                            </a:schemeClr>
+                          </a:solidFill>
+                        </a:rPr>
+                        <a:t>함범호</a:t>
+                      </a:r>
+                      <a:endParaRPr sz="800" b="1" i="0">
+                        <a:solidFill>
+                          <a:schemeClr val="tx1">
+                            <a:lumMod val="50000"/>
+                          </a:schemeClr>
+                        </a:solidFill>
+                      </a:endParaRPr>
+                    </a:p>
+                  </a:txBody>
+                  <a:tcPr marL="91425" marR="91425" marT="91425" marB="91425"/>
+                </a:tc>
+                <a:tc>
+                  <a:txBody>
+                    <a:bodyPr vert="horz" lIns="91424" tIns="91424" rIns="91424" bIns="91424" anchor="t" anchorCtr="0"/>
+                    <a:p>
+                      <a:pPr marL="0" lvl="0" indent="0" algn="l" rtl="0">
+                        <a:spcBef>
+                          <a:spcPts val="0"/>
+                        </a:spcBef>
+                        <a:spcAft>
+                          <a:spcPts val="0"/>
+                        </a:spcAft>
+                        <a:buNone/>
+                        <a:defRPr/>
+                      </a:pPr>
+                      <a:endParaRPr sz="800">
+                        <a:solidFill>
+                          <a:schemeClr val="tx1">
+                            <a:lumMod val="50000"/>
+                          </a:schemeClr>
+                        </a:solidFill>
+                      </a:endParaRPr>
+                    </a:p>
+                  </a:txBody>
+                  <a:tcPr marL="91425" marR="91425" marT="91425" marB="91425"/>
+                </a:tc>
+              </a:tr>
+              <a:tr h="0">
+                <a:tc>
+                  <a:txBody>
+                    <a:bodyPr vert="horz" lIns="91424" tIns="91424" rIns="91424" bIns="91424" anchor="t" anchorCtr="0"/>
+                    <a:p>
+                      <a:pPr marL="0" lvl="0" indent="0" algn="l" rtl="0">
+                        <a:spcBef>
+                          <a:spcPts val="0"/>
+                        </a:spcBef>
+                        <a:spcAft>
+                          <a:spcPts val="0"/>
+                        </a:spcAft>
+                        <a:buNone/>
+                        <a:defRPr/>
+                      </a:pPr>
+                      <a:r>
+                        <a:rPr lang="ko-KR" altLang="en-US" sz="800" b="1" i="0">
+                          <a:solidFill>
+                            <a:schemeClr val="tx1">
+                              <a:lumMod val="50000"/>
+                            </a:schemeClr>
+                          </a:solidFill>
+                        </a:rPr>
+                        <a:t>전    원</a:t>
+                      </a:r>
+                      <a:endParaRPr sz="800" b="1" i="0">
+                        <a:solidFill>
+                          <a:schemeClr val="tx1">
+                            <a:lumMod val="50000"/>
+                          </a:schemeClr>
+                        </a:solidFill>
+                      </a:endParaRPr>
+                    </a:p>
+                  </a:txBody>
+                  <a:tcPr marL="91425" marR="91425" marT="91425" marB="91425"/>
+                </a:tc>
+                <a:tc>
+                  <a:txBody>
+                    <a:bodyPr vert="horz" lIns="91424" tIns="91424" rIns="91424" bIns="91424" anchor="t" anchorCtr="0"/>
+                    <a:p>
+                      <a:pPr marL="0" lvl="0" indent="0" algn="l" rtl="0">
+                        <a:spcBef>
+                          <a:spcPts val="0"/>
+                        </a:spcBef>
+                        <a:spcAft>
+                          <a:spcPts val="0"/>
+                        </a:spcAft>
+                        <a:buNone/>
+                        <a:defRPr/>
+                      </a:pPr>
+                      <a:endParaRPr sz="800">
+                        <a:solidFill>
+                          <a:schemeClr val="tx1">
+                            <a:lumMod val="50000"/>
+                          </a:schemeClr>
+                        </a:solidFill>
+                      </a:endParaRPr>
+                    </a:p>
+                  </a:txBody>
+                  <a:tcPr marL="91425" marR="91425" marT="91425" marB="91425"/>
+                </a:tc>
+              </a:tr>
+            </a:tbl>
+          </a:graphicData>
+        </a:graphic>
+      </p:graphicFrame>
+      <p:sp>
+        <p:nvSpPr>
+          <p:cNvPr id="41" name="Google Shape;224;p27"/>
+          <p:cNvSpPr/>
+          <p:nvPr/>
+        </p:nvSpPr>
+        <p:spPr>
+          <a:xfrm>
+            <a:off x="7972030" y="1797134"/>
+            <a:ext cx="388200" cy="118500"/>
+          </a:xfrm>
+          <a:prstGeom prst="rect">
+            <a:avLst/>
+          </a:prstGeom>
+          <a:solidFill>
+            <a:srgbClr val="92d050"/>
+          </a:solidFill>
+          <a:ln w="9525" cap="flat" cmpd="sng">
+            <a:solidFill>
+              <a:schemeClr val="tx2">
+                <a:lumMod val="10000"/>
+              </a:schemeClr>
+            </a:solidFill>
+            <a:prstDash val="solid"/>
+            <a:round/>
+          </a:ln>
+        </p:spPr>
+        <p:txBody>
+          <a:bodyPr wrap="square" lIns="91424" tIns="91424" rIns="91424" bIns="91424" anchor="ctr" anchorCtr="0">
+            <a:noAutofit/>
+          </a:bodyPr>
+          <a:lstStyle/>
+          <a:p>
+            <a:pPr marL="0" lvl="0" indent="0" algn="l" rtl="0">
+              <a:spcBef>
+                <a:spcPts val="0"/>
+              </a:spcBef>
+              <a:spcAft>
+                <a:spcPts val="0"/>
+              </a:spcAft>
+              <a:buNone/>
+              <a:defRPr/>
+            </a:pPr>
+            <a:endParaRPr/>
+          </a:p>
+        </p:txBody>
+      </p:sp>
+      <p:sp>
+        <p:nvSpPr>
+          <p:cNvPr id="42" name="Google Shape;225;p27"/>
+          <p:cNvSpPr/>
+          <p:nvPr/>
+        </p:nvSpPr>
+        <p:spPr>
+          <a:xfrm>
+            <a:off x="7972030" y="1497072"/>
+            <a:ext cx="388200" cy="118500"/>
+          </a:xfrm>
+          <a:prstGeom prst="rect">
+            <a:avLst/>
+          </a:prstGeom>
+          <a:solidFill>
+            <a:srgbClr val="ff0000"/>
+          </a:solidFill>
+          <a:ln w="9525" cap="flat" cmpd="sng">
+            <a:solidFill>
+              <a:schemeClr val="tx2">
+                <a:lumMod val="10000"/>
+              </a:schemeClr>
+            </a:solidFill>
+            <a:prstDash val="solid"/>
+            <a:round/>
+          </a:ln>
+        </p:spPr>
+        <p:txBody>
+          <a:bodyPr wrap="square" lIns="91424" tIns="91424" rIns="91424" bIns="91424" anchor="ctr" anchorCtr="0">
+            <a:noAutofit/>
+          </a:bodyPr>
+          <a:lstStyle/>
+          <a:p>
+            <a:pPr marL="0" lvl="0" indent="0" algn="l" rtl="0">
+              <a:spcBef>
+                <a:spcPts val="0"/>
+              </a:spcBef>
+              <a:spcAft>
+                <a:spcPts val="0"/>
+              </a:spcAft>
+              <a:buNone/>
+              <a:defRPr/>
+            </a:pPr>
+            <a:endParaRPr/>
+          </a:p>
+        </p:txBody>
+      </p:sp>
+      <p:sp>
+        <p:nvSpPr>
+          <p:cNvPr id="43" name="Google Shape;226;p27"/>
+          <p:cNvSpPr/>
+          <p:nvPr/>
+        </p:nvSpPr>
+        <p:spPr>
+          <a:xfrm>
+            <a:off x="7972030" y="2097184"/>
+            <a:ext cx="388200" cy="118500"/>
+          </a:xfrm>
+          <a:prstGeom prst="rect">
+            <a:avLst/>
+          </a:prstGeom>
+          <a:solidFill>
+            <a:srgbClr val="0070c0"/>
+          </a:solidFill>
+          <a:ln w="9525" cap="flat" cmpd="sng">
+            <a:solidFill>
+              <a:schemeClr val="tx2">
+                <a:lumMod val="10000"/>
+              </a:schemeClr>
+            </a:solidFill>
+            <a:prstDash val="solid"/>
+            <a:round/>
+          </a:ln>
+        </p:spPr>
+        <p:txBody>
+          <a:bodyPr wrap="square" lIns="91424" tIns="91424" rIns="91424" bIns="91424" anchor="ctr" anchorCtr="0">
+            <a:noAutofit/>
+          </a:bodyPr>
+          <a:lstStyle/>
+          <a:p>
+            <a:pPr marL="0" lvl="0" indent="0" algn="l" rtl="0">
+              <a:spcBef>
+                <a:spcPts val="0"/>
+              </a:spcBef>
+              <a:spcAft>
+                <a:spcPts val="0"/>
+              </a:spcAft>
+              <a:buNone/>
+              <a:defRPr/>
+            </a:pPr>
+            <a:endParaRPr/>
+          </a:p>
+        </p:txBody>
+      </p:sp>
+      <p:sp>
+        <p:nvSpPr>
+          <p:cNvPr id="44" name="Google Shape;227;p27"/>
+          <p:cNvSpPr/>
+          <p:nvPr/>
+        </p:nvSpPr>
+        <p:spPr>
+          <a:xfrm>
+            <a:off x="7972030" y="2397234"/>
+            <a:ext cx="388200" cy="118500"/>
+          </a:xfrm>
+          <a:prstGeom prst="rect">
+            <a:avLst/>
+          </a:prstGeom>
+          <a:solidFill>
+            <a:srgbClr val="ffc000"/>
+          </a:solidFill>
+          <a:ln w="9525" cap="flat" cmpd="sng">
+            <a:solidFill>
+              <a:schemeClr val="tx2">
+                <a:lumMod val="10000"/>
+              </a:schemeClr>
+            </a:solidFill>
+            <a:prstDash val="solid"/>
+            <a:round/>
+          </a:ln>
+        </p:spPr>
+        <p:txBody>
+          <a:bodyPr wrap="square" lIns="91424" tIns="91424" rIns="91424" bIns="91424" anchor="ctr" anchorCtr="0">
+            <a:noAutofit/>
+          </a:bodyPr>
+          <a:lstStyle/>
+          <a:p>
+            <a:pPr marL="0" lvl="0" indent="0" algn="l" rtl="0">
+              <a:spcBef>
+                <a:spcPts val="0"/>
+              </a:spcBef>
+              <a:spcAft>
+                <a:spcPts val="0"/>
+              </a:spcAft>
+              <a:buNone/>
+              <a:defRPr/>
+            </a:pPr>
+            <a:endParaRPr/>
+          </a:p>
+        </p:txBody>
+      </p:sp>
+      <p:sp>
+        <p:nvSpPr>
+          <p:cNvPr id="23" name="Google Shape;93;p13"/>
+          <p:cNvSpPr txBox="1"/>
+          <p:nvPr/>
+        </p:nvSpPr>
+        <p:spPr>
+          <a:xfrm>
+            <a:off x="893700" y="434588"/>
+            <a:ext cx="7628100" cy="857400"/>
+          </a:xfrm>
+          <a:prstGeom prst="rect">
+            <a:avLst/>
+          </a:prstGeom>
+          <a:solidFill>
+            <a:schemeClr val="bg1">
+              <a:lumMod val="95000"/>
+            </a:schemeClr>
+          </a:solidFill>
+          <a:ln w="25400" cap="flat" cmpd="sng" algn="ctr">
+            <a:solidFill>
+              <a:schemeClr val="tx2">
+                <a:lumMod val="10000"/>
+              </a:schemeClr>
+            </a:solidFill>
+            <a:prstDash val="solid"/>
+          </a:ln>
+        </p:spPr>
+        <p:style>
+          <a:lnRef idx="2">
+            <a:schemeClr val="dk1"/>
+          </a:lnRef>
+          <a:fillRef idx="1">
+            <a:schemeClr val="lt1"/>
+          </a:fillRef>
+          <a:effectRef idx="0">
+            <a:schemeClr val="dk1"/>
+          </a:effectRef>
+          <a:fontRef idx="minor">
+            <a:schemeClr val="dk1"/>
+          </a:fontRef>
+        </p:style>
+        <p:txBody>
+          <a:bodyPr wrap="square" lIns="91424" tIns="91424" rIns="91424" bIns="91424" anchor="ctr" anchorCtr="0">
+            <a:noAutofit/>
+          </a:bodyPr>
+          <a:lstStyle>
+            <a:defPPr marR="0" lvl="0" algn="l" rtl="0">
+              <a:lnSpc>
+                <a:spcPct val="100000"/>
+              </a:lnSpc>
+              <a:spcBef>
+                <a:spcPts val="0"/>
+              </a:spcBef>
+              <a:spcAft>
+                <a:spcPts val="0"/>
+              </a:spcAft>
+            </a:defPPr>
+            <a:lvl1pPr marR="0" lvl="0" algn="l" rtl="0">
+              <a:lnSpc>
+                <a:spcPct val="100000"/>
+              </a:lnSpc>
+              <a:spcBef>
+                <a:spcPts val="0"/>
+              </a:spcBef>
+              <a:spcAft>
+                <a:spcPts val="0"/>
+              </a:spcAft>
+              <a:buClr>
+                <a:schemeClr val="accent6"/>
+              </a:buClr>
+              <a:buSzPts val="3200"/>
+              <a:buFont typeface="Raleway"/>
+              <a:buNone/>
+              <a:defRPr sz="3200" b="0" i="0" u="none" strike="noStrike" cap="none">
+                <a:solidFill>
+                  <a:schemeClr val="accent6"/>
+                </a:solidFill>
+                <a:latin typeface="Raleway"/>
+                <a:ea typeface="Raleway"/>
+                <a:cs typeface="Raleway"/>
+                <a:sym typeface="Raleway"/>
+              </a:defRPr>
+            </a:lvl1pPr>
+            <a:lvl2pPr marR="0" lvl="1" algn="l" rtl="0">
+              <a:lnSpc>
+                <a:spcPct val="100000"/>
+              </a:lnSpc>
+              <a:spcBef>
+                <a:spcPts val="0"/>
+              </a:spcBef>
+              <a:spcAft>
+                <a:spcPts val="0"/>
+              </a:spcAft>
+              <a:buClr>
+                <a:schemeClr val="accent6"/>
+              </a:buClr>
+              <a:buSzPts val="3200"/>
+              <a:buFont typeface="Raleway"/>
+              <a:buNone/>
+              <a:defRPr sz="3200" b="0" i="0" u="none" strike="noStrike" cap="none">
+                <a:solidFill>
+                  <a:schemeClr val="accent6"/>
+                </a:solidFill>
+                <a:latin typeface="Raleway"/>
+                <a:ea typeface="Raleway"/>
+                <a:cs typeface="Raleway"/>
+                <a:sym typeface="Raleway"/>
+              </a:defRPr>
+            </a:lvl2pPr>
+            <a:lvl3pPr marR="0" lvl="2" algn="l" rtl="0">
+              <a:lnSpc>
+                <a:spcPct val="100000"/>
+              </a:lnSpc>
+              <a:spcBef>
+                <a:spcPts val="0"/>
+              </a:spcBef>
+              <a:spcAft>
+                <a:spcPts val="0"/>
+              </a:spcAft>
+              <a:buClr>
+                <a:schemeClr val="accent6"/>
+              </a:buClr>
+              <a:buSzPts val="3200"/>
+              <a:buFont typeface="Raleway"/>
+              <a:buNone/>
+              <a:defRPr sz="3200" b="0" i="0" u="none" strike="noStrike" cap="none">
+                <a:solidFill>
+                  <a:schemeClr val="accent6"/>
+                </a:solidFill>
+                <a:latin typeface="Raleway"/>
+                <a:ea typeface="Raleway"/>
+                <a:cs typeface="Raleway"/>
+                <a:sym typeface="Raleway"/>
+              </a:defRPr>
+            </a:lvl3pPr>
+            <a:lvl4pPr marR="0" lvl="3" algn="l" rtl="0">
+              <a:lnSpc>
+                <a:spcPct val="100000"/>
+              </a:lnSpc>
+              <a:spcBef>
+                <a:spcPts val="0"/>
+              </a:spcBef>
+              <a:spcAft>
+                <a:spcPts val="0"/>
+              </a:spcAft>
+              <a:buClr>
+                <a:schemeClr val="accent6"/>
+              </a:buClr>
+              <a:buSzPts val="3200"/>
+              <a:buFont typeface="Raleway"/>
+              <a:buNone/>
+              <a:defRPr sz="3200" b="0" i="0" u="none" strike="noStrike" cap="none">
+                <a:solidFill>
+                  <a:schemeClr val="accent6"/>
+                </a:solidFill>
+                <a:latin typeface="Raleway"/>
+                <a:ea typeface="Raleway"/>
+                <a:cs typeface="Raleway"/>
+                <a:sym typeface="Raleway"/>
+              </a:defRPr>
+            </a:lvl4pPr>
+            <a:lvl5pPr marR="0" lvl="4" algn="l" rtl="0">
+              <a:lnSpc>
+                <a:spcPct val="100000"/>
+              </a:lnSpc>
+              <a:spcBef>
+                <a:spcPts val="0"/>
+              </a:spcBef>
+              <a:spcAft>
+                <a:spcPts val="0"/>
+              </a:spcAft>
+              <a:buClr>
+                <a:schemeClr val="accent6"/>
+              </a:buClr>
+              <a:buSzPts val="3200"/>
+              <a:buFont typeface="Raleway"/>
+              <a:buNone/>
+              <a:defRPr sz="3200" b="0" i="0" u="none" strike="noStrike" cap="none">
+                <a:solidFill>
+                  <a:schemeClr val="accent6"/>
+                </a:solidFill>
+                <a:latin typeface="Raleway"/>
+                <a:ea typeface="Raleway"/>
+                <a:cs typeface="Raleway"/>
+                <a:sym typeface="Raleway"/>
+              </a:defRPr>
+            </a:lvl5pPr>
+            <a:lvl6pPr marR="0" lvl="5" algn="l" rtl="0">
+              <a:lnSpc>
+                <a:spcPct val="100000"/>
+              </a:lnSpc>
+              <a:spcBef>
+                <a:spcPts val="0"/>
+              </a:spcBef>
+              <a:spcAft>
+                <a:spcPts val="0"/>
+              </a:spcAft>
+              <a:buClr>
+                <a:schemeClr val="accent6"/>
+              </a:buClr>
+              <a:buSzPts val="3200"/>
+              <a:buFont typeface="Raleway"/>
+              <a:buNone/>
+              <a:defRPr sz="3200" b="0" i="0" u="none" strike="noStrike" cap="none">
+                <a:solidFill>
+                  <a:schemeClr val="accent6"/>
+                </a:solidFill>
+                <a:latin typeface="Raleway"/>
+                <a:ea typeface="Raleway"/>
+                <a:cs typeface="Raleway"/>
+                <a:sym typeface="Raleway"/>
+              </a:defRPr>
+            </a:lvl6pPr>
+            <a:lvl7pPr marR="0" lvl="6" algn="l" rtl="0">
+              <a:lnSpc>
+                <a:spcPct val="100000"/>
+              </a:lnSpc>
+              <a:spcBef>
+                <a:spcPts val="0"/>
+              </a:spcBef>
+              <a:spcAft>
+                <a:spcPts val="0"/>
+              </a:spcAft>
+              <a:buClr>
+                <a:schemeClr val="accent6"/>
+              </a:buClr>
+              <a:buSzPts val="3200"/>
+              <a:buFont typeface="Raleway"/>
+              <a:buNone/>
+              <a:defRPr sz="3200" b="0" i="0" u="none" strike="noStrike" cap="none">
+                <a:solidFill>
+                  <a:schemeClr val="accent6"/>
+                </a:solidFill>
+                <a:latin typeface="Raleway"/>
+                <a:ea typeface="Raleway"/>
+                <a:cs typeface="Raleway"/>
+                <a:sym typeface="Raleway"/>
+              </a:defRPr>
+            </a:lvl7pPr>
+            <a:lvl8pPr marR="0" lvl="7" algn="l" rtl="0">
+              <a:lnSpc>
+                <a:spcPct val="100000"/>
+              </a:lnSpc>
+              <a:spcBef>
+                <a:spcPts val="0"/>
+              </a:spcBef>
+              <a:spcAft>
+                <a:spcPts val="0"/>
+              </a:spcAft>
+              <a:buClr>
+                <a:schemeClr val="accent6"/>
+              </a:buClr>
+              <a:buSzPts val="3200"/>
+              <a:buFont typeface="Raleway"/>
+              <a:buNone/>
+              <a:defRPr sz="3200" b="0" i="0" u="none" strike="noStrike" cap="none">
+                <a:solidFill>
+                  <a:schemeClr val="accent6"/>
+                </a:solidFill>
+                <a:latin typeface="Raleway"/>
+                <a:ea typeface="Raleway"/>
+                <a:cs typeface="Raleway"/>
+                <a:sym typeface="Raleway"/>
+              </a:defRPr>
+            </a:lvl8pPr>
+            <a:lvl9pPr marR="0" lvl="8" algn="l" rtl="0">
+              <a:lnSpc>
+                <a:spcPct val="100000"/>
+              </a:lnSpc>
+              <a:spcBef>
+                <a:spcPts val="0"/>
+              </a:spcBef>
+              <a:spcAft>
+                <a:spcPts val="0"/>
+              </a:spcAft>
+              <a:buClr>
+                <a:schemeClr val="accent6"/>
+              </a:buClr>
+              <a:buSzPts val="3200"/>
+              <a:buFont typeface="Raleway"/>
+              <a:buNone/>
+              <a:defRPr sz="3200" b="0" i="0" u="none" strike="noStrike" cap="none">
+                <a:solidFill>
+                  <a:schemeClr val="accent6"/>
+                </a:solidFill>
+                <a:latin typeface="Raleway"/>
+                <a:ea typeface="Raleway"/>
+                <a:cs typeface="Raleway"/>
+                <a:sym typeface="Raleway"/>
+              </a:defRPr>
+            </a:lvl9pPr>
+          </a:lstStyle>
+          <a:p>
+            <a:pPr marL="0" lvl="0" indent="0" algn="l" rtl="0">
+              <a:spcBef>
+                <a:spcPts val="0"/>
+              </a:spcBef>
+              <a:spcAft>
+                <a:spcPts val="0"/>
+              </a:spcAft>
+              <a:buNone/>
+              <a:defRPr/>
+            </a:pPr>
+            <a:r>
+              <a:rPr lang="en-US" altLang="ko-KR">
+                <a:solidFill>
+                  <a:schemeClr val="tx1">
+                    <a:lumMod val="50000"/>
+                  </a:schemeClr>
+                </a:solidFill>
+                <a:latin typeface="+mj-ea"/>
+                <a:ea typeface="+mj-ea"/>
+              </a:rPr>
+              <a:t>7. </a:t>
+            </a:r>
+            <a:r>
+              <a:rPr lang="ko-KR" altLang="en-US">
+                <a:solidFill>
+                  <a:schemeClr val="tx1">
+                    <a:lumMod val="50000"/>
+                  </a:schemeClr>
+                </a:solidFill>
+                <a:latin typeface="+mj-ea"/>
+                <a:ea typeface="+mj-ea"/>
+              </a:rPr>
+              <a:t>향후 개발 일정</a:t>
+            </a:r>
+            <a:endParaRPr lang="ko-KR" altLang="en-US">
+              <a:solidFill>
+                <a:schemeClr val="tx1">
+                  <a:lumMod val="50000"/>
+                </a:schemeClr>
+              </a:solidFill>
+              <a:latin typeface="+mj-ea"/>
+              <a:ea typeface="+mj-ea"/>
+            </a:endParaRPr>
+          </a:p>
+        </p:txBody>
+      </p:sp>
+      <p:pic>
+        <p:nvPicPr>
+          <p:cNvPr id="1031" name="Picture 7" descr="C:\Users\박찬휘\Desktop\unknown.png"/>
+          <p:cNvPicPr>
+            <a:picLocks noChangeAspect="1" noChangeArrowheads="1"/>
+          </p:cNvPicPr>
+          <p:nvPr/>
+        </p:nvPicPr>
+        <p:blipFill rotWithShape="1">
+          <a:blip r:embed="rId3"/>
+          <a:srcRect/>
+          <a:stretch>
+            <a:fillRect/>
+          </a:stretch>
+        </p:blipFill>
+        <p:spPr>
+          <a:xfrm>
+            <a:off x="1551584" y="1347614"/>
+            <a:ext cx="4535065" cy="3592336"/>
+          </a:xfrm>
+          <a:prstGeom prst="rect">
+            <a:avLst/>
+          </a:prstGeom>
+          <a:noFill/>
+        </p:spPr>
+      </p:pic>
+    </p:spTree>
+  </p:cSld>
+  <p:clrMapOvr>
+    <a:masterClrMapping/>
+  </p:clrMapOvr>
+  <mc:AlternateContent xmlns:mc="http://schemas.openxmlformats.org/markup-compatibility/2006">
+    <mc:Choice xmlns:p14="http://schemas.microsoft.com/office/powerpoint/2010/main" Requires="p14">
+      <p:transition xmlns:mc="http://schemas.openxmlformats.org/markup-compatibility/2006" xmlns:p14="http://schemas.microsoft.com/office/powerpoint/2010/main" mc:Ignorable="p14" p14:dur="500"/>
+    </mc:Choice>
+    <mc:Fallback>
+      <p:transition/>
+    </mc:Fallback>
+  </mc:AlternateContent>
+</p:sld>
+</file>
+
+<file path=ppt/slides/slide12.xml><?xml version="1.0" encoding="utf-8"?>
 <p:sld xmlns:r="http://schemas.openxmlformats.org/officeDocument/2006/relationships" xmlns:c="http://schemas.openxmlformats.org/drawingml/2006/chart" xmlns:a="http://schemas.openxmlformats.org/drawingml/2006/main" xmlns:dgm="http://schemas.openxmlformats.org/drawingml/2006/diagram" xmlns:dsp="http://schemas.microsoft.com/office/drawing/2008/diagram" xmlns:p="http://schemas.openxmlformats.org/presentationml/2006/main">
   <p:cSld>
     <p:spTree>
@@ -6371,6 +7466,302 @@
 </p:sld>
 </file>
 
+<file path=ppt/slides/slide13.xml><?xml version="1.0" encoding="utf-8"?>
+<p:sld xmlns:r="http://schemas.openxmlformats.org/officeDocument/2006/relationships" xmlns:c="http://schemas.openxmlformats.org/drawingml/2006/chart" xmlns:a="http://schemas.openxmlformats.org/drawingml/2006/main" xmlns:dgm="http://schemas.openxmlformats.org/drawingml/2006/diagram" xmlns:dsp="http://schemas.microsoft.com/office/drawing/2008/diagram" xmlns:p="http://schemas.openxmlformats.org/presentationml/2006/main">
+  <p:cSld>
+    <p:spTree>
+      <p:nvGrpSpPr>
+        <p:cNvPr id="1" name=""/>
+        <p:cNvGrpSpPr/>
+        <p:nvPr/>
+      </p:nvGrpSpPr>
+      <p:grpSpPr>
+        <a:xfrm>
+          <a:off x="0" y="0"/>
+          <a:ext cx="0" cy="0"/>
+          <a:chOff x="0" y="0"/>
+          <a:chExt cx="0" cy="0"/>
+        </a:xfrm>
+      </p:grpSpPr>
+      <p:sp>
+        <p:nvSpPr>
+          <p:cNvPr id="93" name="Google Shape;93;p13"/>
+          <p:cNvSpPr txBox="1">
+            <a:spLocks noGrp="1"/>
+          </p:cNvSpPr>
+          <p:nvPr>
+            <p:ph type="title" idx="0"/>
+          </p:nvPr>
+        </p:nvSpPr>
+        <p:spPr>
+          <a:xfrm>
+            <a:off x="893700" y="434588"/>
+            <a:ext cx="7628100" cy="857400"/>
+          </a:xfrm>
+          <a:prstGeom prst="rect">
+            <a:avLst/>
+          </a:prstGeom>
+          <a:solidFill>
+            <a:schemeClr val="bg1">
+              <a:lumMod val="95000"/>
+            </a:schemeClr>
+          </a:solidFill>
+          <a:ln>
+            <a:solidFill>
+              <a:schemeClr val="tx2">
+                <a:lumMod val="10000"/>
+              </a:schemeClr>
+            </a:solidFill>
+          </a:ln>
+        </p:spPr>
+        <p:style>
+          <a:lnRef idx="2">
+            <a:schemeClr val="dk1"/>
+          </a:lnRef>
+          <a:fillRef idx="1">
+            <a:schemeClr val="lt1"/>
+          </a:fillRef>
+          <a:effectRef idx="0">
+            <a:schemeClr val="dk1"/>
+          </a:effectRef>
+          <a:fontRef idx="minor">
+            <a:schemeClr val="dk1"/>
+          </a:fontRef>
+        </p:style>
+        <p:txBody>
+          <a:bodyPr wrap="square" lIns="91424" tIns="91424" rIns="91424" bIns="91424" anchor="ctr" anchorCtr="0">
+            <a:noAutofit/>
+          </a:bodyPr>
+          <a:lstStyle/>
+          <a:p>
+            <a:pPr marL="0" lvl="0" indent="0" algn="l" rtl="0">
+              <a:spcBef>
+                <a:spcPts val="0"/>
+              </a:spcBef>
+              <a:spcAft>
+                <a:spcPts val="0"/>
+              </a:spcAft>
+              <a:buNone/>
+              <a:defRPr/>
+            </a:pPr>
+            <a:r>
+              <a:rPr lang="en-US" altLang="ko-KR">
+                <a:solidFill>
+                  <a:schemeClr val="tx1">
+                    <a:lumMod val="50000"/>
+                  </a:schemeClr>
+                </a:solidFill>
+                <a:latin typeface="+mj-ea"/>
+                <a:ea typeface="+mj-ea"/>
+              </a:rPr>
+              <a:t>9. </a:t>
+            </a:r>
+            <a:r>
+              <a:rPr lang="ko-KR" altLang="en-US">
+                <a:solidFill>
+                  <a:schemeClr val="tx1">
+                    <a:lumMod val="50000"/>
+                  </a:schemeClr>
+                </a:solidFill>
+                <a:latin typeface="+mj-ea"/>
+                <a:ea typeface="+mj-ea"/>
+              </a:rPr>
+              <a:t>데모 시연</a:t>
+            </a:r>
+            <a:endParaRPr lang="ko-KR" altLang="en-US">
+              <a:solidFill>
+                <a:schemeClr val="tx1">
+                  <a:lumMod val="50000"/>
+                </a:schemeClr>
+              </a:solidFill>
+              <a:latin typeface="+mj-ea"/>
+              <a:ea typeface="+mj-ea"/>
+            </a:endParaRPr>
+          </a:p>
+        </p:txBody>
+      </p:sp>
+      <p:sp>
+        <p:nvSpPr>
+          <p:cNvPr id="97" name="Google Shape;97;p13"/>
+          <p:cNvSpPr txBox="1">
+            <a:spLocks noGrp="1"/>
+          </p:cNvSpPr>
+          <p:nvPr>
+            <p:ph type="sldNum" idx="12"/>
+          </p:nvPr>
+        </p:nvSpPr>
+        <p:spPr>
+          <a:xfrm>
+            <a:off x="8480575" y="4696933"/>
+            <a:ext cx="548700" cy="313500"/>
+          </a:xfrm>
+          <a:prstGeom prst="rect">
+            <a:avLst/>
+          </a:prstGeom>
+        </p:spPr>
+        <p:txBody>
+          <a:bodyPr wrap="square" lIns="91424" tIns="91424" rIns="91424" bIns="91424" anchor="t" anchorCtr="0">
+            <a:noAutofit/>
+          </a:bodyPr>
+          <a:lstStyle/>
+          <a:p>
+            <a:pPr marL="0" lvl="0" indent="0" algn="r" rtl="0">
+              <a:spcBef>
+                <a:spcPts val="0"/>
+              </a:spcBef>
+              <a:spcAft>
+                <a:spcPts val="0"/>
+              </a:spcAft>
+              <a:buNone/>
+              <a:defRPr/>
+            </a:pPr>
+            <a:fld id="{00000000-1234-1234-1234-123412341234}" type="slidenum">
+              <a:rPr lang="en-US">
+                <a:solidFill>
+                  <a:schemeClr val="tx1">
+                    <a:lumMod val="50000"/>
+                  </a:schemeClr>
+                </a:solidFill>
+              </a:rPr>
+              <a:pPr marL="0" lvl="0" indent="0" algn="r" rtl="0">
+                <a:spcBef>
+                  <a:spcPts val="0"/>
+                </a:spcBef>
+                <a:spcAft>
+                  <a:spcPts val="0"/>
+                </a:spcAft>
+                <a:buNone/>
+                <a:defRPr/>
+              </a:pPr>
+              <a:t>14</a:t>
+            </a:fld>
+            <a:endParaRPr lang="en-US">
+              <a:solidFill>
+                <a:schemeClr val="tx1">
+                  <a:lumMod val="50000"/>
+                </a:schemeClr>
+              </a:solidFill>
+            </a:endParaRPr>
+          </a:p>
+        </p:txBody>
+      </p:sp>
+      <p:sp>
+        <p:nvSpPr>
+          <p:cNvPr id="6" name="Google Shape;94;p13"/>
+          <p:cNvSpPr txBox="1"/>
+          <p:nvPr/>
+        </p:nvSpPr>
+        <p:spPr>
+          <a:xfrm>
+            <a:off x="4788024" y="1523400"/>
+            <a:ext cx="3750308" cy="3280597"/>
+          </a:xfrm>
+          <a:prstGeom prst="rect">
+            <a:avLst/>
+          </a:prstGeom>
+          <a:noFill/>
+          <a:ln>
+            <a:noFill/>
+          </a:ln>
+        </p:spPr>
+        <p:txBody>
+          <a:bodyPr wrap="square" lIns="91424" tIns="91424" rIns="91424" bIns="91424" anchor="t" anchorCtr="0">
+            <a:noAutofit/>
+          </a:bodyPr>
+          <a:lstStyle/>
+          <a:p>
+            <a:pPr lvl="0" algn="l" rtl="0">
+              <a:spcBef>
+                <a:spcPts val="600"/>
+              </a:spcBef>
+              <a:spcAft>
+                <a:spcPts val="0"/>
+              </a:spcAft>
+              <a:defRPr/>
+            </a:pPr>
+            <a:endParaRPr lang="en-US" altLang="ko-KR" b="1">
+              <a:solidFill>
+                <a:schemeClr val="tx1">
+                  <a:lumMod val="50000"/>
+                </a:schemeClr>
+              </a:solidFill>
+              <a:latin typeface="Lato"/>
+              <a:ea typeface="Lato"/>
+              <a:cs typeface="Lato"/>
+              <a:sym typeface="Lato"/>
+            </a:endParaRPr>
+          </a:p>
+        </p:txBody>
+      </p:sp>
+      <p:sp>
+        <p:nvSpPr>
+          <p:cNvPr id="98" name="Google Shape;94;p13"/>
+          <p:cNvSpPr txBox="1"/>
+          <p:nvPr/>
+        </p:nvSpPr>
+        <p:spPr>
+          <a:xfrm>
+            <a:off x="893830" y="1542096"/>
+            <a:ext cx="7638740" cy="3280597"/>
+          </a:xfrm>
+          <a:prstGeom prst="rect">
+            <a:avLst/>
+          </a:prstGeom>
+          <a:noFill/>
+          <a:ln>
+            <a:noFill/>
+          </a:ln>
+        </p:spPr>
+        <p:txBody>
+          <a:bodyPr wrap="square" lIns="91424" tIns="91424" rIns="91424" bIns="91424" anchor="t" anchorCtr="0">
+            <a:noAutofit/>
+          </a:bodyPr>
+          <a:p>
+            <a:pPr marL="0" marR="0" lvl="0" indent="0" algn="l" rtl="0" eaLnBrk="1" latinLnBrk="0" hangingPunct="1">
+              <a:lnSpc>
+                <a:spcPct val="100000"/>
+              </a:lnSpc>
+              <a:spcBef>
+                <a:spcPts val="600"/>
+              </a:spcBef>
+              <a:spcAft>
+                <a:spcPts val="0"/>
+              </a:spcAft>
+              <a:buClr>
+                <a:srgbClr val="000000"/>
+              </a:buClr>
+              <a:buFont typeface="Arial"/>
+              <a:buNone/>
+              <a:defRPr/>
+            </a:pPr>
+            <a:endParaRPr xmlns:mc="http://schemas.openxmlformats.org/markup-compatibility/2006" xmlns:hp="http://schemas.haansoft.com/office/presentation/8.0" kumimoji="0" lang="ko-KR" altLang="en-US" sz="1800" b="1" i="0" u="none" strike="noStrike" kern="0" cap="none" spc="0" normalizeH="0" baseline="0" mc:Ignorable="hp" hp:hslEmbossed="0">
+              <a:solidFill>
+                <a:srgbClr val="343a40"/>
+              </a:solidFill>
+              <a:latin typeface="Lato"/>
+              <a:ea typeface="Lato"/>
+              <a:cs typeface="Lato"/>
+              <a:sym typeface="Lato"/>
+            </a:endParaRPr>
+          </a:p>
+        </p:txBody>
+      </p:sp>
+    </p:spTree>
+  </p:cSld>
+  <p:clrMapOvr>
+    <a:masterClrMapping/>
+  </p:clrMapOvr>
+  <mc:AlternateContent xmlns:mc="http://schemas.openxmlformats.org/markup-compatibility/2006">
+    <mc:Choice xmlns:p14="http://schemas.microsoft.com/office/powerpoint/2010/main" Requires="p14">
+      <p:transition xmlns:mc="http://schemas.openxmlformats.org/markup-compatibility/2006" xmlns:p14="http://schemas.microsoft.com/office/powerpoint/2010/main" mc:Ignorable="p14" p14:dur="500"/>
+    </mc:Choice>
+    <mc:Fallback>
+      <p:transition/>
+    </mc:Fallback>
+  </mc:AlternateContent>
+</p:sld>
+</file>
+
 <file path=ppt/slides/slide2.xml><?xml version="1.0" encoding="utf-8"?>
 <p:sld xmlns:r="http://schemas.openxmlformats.org/officeDocument/2006/relationships" xmlns:c="http://schemas.openxmlformats.org/drawingml/2006/chart" xmlns:a="http://schemas.openxmlformats.org/drawingml/2006/main" xmlns:dgm="http://schemas.openxmlformats.org/drawingml/2006/diagram" xmlns:dsp="http://schemas.microsoft.com/office/drawing/2008/diagram" xmlns:p="http://schemas.openxmlformats.org/presentationml/2006/main">
   <p:cSld>
@@ -6776,6 +8167,43 @@
                 <a:sym typeface="Lato"/>
               </a:rPr>
               <a:t>깃허브 로그</a:t>
+            </a:r>
+            <a:endParaRPr lang="ko-KR" altLang="en-US" sz="1800" b="1">
+              <a:solidFill>
+                <a:schemeClr val="tx1">
+                  <a:lumMod val="50000"/>
+                </a:schemeClr>
+              </a:solidFill>
+              <a:latin typeface="Lato"/>
+              <a:ea typeface="Lato"/>
+              <a:cs typeface="Lato"/>
+              <a:sym typeface="Lato"/>
+            </a:endParaRPr>
+          </a:p>
+          <a:p>
+            <a:pPr marL="342900" lvl="0" indent="-342900" algn="l" rtl="0">
+              <a:spcBef>
+                <a:spcPts val="600"/>
+              </a:spcBef>
+              <a:spcAft>
+                <a:spcPts val="0"/>
+              </a:spcAft>
+              <a:buAutoNum type="arabicPeriod"/>
+              <a:defRPr/>
+            </a:pPr>
+            <a:r>
+              <a:rPr lang="ko-KR" altLang="en-US" sz="1800" b="1">
+                <a:solidFill>
+                  <a:schemeClr val="tx1">
+                    <a:lumMod val="50000"/>
+                  </a:schemeClr>
+                </a:solidFill>
+                <a:latin typeface="Lato"/>
+                <a:ea typeface="Lato"/>
+                <a:cs typeface="Lato"/>
+                <a:sym typeface="Lato"/>
+              </a:rPr>
+              <a:t>데모 시연</a:t>
             </a:r>
             <a:endParaRPr lang="ko-KR" altLang="en-US" sz="1800" b="1">
               <a:solidFill>
@@ -7531,47 +8959,6 @@
                 <a:cs typeface="Lato"/>
                 <a:sym typeface="Lato"/>
               </a:rPr>
-              <a:t>감각치환</a:t>
-            </a:r>
-            <a:endParaRPr xmlns:mc="http://schemas.openxmlformats.org/markup-compatibility/2006" xmlns:hp="http://schemas.haansoft.com/office/presentation/8.0" kumimoji="0" lang="ko-KR" altLang="en-US" sz="1600" b="1" i="0" u="none" strike="noStrike" kern="0" cap="none" spc="0" normalizeH="0" baseline="0" mc:Ignorable="hp" hp:hslEmbossed="0">
-              <a:solidFill>
-                <a:srgbClr val="343a40"/>
-              </a:solidFill>
-              <a:latin typeface="Lato"/>
-              <a:ea typeface="Lato"/>
-              <a:cs typeface="Lato"/>
-              <a:sym typeface="Lato"/>
-            </a:endParaRPr>
-          </a:p>
-          <a:p>
-            <a:pPr marL="285750" marR="0" lvl="0" indent="-285750" algn="l" rtl="0" eaLnBrk="1" latinLnBrk="0" hangingPunct="1">
-              <a:lnSpc>
-                <a:spcPct val="100000"/>
-              </a:lnSpc>
-              <a:spcBef>
-                <a:spcPts val="600"/>
-              </a:spcBef>
-              <a:spcAft>
-                <a:spcPts val="0"/>
-              </a:spcAft>
-              <a:buClr>
-                <a:srgbClr val="000000"/>
-              </a:buClr>
-              <a:buFont typeface="Arial"/>
-              <a:buFontTx/>
-              <a:buChar char="-"/>
-              <a:defRPr/>
-            </a:pPr>
-            <a:r>
-              <a:rPr xmlns:mc="http://schemas.openxmlformats.org/markup-compatibility/2006" xmlns:hp="http://schemas.haansoft.com/office/presentation/8.0" kumimoji="0" lang="ko-KR" altLang="en-US" sz="1600" b="1" i="0" u="none" strike="noStrike" kern="0" cap="none" spc="0" normalizeH="0" baseline="0" mc:Ignorable="hp" hp:hslEmbossed="0">
-                <a:solidFill>
-                  <a:srgbClr val="343a40"/>
-                </a:solidFill>
-                <a:latin typeface="Lato"/>
-                <a:ea typeface="Lato"/>
-                <a:cs typeface="Lato"/>
-                <a:sym typeface="Lato"/>
-              </a:rPr>
               <a:t>시</a:t>
             </a:r>
             <a:r>
@@ -7708,6 +9095,35 @@
               </a:rPr>
               <a:t>스키닝 애니메이션</a:t>
             </a:r>
+            <a:endParaRPr xmlns:mc="http://schemas.openxmlformats.org/markup-compatibility/2006" xmlns:hp="http://schemas.haansoft.com/office/presentation/8.0" kumimoji="0" lang="ko-KR" altLang="en-US" sz="1600" b="1" i="0" u="none" strike="noStrike" kern="0" cap="none" spc="0" normalizeH="0" baseline="0" mc:Ignorable="hp" hp:hslEmbossed="0">
+              <a:solidFill>
+                <a:srgbClr val="343a40"/>
+              </a:solidFill>
+              <a:latin typeface="Lato"/>
+              <a:ea typeface="Lato"/>
+              <a:cs typeface="Lato"/>
+              <a:sym typeface="Lato"/>
+            </a:endParaRPr>
+          </a:p>
+          <a:p>
+            <a:pPr marL="285750" marR="0" lvl="0" indent="-285750" algn="l" rtl="0" eaLnBrk="1" latinLnBrk="0" hangingPunct="1">
+              <a:lnSpc>
+                <a:spcPct val="100000"/>
+              </a:lnSpc>
+              <a:spcBef>
+                <a:spcPts val="600"/>
+              </a:spcBef>
+              <a:spcAft>
+                <a:spcPts val="0"/>
+              </a:spcAft>
+              <a:buClr>
+                <a:srgbClr val="000000"/>
+              </a:buClr>
+              <a:buFont typeface="Arial"/>
+              <a:buFontTx/>
+              <a:buChar char="-"/>
+              <a:defRPr/>
+            </a:pPr>
             <a:endParaRPr xmlns:mc="http://schemas.openxmlformats.org/markup-compatibility/2006" xmlns:hp="http://schemas.haansoft.com/office/presentation/8.0" kumimoji="0" lang="ko-KR" altLang="en-US" sz="1600" b="1" i="0" u="none" strike="noStrike" kern="0" cap="none" spc="0" normalizeH="0" baseline="0" mc:Ignorable="hp" hp:hslEmbossed="0">
               <a:solidFill>
                 <a:srgbClr val="343a40"/>
@@ -8768,8 +10184,8 @@
         </p:blipFill>
         <p:spPr>
           <a:xfrm>
-            <a:off x="893700" y="1347614"/>
-            <a:ext cx="5850833" cy="3592336"/>
+            <a:off x="1263985" y="1347614"/>
+            <a:ext cx="5110261" cy="3592336"/>
           </a:xfrm>
           <a:prstGeom prst="rect">
             <a:avLst/>
@@ -8790,13 +10206,6 @@
       <p:transition/>
     </mc:Fallback>
   </mc:AlternateContent>
-  <p:timing>
-    <p:tnLst>
-      <p:par>
-        <p:cTn id="1" dur="indefinite" restart="never" nodeType="tmRoot"/>
-      </p:par>
-    </p:tnLst>
-  </p:timing>
 </p:sld>
 </file>
 
@@ -10778,79 +12187,367 @@
           </a:p>
         </p:txBody>
       </p:sp>
-      <p:pic>
-        <p:nvPicPr>
-          <p:cNvPr id="12" name=""/>
-          <p:cNvPicPr>
-            <a:picLocks noChangeAspect="1"/>
-          </p:cNvPicPr>
+      <p:sp>
+        <p:nvSpPr>
+          <p:cNvPr id="17" name="Google Shape;94;p13"/>
+          <p:cNvSpPr txBox="1"/>
           <p:nvPr/>
-        </p:nvPicPr>
-        <p:blipFill rotWithShape="1">
-          <a:blip r:embed="rId3"/>
-          <a:stretch>
-            <a:fillRect/>
-          </a:stretch>
-        </p:blipFill>
+        </p:nvSpPr>
         <p:spPr>
           <a:xfrm>
-            <a:off x="899592" y="1419622"/>
-            <a:ext cx="2673821" cy="1568419"/>
+            <a:off x="893830" y="1542096"/>
+            <a:ext cx="7638740" cy="3280597"/>
           </a:xfrm>
           <a:prstGeom prst="rect">
             <a:avLst/>
           </a:prstGeom>
+          <a:noFill/>
+          <a:ln>
+            <a:noFill/>
+          </a:ln>
         </p:spPr>
-      </p:pic>
-      <p:pic>
-        <p:nvPicPr>
-          <p:cNvPr id="13" name=""/>
-          <p:cNvPicPr>
-            <a:picLocks noChangeAspect="1"/>
-          </p:cNvPicPr>
-          <p:nvPr/>
-        </p:nvPicPr>
-        <p:blipFill rotWithShape="1">
-          <a:blip r:embed="rId4"/>
-          <a:stretch>
-            <a:fillRect/>
-          </a:stretch>
-        </p:blipFill>
-        <p:spPr>
-          <a:xfrm>
-            <a:off x="899592" y="3075806"/>
-            <a:ext cx="2664296" cy="1562832"/>
-          </a:xfrm>
-          <a:prstGeom prst="rect">
-            <a:avLst/>
-          </a:prstGeom>
-        </p:spPr>
-      </p:pic>
-      <p:pic>
-        <p:nvPicPr>
-          <p:cNvPr id="16" name=""/>
-          <p:cNvPicPr>
-            <a:picLocks noChangeAspect="1"/>
-          </p:cNvPicPr>
-          <p:nvPr/>
-        </p:nvPicPr>
-        <p:blipFill rotWithShape="1">
-          <a:blip r:embed="rId5"/>
-          <a:srcRect l="3010" t="4860" r="30140" b="25660"/>
-          <a:stretch>
-            <a:fillRect/>
-          </a:stretch>
-        </p:blipFill>
-        <p:spPr>
-          <a:xfrm>
-            <a:off x="4192590" y="1851670"/>
-            <a:ext cx="3979810" cy="2326653"/>
-          </a:xfrm>
-          <a:prstGeom prst="rect">
-            <a:avLst/>
-          </a:prstGeom>
-        </p:spPr>
-      </p:pic>
+        <p:txBody>
+          <a:bodyPr wrap="square" lIns="91424" tIns="91424" rIns="91424" bIns="91424" anchor="t" anchorCtr="0">
+            <a:noAutofit/>
+          </a:bodyPr>
+          <a:p>
+            <a:pPr marL="0" marR="0" lvl="0" indent="0" algn="l" rtl="0" eaLnBrk="1" latinLnBrk="0" hangingPunct="1">
+              <a:lnSpc>
+                <a:spcPct val="100000"/>
+              </a:lnSpc>
+              <a:spcBef>
+                <a:spcPts val="600"/>
+              </a:spcBef>
+              <a:spcAft>
+                <a:spcPts val="0"/>
+              </a:spcAft>
+              <a:buClr>
+                <a:srgbClr val="000000"/>
+              </a:buClr>
+              <a:buFont typeface="Arial"/>
+              <a:buNone/>
+              <a:defRPr/>
+            </a:pPr>
+            <a:r>
+              <a:rPr xmlns:mc="http://schemas.openxmlformats.org/markup-compatibility/2006" xmlns:hp="http://schemas.haansoft.com/office/presentation/8.0" kumimoji="0" lang="ko-KR" altLang="en-US" sz="1800" b="1" i="0" u="none" strike="noStrike" kern="0" cap="none" spc="0" normalizeH="0" baseline="0" mc:Ignorable="hp" hp:hslEmbossed="0">
+                <a:solidFill>
+                  <a:srgbClr val="343a40"/>
+                </a:solidFill>
+                <a:latin typeface="Lato"/>
+                <a:ea typeface="Lato"/>
+                <a:cs typeface="Lato"/>
+                <a:sym typeface="Lato"/>
+              </a:rPr>
+              <a:t>클라이언트 개발 진행 상황</a:t>
+            </a:r>
+            <a:endParaRPr xmlns:mc="http://schemas.openxmlformats.org/markup-compatibility/2006" xmlns:hp="http://schemas.haansoft.com/office/presentation/8.0" kumimoji="0" lang="ko-KR" altLang="en-US" sz="1800" b="1" i="0" u="none" strike="noStrike" kern="0" cap="none" spc="0" normalizeH="0" baseline="0" mc:Ignorable="hp" hp:hslEmbossed="0">
+              <a:solidFill>
+                <a:srgbClr val="343a40"/>
+              </a:solidFill>
+              <a:latin typeface="Lato"/>
+              <a:ea typeface="Lato"/>
+              <a:cs typeface="Lato"/>
+              <a:sym typeface="Lato"/>
+            </a:endParaRPr>
+          </a:p>
+          <a:p>
+            <a:pPr marL="285750" marR="0" lvl="0" indent="-285750" algn="l" rtl="0" eaLnBrk="1" latinLnBrk="0" hangingPunct="1">
+              <a:lnSpc>
+                <a:spcPct val="100000"/>
+              </a:lnSpc>
+              <a:spcBef>
+                <a:spcPts val="600"/>
+              </a:spcBef>
+              <a:spcAft>
+                <a:spcPts val="0"/>
+              </a:spcAft>
+              <a:buClr>
+                <a:srgbClr val="000000"/>
+              </a:buClr>
+              <a:buFont typeface="Arial"/>
+              <a:buChar char="-"/>
+              <a:defRPr/>
+            </a:pPr>
+            <a:r>
+              <a:rPr xmlns:mc="http://schemas.openxmlformats.org/markup-compatibility/2006" xmlns:hp="http://schemas.haansoft.com/office/presentation/8.0" kumimoji="0" lang="ko-KR" altLang="en-US" sz="1500" b="0" i="0" u="none" strike="noStrike" kern="0" cap="none" spc="0" normalizeH="0" baseline="0" mc:Ignorable="hp" hp:hslEmbossed="0">
+                <a:solidFill>
+                  <a:srgbClr val="343a40"/>
+                </a:solidFill>
+                <a:latin typeface="Lato"/>
+                <a:ea typeface="Lato"/>
+                <a:cs typeface="Lato"/>
+                <a:sym typeface="Lato"/>
+              </a:rPr>
+              <a:t>조명 연출</a:t>
+            </a:r>
+            <a:endParaRPr xmlns:mc="http://schemas.openxmlformats.org/markup-compatibility/2006" xmlns:hp="http://schemas.haansoft.com/office/presentation/8.0" kumimoji="0" lang="ko-KR" altLang="en-US" sz="1500" b="0" i="0" u="none" strike="noStrike" kern="0" cap="none" spc="0" normalizeH="0" baseline="0" mc:Ignorable="hp" hp:hslEmbossed="0">
+              <a:solidFill>
+                <a:srgbClr val="343a40"/>
+              </a:solidFill>
+              <a:latin typeface="Lato"/>
+              <a:ea typeface="Lato"/>
+              <a:cs typeface="Lato"/>
+              <a:sym typeface="Lato"/>
+            </a:endParaRPr>
+          </a:p>
+          <a:p>
+            <a:pPr marL="285750" marR="0" lvl="0" indent="-285750" algn="l" rtl="0" eaLnBrk="1" latinLnBrk="0" hangingPunct="1">
+              <a:lnSpc>
+                <a:spcPct val="100000"/>
+              </a:lnSpc>
+              <a:spcBef>
+                <a:spcPts val="600"/>
+              </a:spcBef>
+              <a:spcAft>
+                <a:spcPts val="0"/>
+              </a:spcAft>
+              <a:buClr>
+                <a:srgbClr val="000000"/>
+              </a:buClr>
+              <a:buFont typeface="Arial"/>
+              <a:buChar char="-"/>
+              <a:defRPr/>
+            </a:pPr>
+            <a:r>
+              <a:rPr xmlns:mc="http://schemas.openxmlformats.org/markup-compatibility/2006" xmlns:hp="http://schemas.haansoft.com/office/presentation/8.0" kumimoji="0" lang="ko-KR" altLang="en-US" sz="1500" b="0" i="0" u="none" strike="noStrike" kern="0" cap="none" spc="0" normalizeH="0" baseline="0" mc:Ignorable="hp" hp:hslEmbossed="0">
+                <a:solidFill>
+                  <a:srgbClr val="343a40"/>
+                </a:solidFill>
+                <a:latin typeface="Lato"/>
+                <a:ea typeface="Lato"/>
+                <a:cs typeface="Lato"/>
+                <a:sym typeface="Lato"/>
+              </a:rPr>
+              <a:t>애니메이션 로드 </a:t>
+            </a:r>
+            <a:endParaRPr xmlns:mc="http://schemas.openxmlformats.org/markup-compatibility/2006" xmlns:hp="http://schemas.haansoft.com/office/presentation/8.0" kumimoji="0" lang="en-US" altLang="ko-KR" sz="1500" b="0" i="0" u="none" strike="noStrike" kern="0" cap="none" spc="0" normalizeH="0" baseline="0" mc:Ignorable="hp" hp:hslEmbossed="0">
+              <a:solidFill>
+                <a:srgbClr val="343a40"/>
+              </a:solidFill>
+              <a:latin typeface="Lato"/>
+              <a:ea typeface="Lato"/>
+              <a:cs typeface="Lato"/>
+              <a:sym typeface="Lato"/>
+            </a:endParaRPr>
+          </a:p>
+          <a:p>
+            <a:pPr marL="285750" marR="0" lvl="0" indent="-285750" algn="l" rtl="0" eaLnBrk="1" latinLnBrk="0" hangingPunct="1">
+              <a:lnSpc>
+                <a:spcPct val="100000"/>
+              </a:lnSpc>
+              <a:spcBef>
+                <a:spcPts val="600"/>
+              </a:spcBef>
+              <a:spcAft>
+                <a:spcPts val="0"/>
+              </a:spcAft>
+              <a:buClr>
+                <a:srgbClr val="000000"/>
+              </a:buClr>
+              <a:buFont typeface="Arial"/>
+              <a:buChar char="-"/>
+              <a:defRPr/>
+            </a:pPr>
+            <a:r>
+              <a:rPr xmlns:mc="http://schemas.openxmlformats.org/markup-compatibility/2006" xmlns:hp="http://schemas.haansoft.com/office/presentation/8.0" kumimoji="0" lang="ko-KR" altLang="en-US" sz="1500" b="0" i="0" u="none" strike="noStrike" kern="0" cap="none" spc="0" normalizeH="0" baseline="0" mc:Ignorable="hp" hp:hslEmbossed="0">
+                <a:solidFill>
+                  <a:srgbClr val="343a40"/>
+                </a:solidFill>
+                <a:latin typeface="Lato"/>
+                <a:ea typeface="Lato"/>
+                <a:cs typeface="Lato"/>
+                <a:sym typeface="Lato"/>
+              </a:rPr>
+              <a:t>충돌 처리</a:t>
+            </a:r>
+            <a:endParaRPr xmlns:mc="http://schemas.openxmlformats.org/markup-compatibility/2006" xmlns:hp="http://schemas.haansoft.com/office/presentation/8.0" kumimoji="0" lang="ko-KR" altLang="en-US" sz="1500" b="0" i="0" u="none" strike="noStrike" kern="0" cap="none" spc="0" normalizeH="0" baseline="0" mc:Ignorable="hp" hp:hslEmbossed="0">
+              <a:solidFill>
+                <a:srgbClr val="343a40"/>
+              </a:solidFill>
+              <a:latin typeface="Lato"/>
+              <a:ea typeface="Lato"/>
+              <a:cs typeface="Lato"/>
+              <a:sym typeface="Lato"/>
+            </a:endParaRPr>
+          </a:p>
+          <a:p>
+            <a:pPr marL="0" marR="0" lvl="0" indent="0" algn="l" rtl="0" eaLnBrk="1" latinLnBrk="0" hangingPunct="1">
+              <a:lnSpc>
+                <a:spcPct val="100000"/>
+              </a:lnSpc>
+              <a:spcBef>
+                <a:spcPts val="600"/>
+              </a:spcBef>
+              <a:spcAft>
+                <a:spcPts val="0"/>
+              </a:spcAft>
+              <a:buClr>
+                <a:srgbClr val="000000"/>
+              </a:buClr>
+              <a:buFont typeface="Arial"/>
+              <a:buNone/>
+              <a:defRPr/>
+            </a:pPr>
+            <a:endParaRPr xmlns:mc="http://schemas.openxmlformats.org/markup-compatibility/2006" xmlns:hp="http://schemas.haansoft.com/office/presentation/8.0" kumimoji="0" lang="ko-KR" altLang="en-US" sz="1500" b="0" i="0" u="none" strike="noStrike" kern="0" cap="none" spc="0" normalizeH="0" baseline="0" mc:Ignorable="hp" hp:hslEmbossed="0">
+              <a:solidFill>
+                <a:srgbClr val="343a40"/>
+              </a:solidFill>
+              <a:latin typeface="Lato"/>
+              <a:ea typeface="Lato"/>
+              <a:cs typeface="Lato"/>
+              <a:sym typeface="Lato"/>
+            </a:endParaRPr>
+          </a:p>
+          <a:p>
+            <a:pPr marL="285750" marR="0" lvl="0" indent="-285750" algn="l" rtl="0" eaLnBrk="1" latinLnBrk="0" hangingPunct="1">
+              <a:lnSpc>
+                <a:spcPct val="100000"/>
+              </a:lnSpc>
+              <a:spcBef>
+                <a:spcPts val="600"/>
+              </a:spcBef>
+              <a:spcAft>
+                <a:spcPts val="0"/>
+              </a:spcAft>
+              <a:buClr>
+                <a:srgbClr val="000000"/>
+              </a:buClr>
+              <a:buFont typeface="Arial"/>
+              <a:buChar char="-"/>
+              <a:defRPr/>
+            </a:pPr>
+            <a:endParaRPr xmlns:mc="http://schemas.openxmlformats.org/markup-compatibility/2006" xmlns:hp="http://schemas.haansoft.com/office/presentation/8.0" kumimoji="0" lang="ko-KR" altLang="en-US" sz="1500" b="0" i="0" u="none" strike="noStrike" kern="0" cap="none" spc="0" normalizeH="0" baseline="0" mc:Ignorable="hp" hp:hslEmbossed="0">
+              <a:solidFill>
+                <a:srgbClr val="343a40"/>
+              </a:solidFill>
+              <a:latin typeface="Lato"/>
+              <a:ea typeface="Lato"/>
+              <a:cs typeface="Lato"/>
+              <a:sym typeface="Lato"/>
+            </a:endParaRPr>
+          </a:p>
+          <a:p>
+            <a:pPr marL="0" marR="0" lvl="0" indent="0" algn="l" rtl="0" eaLnBrk="1" latinLnBrk="0" hangingPunct="1">
+              <a:lnSpc>
+                <a:spcPct val="100000"/>
+              </a:lnSpc>
+              <a:spcBef>
+                <a:spcPts val="600"/>
+              </a:spcBef>
+              <a:spcAft>
+                <a:spcPts val="0"/>
+              </a:spcAft>
+              <a:buClr>
+                <a:srgbClr val="000000"/>
+              </a:buClr>
+              <a:buFont typeface="Arial"/>
+              <a:buNone/>
+              <a:defRPr/>
+            </a:pPr>
+            <a:r>
+              <a:rPr xmlns:mc="http://schemas.openxmlformats.org/markup-compatibility/2006" xmlns:hp="http://schemas.haansoft.com/office/presentation/8.0" kumimoji="0" lang="ko-KR" altLang="en-US" sz="1800" b="1" i="0" u="none" strike="noStrike" kern="0" cap="none" spc="0" normalizeH="0" baseline="0" mc:Ignorable="hp" hp:hslEmbossed="0">
+                <a:solidFill>
+                  <a:srgbClr val="343a40"/>
+                </a:solidFill>
+                <a:latin typeface="Lato"/>
+                <a:ea typeface="Lato"/>
+                <a:cs typeface="Lato"/>
+                <a:sym typeface="Lato"/>
+              </a:rPr>
+              <a:t>서버 개발 진행 상황</a:t>
+            </a:r>
+            <a:endParaRPr xmlns:mc="http://schemas.openxmlformats.org/markup-compatibility/2006" xmlns:hp="http://schemas.haansoft.com/office/presentation/8.0" kumimoji="0" lang="ko-KR" altLang="en-US" sz="1800" b="1" i="0" u="none" strike="noStrike" kern="0" cap="none" spc="0" normalizeH="0" baseline="0" mc:Ignorable="hp" hp:hslEmbossed="0">
+              <a:solidFill>
+                <a:srgbClr val="343a40"/>
+              </a:solidFill>
+              <a:latin typeface="Lato"/>
+              <a:ea typeface="Lato"/>
+              <a:cs typeface="Lato"/>
+              <a:sym typeface="Lato"/>
+            </a:endParaRPr>
+          </a:p>
+          <a:p>
+            <a:pPr marL="285750" marR="0" lvl="0" indent="-285750" algn="l" rtl="0" eaLnBrk="1" latinLnBrk="0" hangingPunct="1">
+              <a:lnSpc>
+                <a:spcPct val="100000"/>
+              </a:lnSpc>
+              <a:spcBef>
+                <a:spcPts val="600"/>
+              </a:spcBef>
+              <a:spcAft>
+                <a:spcPts val="0"/>
+              </a:spcAft>
+              <a:buClr>
+                <a:srgbClr val="000000"/>
+              </a:buClr>
+              <a:buFont typeface="Arial"/>
+              <a:buChar char="-"/>
+              <a:defRPr/>
+            </a:pPr>
+            <a:r>
+              <a:rPr xmlns:mc="http://schemas.openxmlformats.org/markup-compatibility/2006" xmlns:hp="http://schemas.haansoft.com/office/presentation/8.0" kumimoji="0" lang="ko-KR" altLang="en-US" sz="1500" b="0" i="0" u="none" strike="noStrike" kern="0" cap="none" spc="0" normalizeH="0" baseline="0" mc:Ignorable="hp" hp:hslEmbossed="0">
+                <a:solidFill>
+                  <a:srgbClr val="343a40"/>
+                </a:solidFill>
+                <a:latin typeface="Lato"/>
+                <a:ea typeface="Lato"/>
+                <a:cs typeface="Lato"/>
+                <a:sym typeface="Lato"/>
+              </a:rPr>
+              <a:t>충돌 처리</a:t>
+            </a:r>
+            <a:endParaRPr xmlns:mc="http://schemas.openxmlformats.org/markup-compatibility/2006" xmlns:hp="http://schemas.haansoft.com/office/presentation/8.0" kumimoji="0" lang="ko-KR" altLang="en-US" sz="1500" b="0" i="0" u="none" strike="noStrike" kern="0" cap="none" spc="0" normalizeH="0" baseline="0" mc:Ignorable="hp" hp:hslEmbossed="0">
+              <a:solidFill>
+                <a:srgbClr val="343a40"/>
+              </a:solidFill>
+              <a:latin typeface="Lato"/>
+              <a:ea typeface="Lato"/>
+              <a:cs typeface="Lato"/>
+              <a:sym typeface="Lato"/>
+            </a:endParaRPr>
+          </a:p>
+          <a:p>
+            <a:pPr marL="285750" marR="0" lvl="0" indent="-285750" algn="l" rtl="0" eaLnBrk="1" latinLnBrk="0" hangingPunct="1">
+              <a:lnSpc>
+                <a:spcPct val="100000"/>
+              </a:lnSpc>
+              <a:spcBef>
+                <a:spcPts val="600"/>
+              </a:spcBef>
+              <a:spcAft>
+                <a:spcPts val="0"/>
+              </a:spcAft>
+              <a:buClr>
+                <a:srgbClr val="000000"/>
+              </a:buClr>
+              <a:buFont typeface="Arial"/>
+              <a:buChar char="-"/>
+              <a:defRPr/>
+            </a:pPr>
+            <a:r>
+              <a:rPr xmlns:mc="http://schemas.openxmlformats.org/markup-compatibility/2006" xmlns:hp="http://schemas.haansoft.com/office/presentation/8.0" kumimoji="0" lang="ko-KR" altLang="en-US" sz="1500" b="0" i="0" u="none" strike="noStrike" kern="0" cap="none" spc="0" normalizeH="0" baseline="0" mc:Ignorable="hp" hp:hslEmbossed="0">
+                <a:solidFill>
+                  <a:srgbClr val="343a40"/>
+                </a:solidFill>
+                <a:latin typeface="Lato"/>
+                <a:ea typeface="Lato"/>
+                <a:cs typeface="Lato"/>
+                <a:sym typeface="Lato"/>
+              </a:rPr>
+              <a:t>멀티 스레딩</a:t>
+            </a:r>
+            <a:endParaRPr xmlns:mc="http://schemas.openxmlformats.org/markup-compatibility/2006" xmlns:hp="http://schemas.haansoft.com/office/presentation/8.0" kumimoji="0" lang="ko-KR" altLang="en-US" sz="1500" b="0" i="0" u="none" strike="noStrike" kern="0" cap="none" spc="0" normalizeH="0" baseline="0" mc:Ignorable="hp" hp:hslEmbossed="0">
+              <a:solidFill>
+                <a:srgbClr val="343a40"/>
+              </a:solidFill>
+              <a:latin typeface="Lato"/>
+              <a:ea typeface="Lato"/>
+              <a:cs typeface="Lato"/>
+              <a:sym typeface="Lato"/>
+            </a:endParaRPr>
+          </a:p>
+        </p:txBody>
+      </p:sp>
     </p:spTree>
   </p:cSld>
   <p:clrMapOvr>
@@ -12769,12 +14466,11 @@
                 <a:srgbClr val="000000"/>
               </a:buClr>
               <a:buFont typeface="Arial"/>
-              <a:buFontTx/>
               <a:buNone/>
               <a:defRPr/>
             </a:pPr>
             <a:r>
-              <a:rPr xmlns:mc="http://schemas.openxmlformats.org/markup-compatibility/2006" xmlns:hp="http://schemas.haansoft.com/office/presentation/8.0" kumimoji="0" lang="en-US" altLang="ko-KR" sz="1800" b="1" i="0" u="none" strike="noStrike" kern="0" cap="none" spc="0" normalizeH="0" baseline="0" mc:Ignorable="hp" hp:hslEmbossed="0">
+              <a:rPr xmlns:mc="http://schemas.openxmlformats.org/markup-compatibility/2006" xmlns:hp="http://schemas.haansoft.com/office/presentation/8.0" kumimoji="0" lang="ko-KR" altLang="en-US" sz="1800" b="1" i="0" u="none" strike="noStrike" kern="0" cap="none" spc="0" normalizeH="0" baseline="0" mc:Ignorable="hp" hp:hslEmbossed="0">
                 <a:solidFill>
                   <a:srgbClr val="343a40"/>
                 </a:solidFill>
@@ -12783,19 +14479,7 @@
                 <a:cs typeface="Lato"/>
                 <a:sym typeface="Lato"/>
               </a:rPr>
-              <a:t>UI, </a:t>
-            </a:r>
-            <a:r>
-              <a:rPr xmlns:mc="http://schemas.openxmlformats.org/markup-compatibility/2006" xmlns:hp="http://schemas.haansoft.com/office/presentation/8.0" kumimoji="0" lang="ko-KR" altLang="en-US" sz="1800" b="1" i="0" u="none" strike="noStrike" kern="0" cap="none" spc="0" normalizeH="0" baseline="0" mc:Ignorable="hp" hp:hslEmbossed="0">
-                <a:solidFill>
-                  <a:srgbClr val="343a40"/>
-                </a:solidFill>
-                <a:latin typeface="Lato"/>
-                <a:ea typeface="Lato"/>
-                <a:cs typeface="Lato"/>
-                <a:sym typeface="Lato"/>
-              </a:rPr>
-              <a:t>충돌처리의 느린 진행상황</a:t>
+              <a:t>클라이언트</a:t>
             </a:r>
             <a:endParaRPr xmlns:mc="http://schemas.openxmlformats.org/markup-compatibility/2006" xmlns:hp="http://schemas.haansoft.com/office/presentation/8.0" kumimoji="0" lang="ko-KR" altLang="en-US" sz="1800" b="1" i="0" u="none" strike="noStrike" kern="0" cap="none" spc="0" normalizeH="0" baseline="0" mc:Ignorable="hp" hp:hslEmbossed="0">
               <a:solidFill>
@@ -12822,7 +14506,6 @@
                 <a:srgbClr val="000000"/>
               </a:buClr>
               <a:buFont typeface="Arial"/>
-              <a:buFontTx/>
               <a:buChar char="-"/>
               <a:defRPr/>
             </a:pPr>
@@ -12836,7 +14519,7 @@
                 <a:cs typeface="Lato"/>
                 <a:sym typeface="Lato"/>
               </a:rPr>
-              <a:t>애니메이션</a:t>
+              <a:t>모델 로드</a:t>
             </a:r>
             <a:r>
               <a:rPr xmlns:mc="http://schemas.openxmlformats.org/markup-compatibility/2006" xmlns:hp="http://schemas.haansoft.com/office/presentation/8.0" kumimoji="0" lang="en-US" altLang="ko-KR" sz="1500" b="0" i="0" u="none" strike="noStrike" kern="0" cap="none" spc="0" normalizeH="0" baseline="0" mc:Ignorable="hp" hp:hslEmbossed="0">
@@ -12860,7 +14543,7 @@
                 <a:cs typeface="Lato"/>
                 <a:sym typeface="Lato"/>
               </a:rPr>
-              <a:t> 충돌처리 측에서 작업 속도가 늦어져 </a:t>
+              <a:t> 애니메이션</a:t>
             </a:r>
             <a:r>
               <a:rPr xmlns:mc="http://schemas.openxmlformats.org/markup-compatibility/2006" xmlns:hp="http://schemas.haansoft.com/office/presentation/8.0" kumimoji="0" lang="en-US" altLang="ko-KR" sz="1500" b="0" i="0" u="none" strike="noStrike" kern="0" cap="none" spc="0" normalizeH="0" baseline="0" mc:Ignorable="hp" hp:hslEmbossed="0">
@@ -12872,7 +14555,7 @@
                 <a:cs typeface="Lato"/>
                 <a:sym typeface="Lato"/>
               </a:rPr>
-              <a:t>UI,</a:t>
+              <a:t>,</a:t>
             </a:r>
             <a:r>
               <a:rPr xmlns:mc="http://schemas.openxmlformats.org/markup-compatibility/2006" xmlns:hp="http://schemas.haansoft.com/office/presentation/8.0" kumimoji="0" lang="ko-KR" altLang="en-US" sz="1500" b="0" i="0" u="none" strike="noStrike" kern="0" cap="none" spc="0" normalizeH="0" baseline="0" mc:Ignorable="hp" hp:hslEmbossed="0">
@@ -12884,7 +14567,31 @@
                 <a:cs typeface="Lato"/>
                 <a:sym typeface="Lato"/>
               </a:rPr>
-              <a:t> 게임로직 작업이 뒤로 밀려나게 됨</a:t>
+              <a:t> 조명에서 문제 발생 </a:t>
+            </a:r>
+            <a:r>
+              <a:rPr xmlns:mc="http://schemas.openxmlformats.org/markup-compatibility/2006" xmlns:hp="http://schemas.haansoft.com/office/presentation/8.0" kumimoji="0" lang="en-US" altLang="ko-KR" sz="1500" b="0" i="0" u="none" strike="noStrike" kern="0" cap="none" spc="0" normalizeH="0" baseline="0" mc:Ignorable="hp" hp:hslEmbossed="0">
+                <a:solidFill>
+                  <a:srgbClr val="343a40"/>
+                </a:solidFill>
+                <a:latin typeface="Lato"/>
+                <a:ea typeface="Lato"/>
+                <a:cs typeface="Lato"/>
+                <a:sym typeface="Lato"/>
+              </a:rPr>
+              <a:t>-</a:t>
+            </a:r>
+            <a:r>
+              <a:rPr xmlns:mc="http://schemas.openxmlformats.org/markup-compatibility/2006" xmlns:hp="http://schemas.haansoft.com/office/presentation/8.0" kumimoji="0" lang="ko-KR" altLang="en-US" sz="1500" b="0" i="0" u="none" strike="noStrike" kern="0" cap="none" spc="0" normalizeH="0" baseline="0" mc:Ignorable="hp" hp:hslEmbossed="0">
+                <a:solidFill>
+                  <a:srgbClr val="343a40"/>
+                </a:solidFill>
+                <a:latin typeface="Lato"/>
+                <a:ea typeface="Lato"/>
+                <a:cs typeface="Lato"/>
+                <a:sym typeface="Lato"/>
+              </a:rPr>
+              <a:t> 현재는 해결 완료</a:t>
             </a:r>
             <a:endParaRPr xmlns:mc="http://schemas.openxmlformats.org/markup-compatibility/2006" xmlns:hp="http://schemas.haansoft.com/office/presentation/8.0" kumimoji="0" lang="ko-KR" altLang="en-US" sz="1500" b="0" i="0" u="none" strike="noStrike" kern="0" cap="none" spc="0" normalizeH="0" baseline="0" mc:Ignorable="hp" hp:hslEmbossed="0">
               <a:solidFill>
@@ -12911,12 +14618,11 @@
                 <a:srgbClr val="000000"/>
               </a:buClr>
               <a:buFont typeface="Arial"/>
-              <a:buFontTx/>
               <a:buChar char="-"/>
               <a:defRPr/>
             </a:pPr>
             <a:r>
-              <a:rPr xmlns:mc="http://schemas.openxmlformats.org/markup-compatibility/2006" xmlns:hp="http://schemas.haansoft.com/office/presentation/8.0" kumimoji="0" lang="en-US" altLang="ko-KR" sz="1500" i="0" u="none" strike="noStrike" kern="0" cap="none" spc="0" normalizeH="0" baseline="0" mc:Ignorable="hp" hp:hslEmbossed="0">
+              <a:rPr xmlns:mc="http://schemas.openxmlformats.org/markup-compatibility/2006" xmlns:hp="http://schemas.haansoft.com/office/presentation/8.0" kumimoji="0" lang="ko-KR" altLang="en-US" sz="1500" i="0" u="none" strike="noStrike" kern="0" cap="none" spc="0" normalizeH="0" baseline="0" mc:Ignorable="hp" hp:hslEmbossed="0">
                 <a:solidFill>
                   <a:srgbClr val="343a40"/>
                 </a:solidFill>
@@ -12925,10 +14631,10 @@
                 <a:cs typeface="Lato"/>
                 <a:sym typeface="Lato"/>
               </a:rPr>
-              <a:t>UI, </a:t>
+              <a:t>게임 로직</a:t>
             </a:r>
             <a:r>
-              <a:rPr xmlns:mc="http://schemas.openxmlformats.org/markup-compatibility/2006" xmlns:hp="http://schemas.haansoft.com/office/presentation/8.0" kumimoji="0" lang="ko-KR" altLang="en-US" sz="1500" i="0" u="none" strike="noStrike" kern="0" cap="none" spc="0" normalizeH="0" baseline="0" mc:Ignorable="hp" hp:hslEmbossed="0">
+              <a:rPr xmlns:mc="http://schemas.openxmlformats.org/markup-compatibility/2006" xmlns:hp="http://schemas.haansoft.com/office/presentation/8.0" kumimoji="0" lang="en-US" altLang="ko-KR" sz="1500" i="0" u="none" strike="noStrike" kern="0" cap="none" spc="0" normalizeH="0" baseline="0" mc:Ignorable="hp" hp:hslEmbossed="0">
                 <a:solidFill>
                   <a:srgbClr val="343a40"/>
                 </a:solidFill>
@@ -12937,7 +14643,19 @@
                 <a:cs typeface="Lato"/>
                 <a:sym typeface="Lato"/>
               </a:rPr>
-              <a:t>게임로직 작업은 </a:t>
+              <a:t>,</a:t>
+            </a:r>
+            <a:r>
+              <a:rPr xmlns:mc="http://schemas.openxmlformats.org/markup-compatibility/2006" xmlns:hp="http://schemas.haansoft.com/office/presentation/8.0" kumimoji="0" lang="ko-KR" altLang="en-US" sz="1500" i="0" u="none" strike="noStrike" kern="0" cap="none" spc="0" normalizeH="0" baseline="0" mc:Ignorable="hp" hp:hslEmbossed="0">
+                <a:solidFill>
+                  <a:srgbClr val="343a40"/>
+                </a:solidFill>
+                <a:latin typeface="Lato"/>
+                <a:ea typeface="Lato"/>
+                <a:cs typeface="Lato"/>
+                <a:sym typeface="Lato"/>
+              </a:rPr>
+              <a:t> 셰이더 추가 작업은 </a:t>
             </a:r>
             <a:r>
               <a:rPr xmlns:mc="http://schemas.openxmlformats.org/markup-compatibility/2006" xmlns:hp="http://schemas.haansoft.com/office/presentation/8.0" kumimoji="0" lang="en-US" altLang="ko-KR" sz="1500" i="0" u="none" strike="noStrike" kern="0" cap="none" spc="0" normalizeH="0" baseline="0" mc:Ignorable="hp" hp:hslEmbossed="0">
@@ -12961,9 +14679,229 @@
                 <a:cs typeface="Lato"/>
                 <a:sym typeface="Lato"/>
               </a:rPr>
+              <a:t> </a:t>
+            </a:r>
+            <a:r>
+              <a:rPr xmlns:mc="http://schemas.openxmlformats.org/markup-compatibility/2006" xmlns:hp="http://schemas.haansoft.com/office/presentation/8.0" kumimoji="0" lang="en-US" altLang="ko-KR" sz="1500" i="0" u="none" strike="noStrike" kern="0" cap="none" spc="0" normalizeH="0" baseline="0" mc:Ignorable="hp" hp:hslEmbossed="0">
+                <a:solidFill>
+                  <a:srgbClr val="343a40"/>
+                </a:solidFill>
+                <a:latin typeface="Lato"/>
+                <a:ea typeface="Lato"/>
+                <a:cs typeface="Lato"/>
+                <a:sym typeface="Lato"/>
+              </a:rPr>
+              <a:t>~</a:t>
+            </a:r>
+            <a:r>
+              <a:rPr xmlns:mc="http://schemas.openxmlformats.org/markup-compatibility/2006" xmlns:hp="http://schemas.haansoft.com/office/presentation/8.0" kumimoji="0" lang="ko-KR" altLang="en-US" sz="1500" i="0" u="none" strike="noStrike" kern="0" cap="none" spc="0" normalizeH="0" baseline="0" mc:Ignorable="hp" hp:hslEmbossed="0">
+                <a:solidFill>
+                  <a:srgbClr val="343a40"/>
+                </a:solidFill>
+                <a:latin typeface="Lato"/>
+                <a:ea typeface="Lato"/>
+                <a:cs typeface="Lato"/>
+                <a:sym typeface="Lato"/>
+              </a:rPr>
+              <a:t> </a:t>
+            </a:r>
+            <a:r>
+              <a:rPr xmlns:mc="http://schemas.openxmlformats.org/markup-compatibility/2006" xmlns:hp="http://schemas.haansoft.com/office/presentation/8.0" kumimoji="0" lang="en-US" altLang="ko-KR" sz="1500" i="0" u="none" strike="noStrike" kern="0" cap="none" spc="0" normalizeH="0" baseline="0" mc:Ignorable="hp" hp:hslEmbossed="0">
+                <a:solidFill>
+                  <a:srgbClr val="343a40"/>
+                </a:solidFill>
+                <a:latin typeface="Lato"/>
+                <a:ea typeface="Lato"/>
+                <a:cs typeface="Lato"/>
+                <a:sym typeface="Lato"/>
+              </a:rPr>
+              <a:t>7</a:t>
+            </a:r>
+            <a:r>
+              <a:rPr xmlns:mc="http://schemas.openxmlformats.org/markup-compatibility/2006" xmlns:hp="http://schemas.haansoft.com/office/presentation/8.0" kumimoji="0" lang="ko-KR" altLang="en-US" sz="1500" i="0" u="none" strike="noStrike" kern="0" cap="none" spc="0" normalizeH="0" baseline="0" mc:Ignorable="hp" hp:hslEmbossed="0">
+                <a:solidFill>
+                  <a:srgbClr val="343a40"/>
+                </a:solidFill>
+                <a:latin typeface="Lato"/>
+                <a:ea typeface="Lato"/>
+                <a:cs typeface="Lato"/>
+                <a:sym typeface="Lato"/>
+              </a:rPr>
               <a:t>월까지 진행될 것으로 예상</a:t>
             </a:r>
             <a:endParaRPr xmlns:mc="http://schemas.openxmlformats.org/markup-compatibility/2006" xmlns:hp="http://schemas.haansoft.com/office/presentation/8.0" kumimoji="0" lang="ko-KR" altLang="en-US" sz="1500" i="0" u="none" strike="noStrike" kern="0" cap="none" spc="0" normalizeH="0" baseline="0" mc:Ignorable="hp" hp:hslEmbossed="0">
+              <a:solidFill>
+                <a:srgbClr val="343a40"/>
+              </a:solidFill>
+              <a:latin typeface="Lato"/>
+              <a:ea typeface="Lato"/>
+              <a:cs typeface="Lato"/>
+              <a:sym typeface="Lato"/>
+            </a:endParaRPr>
+          </a:p>
+          <a:p>
+            <a:pPr marL="285750" marR="0" lvl="0" indent="-285750" algn="l" rtl="0" eaLnBrk="1" latinLnBrk="0" hangingPunct="1">
+              <a:lnSpc>
+                <a:spcPct val="100000"/>
+              </a:lnSpc>
+              <a:spcBef>
+                <a:spcPts val="600"/>
+              </a:spcBef>
+              <a:spcAft>
+                <a:spcPts val="0"/>
+              </a:spcAft>
+              <a:buClr>
+                <a:srgbClr val="000000"/>
+              </a:buClr>
+              <a:buFont typeface="Arial"/>
+              <a:buChar char="-"/>
+              <a:defRPr/>
+            </a:pPr>
+            <a:endParaRPr xmlns:mc="http://schemas.openxmlformats.org/markup-compatibility/2006" xmlns:hp="http://schemas.haansoft.com/office/presentation/8.0" kumimoji="0" lang="ko-KR" altLang="en-US" sz="1500" i="0" u="none" strike="noStrike" kern="0" cap="none" spc="0" normalizeH="0" baseline="0" mc:Ignorable="hp" hp:hslEmbossed="0">
+              <a:solidFill>
+                <a:srgbClr val="343a40"/>
+              </a:solidFill>
+              <a:latin typeface="Lato"/>
+              <a:ea typeface="Lato"/>
+              <a:cs typeface="Lato"/>
+              <a:sym typeface="Lato"/>
+            </a:endParaRPr>
+          </a:p>
+          <a:p>
+            <a:pPr marL="0" marR="0" lvl="0" indent="0" algn="l" rtl="0" eaLnBrk="1" latinLnBrk="0" hangingPunct="1">
+              <a:lnSpc>
+                <a:spcPct val="100000"/>
+              </a:lnSpc>
+              <a:spcBef>
+                <a:spcPts val="600"/>
+              </a:spcBef>
+              <a:spcAft>
+                <a:spcPts val="0"/>
+              </a:spcAft>
+              <a:buClr>
+                <a:srgbClr val="000000"/>
+              </a:buClr>
+              <a:buFont typeface="Arial"/>
+              <a:buNone/>
+              <a:defRPr/>
+            </a:pPr>
+            <a:r>
+              <a:rPr xmlns:mc="http://schemas.openxmlformats.org/markup-compatibility/2006" xmlns:hp="http://schemas.haansoft.com/office/presentation/8.0" kumimoji="0" lang="ko-KR" altLang="en-US" sz="1800" b="1" i="0" u="none" strike="noStrike" kern="0" cap="none" spc="0" normalizeH="0" baseline="0" mc:Ignorable="hp" hp:hslEmbossed="0">
+                <a:solidFill>
+                  <a:srgbClr val="343a40"/>
+                </a:solidFill>
+                <a:latin typeface="Lato"/>
+                <a:ea typeface="Lato"/>
+                <a:cs typeface="Lato"/>
+                <a:sym typeface="Lato"/>
+              </a:rPr>
+              <a:t>서버</a:t>
+            </a:r>
+            <a:endParaRPr xmlns:mc="http://schemas.openxmlformats.org/markup-compatibility/2006" xmlns:hp="http://schemas.haansoft.com/office/presentation/8.0" kumimoji="0" lang="ko-KR" altLang="en-US" sz="1800" b="1" i="0" u="none" strike="noStrike" kern="0" cap="none" spc="0" normalizeH="0" baseline="0" mc:Ignorable="hp" hp:hslEmbossed="0">
+              <a:solidFill>
+                <a:srgbClr val="343a40"/>
+              </a:solidFill>
+              <a:latin typeface="Lato"/>
+              <a:ea typeface="Lato"/>
+              <a:cs typeface="Lato"/>
+              <a:sym typeface="Lato"/>
+            </a:endParaRPr>
+          </a:p>
+          <a:p>
+            <a:pPr marL="285750" marR="0" lvl="0" indent="-285750" algn="l" rtl="0" eaLnBrk="1" latinLnBrk="0" hangingPunct="1">
+              <a:lnSpc>
+                <a:spcPct val="100000"/>
+              </a:lnSpc>
+              <a:spcBef>
+                <a:spcPts val="600"/>
+              </a:spcBef>
+              <a:spcAft>
+                <a:spcPts val="0"/>
+              </a:spcAft>
+              <a:buClr>
+                <a:srgbClr val="000000"/>
+              </a:buClr>
+              <a:buFont typeface="Arial"/>
+              <a:buChar char="-"/>
+              <a:defRPr/>
+            </a:pPr>
+            <a:r>
+              <a:rPr xmlns:mc="http://schemas.openxmlformats.org/markup-compatibility/2006" xmlns:hp="http://schemas.haansoft.com/office/presentation/8.0" kumimoji="0" lang="ko-KR" altLang="en-US" sz="1500" b="0" i="0" u="none" strike="noStrike" kern="0" cap="none" spc="0" normalizeH="0" baseline="0" mc:Ignorable="hp" hp:hslEmbossed="0">
+                <a:solidFill>
+                  <a:srgbClr val="343a40"/>
+                </a:solidFill>
+                <a:latin typeface="Lato"/>
+                <a:ea typeface="Lato"/>
+                <a:cs typeface="Lato"/>
+                <a:sym typeface="Lato"/>
+              </a:rPr>
+              <a:t>스레드 간 동기화 문제 </a:t>
+            </a:r>
+            <a:r>
+              <a:rPr xmlns:mc="http://schemas.openxmlformats.org/markup-compatibility/2006" xmlns:hp="http://schemas.haansoft.com/office/presentation/8.0" kumimoji="0" lang="en-US" altLang="ko-KR" sz="1500" b="0" i="0" u="none" strike="noStrike" kern="0" cap="none" spc="0" normalizeH="0" baseline="0" mc:Ignorable="hp" hp:hslEmbossed="0">
+                <a:solidFill>
+                  <a:srgbClr val="343a40"/>
+                </a:solidFill>
+                <a:latin typeface="Lato"/>
+                <a:ea typeface="Lato"/>
+                <a:cs typeface="Lato"/>
+                <a:sym typeface="Lato"/>
+              </a:rPr>
+              <a:t>-</a:t>
+            </a:r>
+            <a:r>
+              <a:rPr xmlns:mc="http://schemas.openxmlformats.org/markup-compatibility/2006" xmlns:hp="http://schemas.haansoft.com/office/presentation/8.0" kumimoji="0" lang="ko-KR" altLang="en-US" sz="1500" b="0" i="0" u="none" strike="noStrike" kern="0" cap="none" spc="0" normalizeH="0" baseline="0" mc:Ignorable="hp" hp:hslEmbossed="0">
+                <a:solidFill>
+                  <a:srgbClr val="343a40"/>
+                </a:solidFill>
+                <a:latin typeface="Lato"/>
+                <a:ea typeface="Lato"/>
+                <a:cs typeface="Lato"/>
+                <a:sym typeface="Lato"/>
+              </a:rPr>
+              <a:t> 공유자원 최소화로 진행 중</a:t>
+            </a:r>
+            <a:endParaRPr xmlns:mc="http://schemas.openxmlformats.org/markup-compatibility/2006" xmlns:hp="http://schemas.haansoft.com/office/presentation/8.0" kumimoji="0" lang="ko-KR" altLang="en-US" sz="1500" b="0" i="0" u="none" strike="noStrike" kern="0" cap="none" spc="0" normalizeH="0" baseline="0" mc:Ignorable="hp" hp:hslEmbossed="0">
+              <a:solidFill>
+                <a:srgbClr val="343a40"/>
+              </a:solidFill>
+              <a:latin typeface="Lato"/>
+              <a:ea typeface="Lato"/>
+              <a:cs typeface="Lato"/>
+              <a:sym typeface="Lato"/>
+            </a:endParaRPr>
+          </a:p>
+          <a:p>
+            <a:pPr marL="285750" marR="0" lvl="0" indent="-285750" algn="l" rtl="0" eaLnBrk="1" latinLnBrk="0" hangingPunct="1">
+              <a:lnSpc>
+                <a:spcPct val="100000"/>
+              </a:lnSpc>
+              <a:spcBef>
+                <a:spcPts val="600"/>
+              </a:spcBef>
+              <a:spcAft>
+                <a:spcPts val="0"/>
+              </a:spcAft>
+              <a:buClr>
+                <a:srgbClr val="000000"/>
+              </a:buClr>
+              <a:buFont typeface="Arial"/>
+              <a:buChar char="-"/>
+              <a:defRPr/>
+            </a:pPr>
+            <a:r>
+              <a:rPr xmlns:mc="http://schemas.openxmlformats.org/markup-compatibility/2006" xmlns:hp="http://schemas.haansoft.com/office/presentation/8.0" kumimoji="0" lang="ko-KR" altLang="en-US" sz="1500" b="0" i="0" u="none" strike="noStrike" kern="0" cap="none" spc="0" normalizeH="0" baseline="0" mc:Ignorable="hp" hp:hslEmbossed="0">
+                <a:solidFill>
+                  <a:srgbClr val="343a40"/>
+                </a:solidFill>
+                <a:latin typeface="Lato"/>
+                <a:ea typeface="Lato"/>
+                <a:cs typeface="Lato"/>
+                <a:sym typeface="Lato"/>
+              </a:rPr>
+              <a:t>네트워크 통신 시 클라이언트의 프레임 드랍</a:t>
+            </a:r>
+            <a:endParaRPr xmlns:mc="http://schemas.openxmlformats.org/markup-compatibility/2006" xmlns:hp="http://schemas.haansoft.com/office/presentation/8.0" kumimoji="0" lang="ko-KR" altLang="en-US" sz="1500" b="0" i="0" u="none" strike="noStrike" kern="0" cap="none" spc="0" normalizeH="0" baseline="0" mc:Ignorable="hp" hp:hslEmbossed="0">
               <a:solidFill>
                 <a:srgbClr val="343a40"/>
               </a:solidFill>
